--- a/DocumentationsProjet/Présentation1.pptx
+++ b/DocumentationsProjet/Présentation1.pptx
@@ -122,6 +122,22 @@
       </a:defRPr>
     </a:lvl9pPr>
   </p:defaultTextStyle>
+  <p:extLst>
+    <p:ext uri="{EFAFB233-063F-42B5-8137-9DF3F51BA10A}">
+      <p15:sldGuideLst xmlns:p15="http://schemas.microsoft.com/office/powerpoint/2012/main">
+        <p15:guide id="1" orient="horz" pos="2160">
+          <p15:clr>
+            <a:srgbClr val="A4A3A4"/>
+          </p15:clr>
+        </p15:guide>
+        <p15:guide id="2" pos="2880">
+          <p15:clr>
+            <a:srgbClr val="A4A3A4"/>
+          </p15:clr>
+        </p15:guide>
+      </p15:sldGuideLst>
+    </p:ext>
+  </p:extLst>
 </p:presentation>
 </file>
 
@@ -207,7 +223,7 @@
           <a:p>
             <a:fld id="{88D3DD92-9F27-4AF3-813B-B5261619014E}" type="datetimeFigureOut">
               <a:rPr lang="fr-FR" smtClean="0"/>
-              <a:t>23/04/2022</a:t>
+              <a:t>26/04/2022</a:t>
             </a:fld>
             <a:endParaRPr lang="fr-FR"/>
           </a:p>
@@ -600,13 +616,11 @@
         <p:spPr/>
         <p:txBody>
           <a:bodyPr/>
-          <a:lstStyle>
-            <a:extLst/>
-          </a:lstStyle>
+          <a:lstStyle/>
           <a:p>
             <a:fld id="{73392AF4-EFA3-4C15-AD36-2EE234262E1C}" type="datetime1">
               <a:rPr lang="fr-FR" smtClean="0"/>
-              <a:t>23/04/2022</a:t>
+              <a:t>26/04/2022</a:t>
             </a:fld>
             <a:endParaRPr lang="fr-FR"/>
           </a:p>
@@ -625,9 +639,7 @@
         <p:spPr/>
         <p:txBody>
           <a:bodyPr/>
-          <a:lstStyle>
-            <a:extLst/>
-          </a:lstStyle>
+          <a:lstStyle/>
           <a:p>
             <a:r>
               <a:rPr lang="fr-FR" smtClean="0"/>
@@ -650,9 +662,7 @@
         <p:spPr/>
         <p:txBody>
           <a:bodyPr/>
-          <a:lstStyle>
-            <a:extLst/>
-          </a:lstStyle>
+          <a:lstStyle/>
           <a:p>
             <a:fld id="{5780601A-1CED-45F7-A451-A2385C792580}" type="slidenum">
               <a:rPr lang="fr-FR" smtClean="0"/>
@@ -740,9 +750,7 @@
         </p:style>
         <p:txBody>
           <a:bodyPr anchor="ctr"/>
-          <a:lstStyle>
-            <a:extLst/>
-          </a:lstStyle>
+          <a:lstStyle/>
           <a:p>
             <a:pPr algn="ctr" eaLnBrk="1" latinLnBrk="0" hangingPunct="1"/>
             <a:endParaRPr kumimoji="0" lang="en-US"/>
@@ -791,9 +799,7 @@
         </p:style>
         <p:txBody>
           <a:bodyPr anchor="ctr"/>
-          <a:lstStyle>
-            <a:extLst/>
-          </a:lstStyle>
+          <a:lstStyle/>
           <a:p>
             <a:pPr algn="ctr" eaLnBrk="1" latinLnBrk="0" hangingPunct="1"/>
             <a:endParaRPr kumimoji="0" lang="en-US"/>
@@ -838,9 +844,7 @@
         <p:spPr/>
         <p:txBody>
           <a:bodyPr/>
-          <a:lstStyle>
-            <a:extLst/>
-          </a:lstStyle>
+          <a:lstStyle/>
           <a:p>
             <a:r>
               <a:rPr kumimoji="0" lang="fr-FR" smtClean="0"/>
@@ -863,9 +867,7 @@
         <p:spPr/>
         <p:txBody>
           <a:bodyPr vert="eaVert"/>
-          <a:lstStyle>
-            <a:extLst/>
-          </a:lstStyle>
+          <a:lstStyle/>
           <a:p>
             <a:pPr lvl="0" eaLnBrk="1" latinLnBrk="0" hangingPunct="1"/>
             <a:r>
@@ -917,13 +919,11 @@
         <p:spPr/>
         <p:txBody>
           <a:bodyPr/>
-          <a:lstStyle>
-            <a:extLst/>
-          </a:lstStyle>
+          <a:lstStyle/>
           <a:p>
             <a:fld id="{FF03CE53-ECD2-4E2D-9342-D035846EFB1A}" type="datetime1">
               <a:rPr lang="fr-FR" smtClean="0"/>
-              <a:t>23/04/2022</a:t>
+              <a:t>26/04/2022</a:t>
             </a:fld>
             <a:endParaRPr lang="fr-FR"/>
           </a:p>
@@ -942,9 +942,7 @@
         <p:spPr/>
         <p:txBody>
           <a:bodyPr/>
-          <a:lstStyle>
-            <a:extLst/>
-          </a:lstStyle>
+          <a:lstStyle/>
           <a:p>
             <a:r>
               <a:rPr lang="fr-FR" smtClean="0"/>
@@ -967,9 +965,7 @@
         <p:spPr/>
         <p:txBody>
           <a:bodyPr/>
-          <a:lstStyle>
-            <a:extLst/>
-          </a:lstStyle>
+          <a:lstStyle/>
           <a:p>
             <a:fld id="{5780601A-1CED-45F7-A451-A2385C792580}" type="slidenum">
               <a:rPr lang="fr-FR" smtClean="0"/>
@@ -1022,9 +1018,7 @@
         </p:spPr>
         <p:txBody>
           <a:bodyPr vert="eaVert"/>
-          <a:lstStyle>
-            <a:extLst/>
-          </a:lstStyle>
+          <a:lstStyle/>
           <a:p>
             <a:r>
               <a:rPr kumimoji="0" lang="fr-FR" smtClean="0"/>
@@ -1052,9 +1046,7 @@
         </p:spPr>
         <p:txBody>
           <a:bodyPr vert="eaVert"/>
-          <a:lstStyle>
-            <a:extLst/>
-          </a:lstStyle>
+          <a:lstStyle/>
           <a:p>
             <a:pPr lvl="0" eaLnBrk="1" latinLnBrk="0" hangingPunct="1"/>
             <a:r>
@@ -1106,13 +1098,11 @@
         <p:spPr/>
         <p:txBody>
           <a:bodyPr/>
-          <a:lstStyle>
-            <a:extLst/>
-          </a:lstStyle>
+          <a:lstStyle/>
           <a:p>
             <a:fld id="{EF0EDC5C-D9B8-4AFA-9021-2BBCB187F325}" type="datetime1">
               <a:rPr lang="fr-FR" smtClean="0"/>
-              <a:t>23/04/2022</a:t>
+              <a:t>26/04/2022</a:t>
             </a:fld>
             <a:endParaRPr lang="fr-FR"/>
           </a:p>
@@ -1131,9 +1121,7 @@
         <p:spPr/>
         <p:txBody>
           <a:bodyPr/>
-          <a:lstStyle>
-            <a:extLst/>
-          </a:lstStyle>
+          <a:lstStyle/>
           <a:p>
             <a:r>
               <a:rPr lang="fr-FR" smtClean="0"/>
@@ -1156,9 +1144,7 @@
         <p:spPr/>
         <p:txBody>
           <a:bodyPr/>
-          <a:lstStyle>
-            <a:extLst/>
-          </a:lstStyle>
+          <a:lstStyle/>
           <a:p>
             <a:fld id="{5780601A-1CED-45F7-A451-A2385C792580}" type="slidenum">
               <a:rPr lang="fr-FR" smtClean="0"/>
@@ -1206,9 +1192,7 @@
         <p:spPr/>
         <p:txBody>
           <a:bodyPr/>
-          <a:lstStyle>
-            <a:extLst/>
-          </a:lstStyle>
+          <a:lstStyle/>
           <a:p>
             <a:r>
               <a:rPr kumimoji="0" lang="fr-FR" smtClean="0"/>
@@ -1231,9 +1215,7 @@
         <p:spPr/>
         <p:txBody>
           <a:bodyPr/>
-          <a:lstStyle>
-            <a:extLst/>
-          </a:lstStyle>
+          <a:lstStyle/>
           <a:p>
             <a:pPr lvl="0" eaLnBrk="1" latinLnBrk="0" hangingPunct="1"/>
             <a:r>
@@ -1285,13 +1267,11 @@
         <p:spPr/>
         <p:txBody>
           <a:bodyPr/>
-          <a:lstStyle>
-            <a:extLst/>
-          </a:lstStyle>
+          <a:lstStyle/>
           <a:p>
             <a:fld id="{2E54E41F-A0E9-494D-AC25-7D97453954F1}" type="datetime1">
               <a:rPr lang="fr-FR" smtClean="0"/>
-              <a:t>23/04/2022</a:t>
+              <a:t>26/04/2022</a:t>
             </a:fld>
             <a:endParaRPr lang="fr-FR"/>
           </a:p>
@@ -1310,9 +1290,7 @@
         <p:spPr/>
         <p:txBody>
           <a:bodyPr/>
-          <a:lstStyle>
-            <a:extLst/>
-          </a:lstStyle>
+          <a:lstStyle/>
           <a:p>
             <a:r>
               <a:rPr lang="fr-FR" smtClean="0"/>
@@ -1335,9 +1313,7 @@
         <p:spPr/>
         <p:txBody>
           <a:bodyPr/>
-          <a:lstStyle>
-            <a:extLst/>
-          </a:lstStyle>
+          <a:lstStyle/>
           <a:p>
             <a:fld id="{5780601A-1CED-45F7-A451-A2385C792580}" type="slidenum">
               <a:rPr lang="fr-FR" smtClean="0"/>
@@ -1411,9 +1387,7 @@
         </p:style>
         <p:txBody>
           <a:bodyPr anchor="ctr"/>
-          <a:lstStyle>
-            <a:extLst/>
-          </a:lstStyle>
+          <a:lstStyle/>
           <a:p>
             <a:pPr algn="ctr" eaLnBrk="1" latinLnBrk="0" hangingPunct="1"/>
             <a:endParaRPr kumimoji="0" lang="en-US"/>
@@ -1557,13 +1531,11 @@
         <p:spPr/>
         <p:txBody>
           <a:bodyPr/>
-          <a:lstStyle>
-            <a:extLst/>
-          </a:lstStyle>
+          <a:lstStyle/>
           <a:p>
             <a:fld id="{EDE61E34-53A1-4A47-8981-04DDB1F1A0DE}" type="datetime1">
               <a:rPr lang="fr-FR" smtClean="0"/>
-              <a:t>23/04/2022</a:t>
+              <a:t>26/04/2022</a:t>
             </a:fld>
             <a:endParaRPr lang="fr-FR"/>
           </a:p>
@@ -1582,9 +1554,7 @@
         <p:spPr/>
         <p:txBody>
           <a:bodyPr/>
-          <a:lstStyle>
-            <a:extLst/>
-          </a:lstStyle>
+          <a:lstStyle/>
           <a:p>
             <a:r>
               <a:rPr lang="fr-FR" smtClean="0"/>
@@ -1607,9 +1577,7 @@
         <p:spPr/>
         <p:txBody>
           <a:bodyPr/>
-          <a:lstStyle>
-            <a:extLst/>
-          </a:lstStyle>
+          <a:lstStyle/>
           <a:p>
             <a:fld id="{5780601A-1CED-45F7-A451-A2385C792580}" type="slidenum">
               <a:rPr lang="fr-FR" smtClean="0"/>
@@ -1666,9 +1634,7 @@
         </p:style>
         <p:txBody>
           <a:bodyPr anchor="ctr"/>
-          <a:lstStyle>
-            <a:extLst/>
-          </a:lstStyle>
+          <a:lstStyle/>
           <a:p>
             <a:pPr algn="ctr" eaLnBrk="1" latinLnBrk="0" hangingPunct="1"/>
             <a:endParaRPr kumimoji="0" lang="en-US"/>
@@ -1753,9 +1719,7 @@
         </p:style>
         <p:txBody>
           <a:bodyPr anchor="ctr"/>
-          <a:lstStyle>
-            <a:extLst/>
-          </a:lstStyle>
+          <a:lstStyle/>
           <a:p>
             <a:pPr algn="ctr" eaLnBrk="1" latinLnBrk="0" hangingPunct="1"/>
             <a:endParaRPr kumimoji="0" lang="en-US"/>
@@ -1804,9 +1768,7 @@
         </p:style>
         <p:txBody>
           <a:bodyPr anchor="ctr"/>
-          <a:lstStyle>
-            <a:extLst/>
-          </a:lstStyle>
+          <a:lstStyle/>
           <a:p>
             <a:pPr algn="ctr" eaLnBrk="1" latinLnBrk="0" hangingPunct="1"/>
             <a:endParaRPr kumimoji="0" lang="en-US"/>
@@ -1856,9 +1818,7 @@
         </p:spPr>
         <p:txBody>
           <a:bodyPr/>
-          <a:lstStyle>
-            <a:extLst/>
-          </a:lstStyle>
+          <a:lstStyle/>
           <a:p>
             <a:r>
               <a:rPr kumimoji="0" lang="fr-FR" smtClean="0"/>
@@ -2029,13 +1989,11 @@
         <p:spPr/>
         <p:txBody>
           <a:bodyPr/>
-          <a:lstStyle>
-            <a:extLst/>
-          </a:lstStyle>
+          <a:lstStyle/>
           <a:p>
             <a:fld id="{117D0F5A-A062-4495-87CA-678425BC11FB}" type="datetime1">
               <a:rPr lang="fr-FR" smtClean="0"/>
-              <a:t>23/04/2022</a:t>
+              <a:t>26/04/2022</a:t>
             </a:fld>
             <a:endParaRPr lang="fr-FR"/>
           </a:p>
@@ -2054,9 +2012,7 @@
         <p:spPr/>
         <p:txBody>
           <a:bodyPr/>
-          <a:lstStyle>
-            <a:extLst/>
-          </a:lstStyle>
+          <a:lstStyle/>
           <a:p>
             <a:r>
               <a:rPr lang="fr-FR" smtClean="0"/>
@@ -2079,9 +2035,7 @@
         <p:spPr/>
         <p:txBody>
           <a:bodyPr/>
-          <a:lstStyle>
-            <a:extLst/>
-          </a:lstStyle>
+          <a:lstStyle/>
           <a:p>
             <a:fld id="{5780601A-1CED-45F7-A451-A2385C792580}" type="slidenum">
               <a:rPr lang="fr-FR" smtClean="0"/>
@@ -2522,13 +2476,11 @@
         <p:spPr/>
         <p:txBody>
           <a:bodyPr/>
-          <a:lstStyle>
-            <a:extLst/>
-          </a:lstStyle>
+          <a:lstStyle/>
           <a:p>
             <a:fld id="{9BF0B571-9BC5-4D45-BC0A-7C979A3E27F1}" type="datetime1">
               <a:rPr lang="fr-FR" smtClean="0"/>
-              <a:t>23/04/2022</a:t>
+              <a:t>26/04/2022</a:t>
             </a:fld>
             <a:endParaRPr lang="fr-FR"/>
           </a:p>
@@ -2547,9 +2499,7 @@
         <p:spPr/>
         <p:txBody>
           <a:bodyPr/>
-          <a:lstStyle>
-            <a:extLst/>
-          </a:lstStyle>
+          <a:lstStyle/>
           <a:p>
             <a:r>
               <a:rPr lang="fr-FR" smtClean="0"/>
@@ -2572,9 +2522,7 @@
         <p:spPr/>
         <p:txBody>
           <a:bodyPr/>
-          <a:lstStyle>
-            <a:extLst/>
-          </a:lstStyle>
+          <a:lstStyle/>
           <a:p>
             <a:fld id="{5780601A-1CED-45F7-A451-A2385C792580}" type="slidenum">
               <a:rPr lang="fr-FR" smtClean="0"/>
@@ -2627,9 +2575,7 @@
         </p:spPr>
         <p:txBody>
           <a:bodyPr anchor="ctr"/>
-          <a:lstStyle>
-            <a:extLst/>
-          </a:lstStyle>
+          <a:lstStyle/>
           <a:p>
             <a:r>
               <a:rPr kumimoji="0" lang="fr-FR" smtClean="0"/>
@@ -2652,13 +2598,11 @@
         <p:spPr/>
         <p:txBody>
           <a:bodyPr/>
-          <a:lstStyle>
-            <a:extLst/>
-          </a:lstStyle>
+          <a:lstStyle/>
           <a:p>
             <a:fld id="{FA9A55F5-3799-4BD7-B0A6-75A5FC051C03}" type="datetime1">
               <a:rPr lang="fr-FR" smtClean="0"/>
-              <a:t>23/04/2022</a:t>
+              <a:t>26/04/2022</a:t>
             </a:fld>
             <a:endParaRPr lang="fr-FR"/>
           </a:p>
@@ -2677,9 +2621,7 @@
         <p:spPr/>
         <p:txBody>
           <a:bodyPr/>
-          <a:lstStyle>
-            <a:extLst/>
-          </a:lstStyle>
+          <a:lstStyle/>
           <a:p>
             <a:r>
               <a:rPr lang="fr-FR" smtClean="0"/>
@@ -2702,9 +2644,7 @@
         <p:spPr/>
         <p:txBody>
           <a:bodyPr/>
-          <a:lstStyle>
-            <a:extLst/>
-          </a:lstStyle>
+          <a:lstStyle/>
           <a:p>
             <a:fld id="{5780601A-1CED-45F7-A451-A2385C792580}" type="slidenum">
               <a:rPr lang="fr-FR" smtClean="0"/>
@@ -2778,9 +2718,7 @@
         </p:style>
         <p:txBody>
           <a:bodyPr anchor="ctr"/>
-          <a:lstStyle>
-            <a:extLst/>
-          </a:lstStyle>
+          <a:lstStyle/>
           <a:p>
             <a:pPr algn="ctr" eaLnBrk="1" latinLnBrk="0" hangingPunct="1"/>
             <a:endParaRPr kumimoji="0" lang="en-US"/>
@@ -2800,13 +2738,11 @@
         <p:spPr/>
         <p:txBody>
           <a:bodyPr/>
-          <a:lstStyle>
-            <a:extLst/>
-          </a:lstStyle>
+          <a:lstStyle/>
           <a:p>
             <a:fld id="{1870D7F8-E848-4998-A93B-2281E1B917C5}" type="datetime1">
               <a:rPr lang="fr-FR" smtClean="0"/>
-              <a:t>23/04/2022</a:t>
+              <a:t>26/04/2022</a:t>
             </a:fld>
             <a:endParaRPr lang="fr-FR"/>
           </a:p>
@@ -2825,9 +2761,7 @@
         <p:spPr/>
         <p:txBody>
           <a:bodyPr/>
-          <a:lstStyle>
-            <a:extLst/>
-          </a:lstStyle>
+          <a:lstStyle/>
           <a:p>
             <a:r>
               <a:rPr lang="fr-FR" smtClean="0"/>
@@ -2850,9 +2784,7 @@
         <p:spPr/>
         <p:txBody>
           <a:bodyPr/>
-          <a:lstStyle>
-            <a:extLst/>
-          </a:lstStyle>
+          <a:lstStyle/>
           <a:p>
             <a:fld id="{5780601A-1CED-45F7-A451-A2385C792580}" type="slidenum">
               <a:rPr lang="fr-FR" smtClean="0"/>
@@ -2909,9 +2841,7 @@
         </p:style>
         <p:txBody>
           <a:bodyPr anchor="ctr"/>
-          <a:lstStyle>
-            <a:extLst/>
-          </a:lstStyle>
+          <a:lstStyle/>
           <a:p>
             <a:pPr algn="ctr" eaLnBrk="1" latinLnBrk="0" hangingPunct="1"/>
             <a:endParaRPr kumimoji="0" lang="en-US"/>
@@ -3126,13 +3056,11 @@
         <p:spPr/>
         <p:txBody>
           <a:bodyPr/>
-          <a:lstStyle>
-            <a:extLst/>
-          </a:lstStyle>
+          <a:lstStyle/>
           <a:p>
             <a:fld id="{27A83D58-F497-4C11-9887-991EFF5C67CF}" type="datetime1">
               <a:rPr lang="fr-FR" smtClean="0"/>
-              <a:t>23/04/2022</a:t>
+              <a:t>26/04/2022</a:t>
             </a:fld>
             <a:endParaRPr lang="fr-FR"/>
           </a:p>
@@ -3151,9 +3079,7 @@
         <p:spPr/>
         <p:txBody>
           <a:bodyPr/>
-          <a:lstStyle>
-            <a:extLst/>
-          </a:lstStyle>
+          <a:lstStyle/>
           <a:p>
             <a:r>
               <a:rPr lang="fr-FR" smtClean="0"/>
@@ -3176,9 +3102,7 @@
         <p:spPr/>
         <p:txBody>
           <a:bodyPr/>
-          <a:lstStyle>
-            <a:extLst/>
-          </a:lstStyle>
+          <a:lstStyle/>
           <a:p>
             <a:fld id="{5780601A-1CED-45F7-A451-A2385C792580}" type="slidenum">
               <a:rPr lang="fr-FR" smtClean="0"/>
@@ -3264,13 +3188,11 @@
         <p:spPr/>
         <p:txBody>
           <a:bodyPr/>
-          <a:lstStyle>
-            <a:extLst/>
-          </a:lstStyle>
+          <a:lstStyle/>
           <a:p>
             <a:fld id="{229D86BF-04B6-4172-8FC0-57E40292CAC4}" type="datetime1">
               <a:rPr lang="fr-FR" smtClean="0"/>
-              <a:t>23/04/2022</a:t>
+              <a:t>26/04/2022</a:t>
             </a:fld>
             <a:endParaRPr lang="fr-FR"/>
           </a:p>
@@ -3289,9 +3211,7 @@
         <p:spPr/>
         <p:txBody>
           <a:bodyPr/>
-          <a:lstStyle>
-            <a:extLst/>
-          </a:lstStyle>
+          <a:lstStyle/>
           <a:p>
             <a:r>
               <a:rPr lang="fr-FR" smtClean="0"/>
@@ -3314,9 +3234,7 @@
         <p:spPr/>
         <p:txBody>
           <a:bodyPr/>
-          <a:lstStyle>
-            <a:extLst/>
-          </a:lstStyle>
+          <a:lstStyle/>
           <a:p>
             <a:fld id="{5780601A-1CED-45F7-A451-A2385C792580}" type="slidenum">
               <a:rPr lang="fr-FR" smtClean="0"/>
@@ -3373,9 +3291,7 @@
           <a:bodyPr lIns="91440" tIns="274320" rtlCol="0" anchor="t">
             <a:normAutofit/>
           </a:bodyPr>
-          <a:lstStyle>
-            <a:extLst/>
-          </a:lstStyle>
+          <a:lstStyle/>
           <a:p>
             <a:pPr marL="0" indent="-283464" algn="l" rtl="0" eaLnBrk="1" latinLnBrk="0" hangingPunct="1">
               <a:lnSpc>
@@ -3503,9 +3419,7 @@
         </p:style>
         <p:txBody>
           <a:bodyPr anchor="ctr"/>
-          <a:lstStyle>
-            <a:extLst/>
-          </a:lstStyle>
+          <a:lstStyle/>
           <a:p>
             <a:pPr algn="ctr" eaLnBrk="1" latinLnBrk="0" hangingPunct="1"/>
             <a:endParaRPr kumimoji="0" lang="en-US"/>
@@ -3563,9 +3477,7 @@
         </p:style>
         <p:txBody>
           <a:bodyPr anchor="ctr"/>
-          <a:lstStyle>
-            <a:extLst/>
-          </a:lstStyle>
+          <a:lstStyle/>
           <a:p>
             <a:pPr algn="ctr" eaLnBrk="1" latinLnBrk="0" hangingPunct="1"/>
             <a:endParaRPr kumimoji="0" lang="en-US" dirty="0"/>
@@ -3724,9 +3636,7 @@
         </p:style>
         <p:txBody>
           <a:bodyPr anchor="ctr"/>
-          <a:lstStyle>
-            <a:extLst/>
-          </a:lstStyle>
+          <a:lstStyle/>
           <a:p>
             <a:pPr algn="ctr" eaLnBrk="1" latinLnBrk="0" hangingPunct="1"/>
             <a:endParaRPr kumimoji="0" lang="en-US"/>
@@ -3784,9 +3694,7 @@
         </p:style>
         <p:txBody>
           <a:bodyPr anchor="ctr"/>
-          <a:lstStyle>
-            <a:extLst/>
-          </a:lstStyle>
+          <a:lstStyle/>
           <a:p>
             <a:pPr algn="ctr" eaLnBrk="1" latinLnBrk="0" hangingPunct="1"/>
             <a:endParaRPr kumimoji="0" lang="en-US"/>
@@ -3876,9 +3784,7 @@
         </p:style>
         <p:txBody>
           <a:bodyPr anchor="ctr"/>
-          <a:lstStyle>
-            <a:extLst/>
-          </a:lstStyle>
+          <a:lstStyle/>
           <a:p>
             <a:pPr algn="ctr" eaLnBrk="1" latinLnBrk="0" hangingPunct="1"/>
             <a:endParaRPr kumimoji="0" lang="en-US"/>
@@ -3924,9 +3830,7 @@
         </p:style>
         <p:txBody>
           <a:bodyPr anchor="ctr"/>
-          <a:lstStyle>
-            <a:extLst/>
-          </a:lstStyle>
+          <a:lstStyle/>
           <a:p>
             <a:pPr algn="ctr" eaLnBrk="1" latinLnBrk="0" hangingPunct="1"/>
             <a:endParaRPr kumimoji="0" lang="en-US"/>
@@ -3956,9 +3860,7 @@
           <a:bodyPr anchor="ctr">
             <a:normAutofit/>
           </a:bodyPr>
-          <a:lstStyle>
-            <a:extLst/>
-          </a:lstStyle>
+          <a:lstStyle/>
           <a:p>
             <a:r>
               <a:rPr kumimoji="0" lang="fr-FR" smtClean="0"/>
@@ -3991,9 +3893,7 @@
           <a:bodyPr>
             <a:normAutofit/>
           </a:bodyPr>
-          <a:lstStyle>
-            <a:extLst/>
-          </a:lstStyle>
+          <a:lstStyle/>
           <a:p>
             <a:pPr lvl="0" eaLnBrk="1" latinLnBrk="0" hangingPunct="1"/>
             <a:r>
@@ -4069,7 +3969,7 @@
           <a:p>
             <a:fld id="{A37FFE8B-46B8-48F0-92A7-D9133214D04C}" type="datetime1">
               <a:rPr lang="fr-FR" smtClean="0"/>
-              <a:t>23/04/2022</a:t>
+              <a:t>26/04/2022</a:t>
             </a:fld>
             <a:endParaRPr lang="fr-FR"/>
           </a:p>
@@ -4210,9 +4110,7 @@
         </p:style>
         <p:txBody>
           <a:bodyPr anchor="ctr"/>
-          <a:lstStyle>
-            <a:extLst/>
-          </a:lstStyle>
+          <a:lstStyle/>
           <a:p>
             <a:pPr algn="ctr" eaLnBrk="1" latinLnBrk="0" hangingPunct="1"/>
             <a:endParaRPr kumimoji="0" lang="en-US"/>
@@ -4813,91 +4711,26 @@
       </p:grpSpPr>
       <p:sp>
         <p:nvSpPr>
-          <p:cNvPr id="6" name="Titre 1"/>
-          <p:cNvSpPr txBox="1">
-            <a:spLocks/>
-          </p:cNvSpPr>
-          <p:nvPr/>
-        </p:nvSpPr>
-        <p:spPr>
-          <a:xfrm>
-            <a:off x="2857488" y="285728"/>
-            <a:ext cx="4857784" cy="1143000"/>
-          </a:xfrm>
-          <a:prstGeom prst="rect">
-            <a:avLst/>
-          </a:prstGeom>
+          <p:cNvPr id="2" name="Titre 1"/>
+          <p:cNvSpPr>
+            <a:spLocks noGrp="1"/>
+          </p:cNvSpPr>
+          <p:nvPr>
+            <p:ph type="title"/>
+          </p:nvPr>
+        </p:nvSpPr>
+        <p:spPr>
+          <a:xfrm>
+            <a:off x="2772000" y="252000"/>
+            <a:ext cx="5040000" cy="720000"/>
+          </a:xfrm>
           <a:solidFill>
             <a:srgbClr val="C65806"/>
           </a:solidFill>
         </p:spPr>
         <p:txBody>
-          <a:bodyPr anchor="ctr">
-            <a:normAutofit/>
-          </a:bodyPr>
-          <a:lstStyle/>
-          <a:p>
-            <a:pPr marL="0" marR="0" lvl="0" indent="0" algn="l" defTabSz="914400" rtl="0" eaLnBrk="1" fontAlgn="auto" latinLnBrk="0" hangingPunct="1">
-              <a:lnSpc>
-                <a:spcPct val="100000"/>
-              </a:lnSpc>
-              <a:spcBef>
-                <a:spcPct val="0"/>
-              </a:spcBef>
-              <a:spcAft>
-                <a:spcPts val="0"/>
-              </a:spcAft>
-              <a:buClrTx/>
-              <a:buSzTx/>
-              <a:buFontTx/>
-              <a:buNone/>
-              <a:tabLst/>
-              <a:defRPr/>
-            </a:pPr>
-            <a:endParaRPr kumimoji="0" lang="fr-FR" sz="4300" b="0" i="0" u="none" strike="noStrike" kern="1200" cap="none" spc="0" normalizeH="0" baseline="0" noProof="0" dirty="0">
-              <a:ln>
-                <a:noFill/>
-              </a:ln>
-              <a:solidFill>
-                <a:schemeClr val="tx2">
-                  <a:satMod val="130000"/>
-                </a:schemeClr>
-              </a:solidFill>
-              <a:effectLst>
-                <a:outerShdw blurRad="50000" dist="30000" dir="5400000" algn="tl" rotWithShape="0">
-                  <a:srgbClr val="000000">
-                    <a:alpha val="30000"/>
-                  </a:srgbClr>
-                </a:outerShdw>
-              </a:effectLst>
-              <a:uLnTx/>
-              <a:uFillTx/>
-              <a:latin typeface="+mj-lt"/>
-              <a:ea typeface="+mj-ea"/>
-              <a:cs typeface="+mj-cs"/>
-            </a:endParaRPr>
-          </a:p>
-        </p:txBody>
-      </p:sp>
-      <p:sp>
-        <p:nvSpPr>
-          <p:cNvPr id="2" name="Titre 1"/>
-          <p:cNvSpPr>
-            <a:spLocks noGrp="1"/>
-          </p:cNvSpPr>
-          <p:nvPr>
-            <p:ph type="title"/>
-          </p:nvPr>
-        </p:nvSpPr>
-        <p:spPr>
-          <a:xfrm>
-            <a:off x="2857488" y="285728"/>
-            <a:ext cx="4500594" cy="1143000"/>
-          </a:xfrm>
-        </p:spPr>
-        <p:txBody>
           <a:bodyPr>
-            <a:normAutofit/>
+            <a:normAutofit fontScale="90000"/>
           </a:bodyPr>
           <a:lstStyle/>
           <a:p>
@@ -4922,8 +4755,8 @@
         </p:nvSpPr>
         <p:spPr>
           <a:xfrm>
-            <a:off x="1500166" y="1714488"/>
-            <a:ext cx="7498080" cy="4800600"/>
+            <a:off x="1500166" y="1484784"/>
+            <a:ext cx="7498080" cy="5030304"/>
           </a:xfrm>
         </p:spPr>
         <p:txBody>
@@ -5026,7 +4859,7 @@
         </p:blipFill>
         <p:spPr>
           <a:xfrm>
-            <a:off x="7786710" y="428604"/>
+            <a:off x="7812360" y="388149"/>
             <a:ext cx="952500" cy="866775"/>
           </a:xfrm>
           <a:prstGeom prst="rect">
@@ -5043,7 +4876,7 @@
         </p:nvSpPr>
         <p:spPr>
           <a:xfrm>
-            <a:off x="1214414" y="1857364"/>
+            <a:off x="1214414" y="1623218"/>
             <a:ext cx="571504" cy="357190"/>
           </a:xfrm>
           <a:prstGeom prst="rightArrow">
@@ -5098,8 +4931,8 @@
         </p:blipFill>
         <p:spPr>
           <a:xfrm>
-            <a:off x="1071538" y="2643182"/>
-            <a:ext cx="7229475" cy="3314700"/>
+            <a:off x="1071538" y="2075122"/>
+            <a:ext cx="7926708" cy="4378214"/>
           </a:xfrm>
           <a:prstGeom prst="rect">
             <a:avLst/>
@@ -5141,91 +4974,26 @@
       </p:grpSpPr>
       <p:sp>
         <p:nvSpPr>
-          <p:cNvPr id="6" name="Titre 1"/>
-          <p:cNvSpPr txBox="1">
-            <a:spLocks/>
-          </p:cNvSpPr>
-          <p:nvPr/>
-        </p:nvSpPr>
-        <p:spPr>
-          <a:xfrm>
-            <a:off x="2857488" y="285728"/>
-            <a:ext cx="4857784" cy="1143000"/>
-          </a:xfrm>
-          <a:prstGeom prst="rect">
-            <a:avLst/>
-          </a:prstGeom>
+          <p:cNvPr id="2" name="Titre 1"/>
+          <p:cNvSpPr>
+            <a:spLocks noGrp="1"/>
+          </p:cNvSpPr>
+          <p:nvPr>
+            <p:ph type="title"/>
+          </p:nvPr>
+        </p:nvSpPr>
+        <p:spPr>
+          <a:xfrm>
+            <a:off x="2772000" y="252000"/>
+            <a:ext cx="5040000" cy="720000"/>
+          </a:xfrm>
           <a:solidFill>
             <a:srgbClr val="C65806"/>
           </a:solidFill>
         </p:spPr>
         <p:txBody>
-          <a:bodyPr anchor="ctr">
-            <a:normAutofit/>
-          </a:bodyPr>
-          <a:lstStyle/>
-          <a:p>
-            <a:pPr marL="0" marR="0" lvl="0" indent="0" algn="l" defTabSz="914400" rtl="0" eaLnBrk="1" fontAlgn="auto" latinLnBrk="0" hangingPunct="1">
-              <a:lnSpc>
-                <a:spcPct val="100000"/>
-              </a:lnSpc>
-              <a:spcBef>
-                <a:spcPct val="0"/>
-              </a:spcBef>
-              <a:spcAft>
-                <a:spcPts val="0"/>
-              </a:spcAft>
-              <a:buClrTx/>
-              <a:buSzTx/>
-              <a:buFontTx/>
-              <a:buNone/>
-              <a:tabLst/>
-              <a:defRPr/>
-            </a:pPr>
-            <a:endParaRPr kumimoji="0" lang="fr-FR" sz="4300" b="0" i="0" u="none" strike="noStrike" kern="1200" cap="none" spc="0" normalizeH="0" baseline="0" noProof="0" dirty="0">
-              <a:ln>
-                <a:noFill/>
-              </a:ln>
-              <a:solidFill>
-                <a:schemeClr val="tx2">
-                  <a:satMod val="130000"/>
-                </a:schemeClr>
-              </a:solidFill>
-              <a:effectLst>
-                <a:outerShdw blurRad="50000" dist="30000" dir="5400000" algn="tl" rotWithShape="0">
-                  <a:srgbClr val="000000">
-                    <a:alpha val="30000"/>
-                  </a:srgbClr>
-                </a:outerShdw>
-              </a:effectLst>
-              <a:uLnTx/>
-              <a:uFillTx/>
-              <a:latin typeface="+mj-lt"/>
-              <a:ea typeface="+mj-ea"/>
-              <a:cs typeface="+mj-cs"/>
-            </a:endParaRPr>
-          </a:p>
-        </p:txBody>
-      </p:sp>
-      <p:sp>
-        <p:nvSpPr>
-          <p:cNvPr id="2" name="Titre 1"/>
-          <p:cNvSpPr>
-            <a:spLocks noGrp="1"/>
-          </p:cNvSpPr>
-          <p:nvPr>
-            <p:ph type="title"/>
-          </p:nvPr>
-        </p:nvSpPr>
-        <p:spPr>
-          <a:xfrm>
-            <a:off x="2857488" y="285728"/>
-            <a:ext cx="4500594" cy="1143000"/>
-          </a:xfrm>
-        </p:spPr>
-        <p:txBody>
           <a:bodyPr>
-            <a:normAutofit/>
+            <a:normAutofit fontScale="90000"/>
           </a:bodyPr>
           <a:lstStyle/>
           <a:p>
@@ -5250,8 +5018,8 @@
         </p:nvSpPr>
         <p:spPr>
           <a:xfrm>
-            <a:off x="1500166" y="1714488"/>
-            <a:ext cx="7498080" cy="4800600"/>
+            <a:off x="1500166" y="1484784"/>
+            <a:ext cx="7498080" cy="5030304"/>
           </a:xfrm>
         </p:spPr>
         <p:txBody>
@@ -5354,7 +5122,7 @@
         </p:blipFill>
         <p:spPr>
           <a:xfrm>
-            <a:off x="7786710" y="428604"/>
+            <a:off x="8045746" y="285728"/>
             <a:ext cx="952500" cy="866775"/>
           </a:xfrm>
           <a:prstGeom prst="rect">
@@ -5371,7 +5139,7 @@
         </p:nvSpPr>
         <p:spPr>
           <a:xfrm>
-            <a:off x="1214414" y="1857364"/>
+            <a:off x="1229605" y="1641743"/>
             <a:ext cx="571504" cy="357190"/>
           </a:xfrm>
           <a:prstGeom prst="rightArrow">
@@ -5426,13 +5194,43 @@
         </p:blipFill>
         <p:spPr>
           <a:xfrm>
-            <a:off x="1643042" y="2500306"/>
-            <a:ext cx="7115175" cy="3276600"/>
+            <a:off x="1052647" y="2060848"/>
+            <a:ext cx="7945599" cy="4454240"/>
           </a:xfrm>
           <a:prstGeom prst="rect">
             <a:avLst/>
           </a:prstGeom>
           <a:ln/>
+        </p:spPr>
+      </p:pic>
+      <p:pic>
+        <p:nvPicPr>
+          <p:cNvPr id="10" name="Image 9"/>
+          <p:cNvPicPr>
+            <a:picLocks noChangeAspect="1"/>
+          </p:cNvPicPr>
+          <p:nvPr/>
+        </p:nvPicPr>
+        <p:blipFill>
+          <a:blip r:embed="rId5">
+            <a:extLst>
+              <a:ext uri="{28A0092B-C50C-407E-A947-70E740481C1C}">
+                <a14:useLocalDpi xmlns:a14="http://schemas.microsoft.com/office/drawing/2010/main" val="0"/>
+              </a:ext>
+            </a:extLst>
+          </a:blip>
+          <a:stretch>
+            <a:fillRect/>
+          </a:stretch>
+        </p:blipFill>
+        <p:spPr>
+          <a:xfrm>
+            <a:off x="2169524" y="2219139"/>
+            <a:ext cx="5575310" cy="4052108"/>
+          </a:xfrm>
+          <a:prstGeom prst="rect">
+            <a:avLst/>
+          </a:prstGeom>
         </p:spPr>
       </p:pic>
     </p:spTree>
@@ -5443,7 +5241,118 @@
   <p:timing>
     <p:tnLst>
       <p:par>
-        <p:cTn id="1" dur="indefinite" restart="never" nodeType="tmRoot"/>
+        <p:cTn id="1" dur="indefinite" restart="never" nodeType="tmRoot">
+          <p:childTnLst>
+            <p:seq concurrent="1" nextAc="seek">
+              <p:cTn id="2" dur="indefinite" nodeType="mainSeq">
+                <p:childTnLst>
+                  <p:par>
+                    <p:cTn id="3" fill="hold">
+                      <p:stCondLst>
+                        <p:cond delay="indefinite"/>
+                      </p:stCondLst>
+                      <p:childTnLst>
+                        <p:par>
+                          <p:cTn id="4" fill="hold">
+                            <p:stCondLst>
+                              <p:cond delay="0"/>
+                            </p:stCondLst>
+                            <p:childTnLst>
+                              <p:par>
+                                <p:cTn id="5" presetID="10" presetClass="entr" presetSubtype="0" fill="hold" nodeType="clickEffect">
+                                  <p:stCondLst>
+                                    <p:cond delay="0"/>
+                                  </p:stCondLst>
+                                  <p:childTnLst>
+                                    <p:set>
+                                      <p:cBhvr>
+                                        <p:cTn id="6" dur="1" fill="hold">
+                                          <p:stCondLst>
+                                            <p:cond delay="0"/>
+                                          </p:stCondLst>
+                                        </p:cTn>
+                                        <p:tgtEl>
+                                          <p:spTgt spid="10"/>
+                                        </p:tgtEl>
+                                        <p:attrNameLst>
+                                          <p:attrName>style.visibility</p:attrName>
+                                        </p:attrNameLst>
+                                      </p:cBhvr>
+                                      <p:to>
+                                        <p:strVal val="visible"/>
+                                      </p:to>
+                                    </p:set>
+                                    <p:animEffect transition="in" filter="fade">
+                                      <p:cBhvr>
+                                        <p:cTn id="7" dur="500"/>
+                                        <p:tgtEl>
+                                          <p:spTgt spid="10"/>
+                                        </p:tgtEl>
+                                      </p:cBhvr>
+                                    </p:animEffect>
+                                  </p:childTnLst>
+                                </p:cTn>
+                              </p:par>
+                              <p:par>
+                                <p:cTn id="8" presetID="10" presetClass="exit" presetSubtype="0" fill="hold" nodeType="withEffect">
+                                  <p:stCondLst>
+                                    <p:cond delay="0"/>
+                                  </p:stCondLst>
+                                  <p:childTnLst>
+                                    <p:animEffect transition="out" filter="fade">
+                                      <p:cBhvr>
+                                        <p:cTn id="9" dur="500"/>
+                                        <p:tgtEl>
+                                          <p:spTgt spid="9"/>
+                                        </p:tgtEl>
+                                      </p:cBhvr>
+                                    </p:animEffect>
+                                    <p:set>
+                                      <p:cBhvr>
+                                        <p:cTn id="10" dur="1" fill="hold">
+                                          <p:stCondLst>
+                                            <p:cond delay="499"/>
+                                          </p:stCondLst>
+                                        </p:cTn>
+                                        <p:tgtEl>
+                                          <p:spTgt spid="9"/>
+                                        </p:tgtEl>
+                                        <p:attrNameLst>
+                                          <p:attrName>style.visibility</p:attrName>
+                                        </p:attrNameLst>
+                                      </p:cBhvr>
+                                      <p:to>
+                                        <p:strVal val="hidden"/>
+                                      </p:to>
+                                    </p:set>
+                                  </p:childTnLst>
+                                </p:cTn>
+                              </p:par>
+                            </p:childTnLst>
+                          </p:cTn>
+                        </p:par>
+                      </p:childTnLst>
+                    </p:cTn>
+                  </p:par>
+                </p:childTnLst>
+              </p:cTn>
+              <p:prevCondLst>
+                <p:cond evt="onPrev" delay="0">
+                  <p:tgtEl>
+                    <p:sldTgt/>
+                  </p:tgtEl>
+                </p:cond>
+              </p:prevCondLst>
+              <p:nextCondLst>
+                <p:cond evt="onNext" delay="0">
+                  <p:tgtEl>
+                    <p:sldTgt/>
+                  </p:tgtEl>
+                </p:cond>
+              </p:nextCondLst>
+            </p:seq>
+          </p:childTnLst>
+        </p:cTn>
       </p:par>
     </p:tnLst>
   </p:timing>
@@ -5469,98 +5378,37 @@
       </p:grpSpPr>
       <p:sp>
         <p:nvSpPr>
-          <p:cNvPr id="6" name="Titre 1"/>
-          <p:cNvSpPr txBox="1">
-            <a:spLocks/>
-          </p:cNvSpPr>
-          <p:nvPr/>
-        </p:nvSpPr>
-        <p:spPr>
-          <a:xfrm>
-            <a:off x="2857488" y="285728"/>
-            <a:ext cx="4857784" cy="1143000"/>
-          </a:xfrm>
-          <a:prstGeom prst="rect">
-            <a:avLst/>
-          </a:prstGeom>
+          <p:cNvPr id="2" name="Titre 1"/>
+          <p:cNvSpPr>
+            <a:spLocks noGrp="1"/>
+          </p:cNvSpPr>
+          <p:nvPr>
+            <p:ph type="title"/>
+          </p:nvPr>
+        </p:nvSpPr>
+        <p:spPr>
+          <a:xfrm>
+            <a:off x="2771800" y="252000"/>
+            <a:ext cx="5040000" cy="720000"/>
+          </a:xfrm>
           <a:solidFill>
             <a:srgbClr val="C65806"/>
           </a:solidFill>
         </p:spPr>
         <p:txBody>
-          <a:bodyPr anchor="ctr">
-            <a:normAutofit/>
+          <a:bodyPr>
+            <a:normAutofit fontScale="90000"/>
           </a:bodyPr>
           <a:lstStyle/>
           <a:p>
-            <a:pPr marL="0" marR="0" lvl="0" indent="0" algn="l" defTabSz="914400" rtl="0" eaLnBrk="1" fontAlgn="auto" latinLnBrk="0" hangingPunct="1">
-              <a:lnSpc>
-                <a:spcPct val="100000"/>
-              </a:lnSpc>
-              <a:spcBef>
-                <a:spcPct val="0"/>
-              </a:spcBef>
-              <a:spcAft>
-                <a:spcPts val="0"/>
-              </a:spcAft>
-              <a:buClrTx/>
-              <a:buSzTx/>
-              <a:buFontTx/>
-              <a:buNone/>
-              <a:tabLst/>
-              <a:defRPr/>
-            </a:pPr>
-            <a:endParaRPr kumimoji="0" lang="fr-FR" sz="4300" b="0" i="0" u="none" strike="noStrike" kern="1200" cap="none" spc="0" normalizeH="0" baseline="0" noProof="0" dirty="0">
-              <a:ln>
-                <a:noFill/>
-              </a:ln>
-              <a:solidFill>
-                <a:schemeClr val="tx2">
-                  <a:satMod val="130000"/>
-                </a:schemeClr>
-              </a:solidFill>
-              <a:effectLst>
-                <a:outerShdw blurRad="50000" dist="30000" dir="5400000" algn="tl" rotWithShape="0">
-                  <a:srgbClr val="000000">
-                    <a:alpha val="30000"/>
-                  </a:srgbClr>
-                </a:outerShdw>
-              </a:effectLst>
-              <a:uLnTx/>
-              <a:uFillTx/>
-              <a:latin typeface="+mj-lt"/>
-              <a:ea typeface="+mj-ea"/>
-              <a:cs typeface="+mj-cs"/>
-            </a:endParaRPr>
-          </a:p>
-        </p:txBody>
-      </p:sp>
-      <p:sp>
-        <p:nvSpPr>
-          <p:cNvPr id="2" name="Titre 1"/>
-          <p:cNvSpPr>
-            <a:spLocks noGrp="1"/>
-          </p:cNvSpPr>
-          <p:nvPr>
-            <p:ph type="title"/>
-          </p:nvPr>
-        </p:nvSpPr>
-        <p:spPr>
-          <a:xfrm>
-            <a:off x="2857488" y="285728"/>
-            <a:ext cx="4500594" cy="1143000"/>
-          </a:xfrm>
-        </p:spPr>
-        <p:txBody>
-          <a:bodyPr>
-            <a:normAutofit/>
-          </a:bodyPr>
-          <a:lstStyle/>
-          <a:p>
             <a:pPr algn="ctr"/>
             <a:r>
+              <a:rPr lang="fr-FR" sz="3900" dirty="0" smtClean="0"/>
+              <a:t>Gestion</a:t>
+            </a:r>
+            <a:r>
               <a:rPr lang="fr-FR" dirty="0" smtClean="0"/>
-              <a:t>Gestion de projet</a:t>
+              <a:t> de projet</a:t>
             </a:r>
             <a:endParaRPr lang="fr-FR" dirty="0"/>
           </a:p>
@@ -5578,8 +5426,8 @@
         </p:nvSpPr>
         <p:spPr>
           <a:xfrm>
-            <a:off x="1500166" y="1714488"/>
-            <a:ext cx="7498080" cy="4800600"/>
+            <a:off x="1493488" y="1521603"/>
+            <a:ext cx="7498080" cy="4812510"/>
           </a:xfrm>
         </p:spPr>
         <p:txBody>
@@ -5682,7 +5530,7 @@
         </p:blipFill>
         <p:spPr>
           <a:xfrm>
-            <a:off x="7786710" y="428604"/>
+            <a:off x="8039068" y="252390"/>
             <a:ext cx="952500" cy="866775"/>
           </a:xfrm>
           <a:prstGeom prst="rect">
@@ -5699,7 +5547,7 @@
         </p:nvSpPr>
         <p:spPr>
           <a:xfrm>
-            <a:off x="1214414" y="1857364"/>
+            <a:off x="1207736" y="1665698"/>
             <a:ext cx="571504" cy="357190"/>
           </a:xfrm>
           <a:prstGeom prst="rightArrow">
@@ -5741,26 +5589,32 @@
       </p:sp>
       <p:pic>
         <p:nvPicPr>
-          <p:cNvPr id="9" name="image23.jpg" descr="C:\Data\@Jacques\formation projet paul green\05-Use Case Diagram-v0.JPG"/>
-          <p:cNvPicPr/>
+          <p:cNvPr id="10" name="Image 9"/>
+          <p:cNvPicPr>
+            <a:picLocks noChangeAspect="1"/>
+          </p:cNvPicPr>
           <p:nvPr/>
         </p:nvPicPr>
         <p:blipFill>
-          <a:blip r:embed="rId4"/>
-          <a:srcRect/>
+          <a:blip r:embed="rId4">
+            <a:extLst>
+              <a:ext uri="{28A0092B-C50C-407E-A947-70E740481C1C}">
+                <a14:useLocalDpi xmlns:a14="http://schemas.microsoft.com/office/drawing/2010/main" val="0"/>
+              </a:ext>
+            </a:extLst>
+          </a:blip>
           <a:stretch>
             <a:fillRect/>
           </a:stretch>
         </p:blipFill>
         <p:spPr>
           <a:xfrm>
-            <a:off x="1928794" y="2357430"/>
-            <a:ext cx="6638290" cy="4161984"/>
+            <a:off x="2915816" y="2022888"/>
+            <a:ext cx="4114800" cy="4549359"/>
           </a:xfrm>
           <a:prstGeom prst="rect">
             <a:avLst/>
           </a:prstGeom>
-          <a:ln/>
         </p:spPr>
       </p:pic>
     </p:spTree>
@@ -5797,89 +5651,24 @@
       </p:grpSpPr>
       <p:sp>
         <p:nvSpPr>
-          <p:cNvPr id="6" name="Titre 1"/>
-          <p:cNvSpPr txBox="1">
-            <a:spLocks/>
-          </p:cNvSpPr>
-          <p:nvPr/>
-        </p:nvSpPr>
-        <p:spPr>
-          <a:xfrm>
-            <a:off x="2857488" y="285728"/>
-            <a:ext cx="4857784" cy="1143000"/>
-          </a:xfrm>
-          <a:prstGeom prst="rect">
-            <a:avLst/>
-          </a:prstGeom>
+          <p:cNvPr id="2" name="Titre 1"/>
+          <p:cNvSpPr>
+            <a:spLocks noGrp="1"/>
+          </p:cNvSpPr>
+          <p:nvPr>
+            <p:ph type="title"/>
+          </p:nvPr>
+        </p:nvSpPr>
+        <p:spPr>
+          <a:xfrm>
+            <a:off x="2772000" y="252000"/>
+            <a:ext cx="5040000" cy="720000"/>
+          </a:xfrm>
           <a:solidFill>
             <a:srgbClr val="C65806"/>
           </a:solidFill>
         </p:spPr>
         <p:txBody>
-          <a:bodyPr anchor="ctr">
-            <a:normAutofit/>
-          </a:bodyPr>
-          <a:lstStyle/>
-          <a:p>
-            <a:pPr marL="0" marR="0" lvl="0" indent="0" algn="l" defTabSz="914400" rtl="0" eaLnBrk="1" fontAlgn="auto" latinLnBrk="0" hangingPunct="1">
-              <a:lnSpc>
-                <a:spcPct val="100000"/>
-              </a:lnSpc>
-              <a:spcBef>
-                <a:spcPct val="0"/>
-              </a:spcBef>
-              <a:spcAft>
-                <a:spcPts val="0"/>
-              </a:spcAft>
-              <a:buClrTx/>
-              <a:buSzTx/>
-              <a:buFontTx/>
-              <a:buNone/>
-              <a:tabLst/>
-              <a:defRPr/>
-            </a:pPr>
-            <a:endParaRPr kumimoji="0" lang="fr-FR" sz="4300" b="0" i="0" u="none" strike="noStrike" kern="1200" cap="none" spc="0" normalizeH="0" baseline="0" noProof="0" dirty="0">
-              <a:ln>
-                <a:noFill/>
-              </a:ln>
-              <a:solidFill>
-                <a:schemeClr val="tx2">
-                  <a:satMod val="130000"/>
-                </a:schemeClr>
-              </a:solidFill>
-              <a:effectLst>
-                <a:outerShdw blurRad="50000" dist="30000" dir="5400000" algn="tl" rotWithShape="0">
-                  <a:srgbClr val="000000">
-                    <a:alpha val="30000"/>
-                  </a:srgbClr>
-                </a:outerShdw>
-              </a:effectLst>
-              <a:uLnTx/>
-              <a:uFillTx/>
-              <a:latin typeface="+mj-lt"/>
-              <a:ea typeface="+mj-ea"/>
-              <a:cs typeface="+mj-cs"/>
-            </a:endParaRPr>
-          </a:p>
-        </p:txBody>
-      </p:sp>
-      <p:sp>
-        <p:nvSpPr>
-          <p:cNvPr id="2" name="Titre 1"/>
-          <p:cNvSpPr>
-            <a:spLocks noGrp="1"/>
-          </p:cNvSpPr>
-          <p:nvPr>
-            <p:ph type="title"/>
-          </p:nvPr>
-        </p:nvSpPr>
-        <p:spPr>
-          <a:xfrm>
-            <a:off x="2857488" y="285728"/>
-            <a:ext cx="4500594" cy="1143000"/>
-          </a:xfrm>
-        </p:spPr>
-        <p:txBody>
           <a:bodyPr>
             <a:normAutofit/>
           </a:bodyPr>
@@ -5887,10 +5676,10 @@
           <a:p>
             <a:pPr algn="ctr"/>
             <a:r>
-              <a:rPr lang="fr-FR" dirty="0" smtClean="0"/>
+              <a:rPr lang="fr-FR" sz="3900" dirty="0" smtClean="0"/>
               <a:t>Gestion de projet</a:t>
             </a:r>
-            <a:endParaRPr lang="fr-FR" dirty="0"/>
+            <a:endParaRPr lang="fr-FR" sz="3900" dirty="0"/>
           </a:p>
         </p:txBody>
       </p:sp>
@@ -5906,8 +5695,8 @@
         </p:nvSpPr>
         <p:spPr>
           <a:xfrm>
-            <a:off x="1500166" y="1714488"/>
-            <a:ext cx="7498080" cy="4800600"/>
+            <a:off x="1500166" y="1484784"/>
+            <a:ext cx="7498080" cy="5030304"/>
           </a:xfrm>
         </p:spPr>
         <p:txBody>
@@ -5921,23 +5710,11 @@
             </a:pPr>
             <a:r>
               <a:rPr lang="fr-FR" b="1" dirty="0" smtClean="0"/>
-              <a:t>	</a:t>
-            </a:r>
-            <a:r>
-              <a:rPr lang="fr-FR" b="1" dirty="0" smtClean="0"/>
-              <a:t> </a:t>
+              <a:t>	 </a:t>
             </a:r>
             <a:r>
               <a:rPr lang="fr-FR" sz="2400" b="1" dirty="0" smtClean="0"/>
-              <a:t>Diagramme </a:t>
-            </a:r>
-            <a:r>
-              <a:rPr lang="fr-FR" sz="2400" b="1" dirty="0" smtClean="0"/>
-              <a:t>D’activité </a:t>
-            </a:r>
-            <a:r>
-              <a:rPr lang="fr-FR" sz="2400" b="1" dirty="0" smtClean="0"/>
-              <a:t>Connexion </a:t>
+              <a:t>Diagramme D’activité Connexion </a:t>
             </a:r>
             <a:r>
               <a:rPr lang="fr-FR" sz="2800" b="1" dirty="0" smtClean="0"/>
@@ -6032,7 +5809,7 @@
         </p:blipFill>
         <p:spPr>
           <a:xfrm>
-            <a:off x="7786710" y="428604"/>
+            <a:off x="7948595" y="257969"/>
             <a:ext cx="952500" cy="866775"/>
           </a:xfrm>
           <a:prstGeom prst="rect">
@@ -6049,7 +5826,7 @@
         </p:nvSpPr>
         <p:spPr>
           <a:xfrm>
-            <a:off x="1214414" y="1857364"/>
+            <a:off x="1214414" y="1645924"/>
             <a:ext cx="571504" cy="357190"/>
           </a:xfrm>
           <a:prstGeom prst="rightArrow">
@@ -6104,8 +5881,8 @@
         </p:blipFill>
         <p:spPr>
           <a:xfrm>
-            <a:off x="2071670" y="2343150"/>
-            <a:ext cx="5876925" cy="4514850"/>
+            <a:off x="2071670" y="2003114"/>
+            <a:ext cx="5876925" cy="4511974"/>
           </a:xfrm>
           <a:prstGeom prst="rect">
             <a:avLst/>
@@ -6147,86 +5924,52 @@
       </p:grpSpPr>
       <p:sp>
         <p:nvSpPr>
-          <p:cNvPr id="6" name="Titre 1"/>
-          <p:cNvSpPr txBox="1">
-            <a:spLocks/>
-          </p:cNvSpPr>
-          <p:nvPr/>
-        </p:nvSpPr>
-        <p:spPr>
-          <a:xfrm>
-            <a:off x="2857488" y="285728"/>
-            <a:ext cx="4857784" cy="1143000"/>
-          </a:xfrm>
-          <a:prstGeom prst="rect">
-            <a:avLst/>
-          </a:prstGeom>
+          <p:cNvPr id="2" name="Titre 1"/>
+          <p:cNvSpPr>
+            <a:spLocks noGrp="1"/>
+          </p:cNvSpPr>
+          <p:nvPr>
+            <p:ph type="title"/>
+          </p:nvPr>
+        </p:nvSpPr>
+        <p:spPr>
+          <a:xfrm>
+            <a:off x="2772000" y="252000"/>
+            <a:ext cx="5040000" cy="720000"/>
+          </a:xfrm>
           <a:solidFill>
             <a:srgbClr val="C65806"/>
           </a:solidFill>
         </p:spPr>
         <p:txBody>
-          <a:bodyPr anchor="ctr">
-            <a:normAutofit/>
+          <a:bodyPr>
+            <a:normAutofit fontScale="90000"/>
           </a:bodyPr>
           <a:lstStyle/>
           <a:p>
-            <a:pPr marL="0" marR="0" lvl="0" indent="0" algn="l" defTabSz="914400" rtl="0" eaLnBrk="1" fontAlgn="auto" latinLnBrk="0" hangingPunct="1">
-              <a:lnSpc>
-                <a:spcPct val="100000"/>
-              </a:lnSpc>
-              <a:spcBef>
-                <a:spcPct val="0"/>
-              </a:spcBef>
-              <a:spcAft>
-                <a:spcPts val="0"/>
-              </a:spcAft>
-              <a:buClrTx/>
-              <a:buSzTx/>
-              <a:buFontTx/>
-              <a:buNone/>
-              <a:tabLst/>
-              <a:defRPr/>
-            </a:pPr>
-            <a:endParaRPr kumimoji="0" lang="fr-FR" sz="4300" b="0" i="0" u="none" strike="noStrike" kern="1200" cap="none" spc="0" normalizeH="0" baseline="0" noProof="0" dirty="0">
-              <a:ln>
-                <a:noFill/>
-              </a:ln>
-              <a:solidFill>
-                <a:schemeClr val="tx2">
-                  <a:satMod val="130000"/>
-                </a:schemeClr>
-              </a:solidFill>
-              <a:effectLst>
-                <a:outerShdw blurRad="50000" dist="30000" dir="5400000" algn="tl" rotWithShape="0">
-                  <a:srgbClr val="000000">
-                    <a:alpha val="30000"/>
-                  </a:srgbClr>
-                </a:outerShdw>
-              </a:effectLst>
-              <a:uLnTx/>
-              <a:uFillTx/>
-              <a:latin typeface="+mj-lt"/>
-              <a:ea typeface="+mj-ea"/>
-              <a:cs typeface="+mj-cs"/>
-            </a:endParaRPr>
-          </a:p>
-        </p:txBody>
-      </p:sp>
-      <p:sp>
-        <p:nvSpPr>
-          <p:cNvPr id="2" name="Titre 1"/>
-          <p:cNvSpPr>
-            <a:spLocks noGrp="1"/>
-          </p:cNvSpPr>
-          <p:nvPr>
-            <p:ph type="title"/>
-          </p:nvPr>
-        </p:nvSpPr>
-        <p:spPr>
-          <a:xfrm>
-            <a:off x="2857488" y="285728"/>
-            <a:ext cx="4500594" cy="1143000"/>
+            <a:pPr algn="ctr"/>
+            <a:r>
+              <a:rPr lang="fr-FR" dirty="0" smtClean="0"/>
+              <a:t>Gestion de projet</a:t>
+            </a:r>
+            <a:endParaRPr lang="fr-FR" dirty="0"/>
+          </a:p>
+        </p:txBody>
+      </p:sp>
+      <p:sp>
+        <p:nvSpPr>
+          <p:cNvPr id="3" name="Espace réservé du contenu 2"/>
+          <p:cNvSpPr>
+            <a:spLocks noGrp="1"/>
+          </p:cNvSpPr>
+          <p:nvPr>
+            <p:ph idx="1"/>
+          </p:nvPr>
+        </p:nvSpPr>
+        <p:spPr>
+          <a:xfrm>
+            <a:off x="1512000" y="1434452"/>
+            <a:ext cx="7498080" cy="4878148"/>
           </a:xfrm>
         </p:spPr>
         <p:txBody>
@@ -6235,37 +5978,6 @@
           </a:bodyPr>
           <a:lstStyle/>
           <a:p>
-            <a:pPr algn="ctr"/>
-            <a:r>
-              <a:rPr lang="fr-FR" dirty="0" smtClean="0"/>
-              <a:t>Gestion de projet</a:t>
-            </a:r>
-            <a:endParaRPr lang="fr-FR" dirty="0"/>
-          </a:p>
-        </p:txBody>
-      </p:sp>
-      <p:sp>
-        <p:nvSpPr>
-          <p:cNvPr id="3" name="Espace réservé du contenu 2"/>
-          <p:cNvSpPr>
-            <a:spLocks noGrp="1"/>
-          </p:cNvSpPr>
-          <p:nvPr>
-            <p:ph idx="1"/>
-          </p:nvPr>
-        </p:nvSpPr>
-        <p:spPr>
-          <a:xfrm>
-            <a:off x="1500166" y="1714488"/>
-            <a:ext cx="7498080" cy="4800600"/>
-          </a:xfrm>
-        </p:spPr>
-        <p:txBody>
-          <a:bodyPr>
-            <a:normAutofit/>
-          </a:bodyPr>
-          <a:lstStyle/>
-          <a:p>
             <a:pPr>
               <a:buNone/>
             </a:pPr>
@@ -6275,7 +5987,11 @@
             </a:r>
             <a:r>
               <a:rPr lang="fr-FR" sz="2400" b="1" dirty="0" smtClean="0"/>
-              <a:t> Diagramme D’</a:t>
+              <a:t> Diagramme </a:t>
+            </a:r>
+            <a:r>
+              <a:rPr lang="fr-FR" sz="2400" b="1" dirty="0" smtClean="0"/>
+              <a:t>d’</a:t>
             </a:r>
             <a:r>
               <a:rPr lang="fr-FR" sz="2400" b="1" dirty="0" err="1" smtClean="0"/>
@@ -6283,7 +5999,11 @@
             </a:r>
             <a:r>
               <a:rPr lang="fr-FR" sz="2400" b="1" dirty="0" smtClean="0"/>
-              <a:t> Modification De Contenu</a:t>
+              <a:t> </a:t>
+            </a:r>
+            <a:r>
+              <a:rPr lang="fr-FR" sz="2400" b="1" dirty="0" smtClean="0"/>
+              <a:t>Modification De Contenu</a:t>
             </a:r>
             <a:endParaRPr lang="fr-FR" sz="2400" dirty="0" smtClean="0"/>
           </a:p>
@@ -6368,7 +6088,7 @@
         </p:blipFill>
         <p:spPr>
           <a:xfrm>
-            <a:off x="7786710" y="428604"/>
+            <a:off x="8034266" y="167656"/>
             <a:ext cx="952500" cy="866775"/>
           </a:xfrm>
           <a:prstGeom prst="rect">
@@ -6385,7 +6105,7 @@
         </p:nvSpPr>
         <p:spPr>
           <a:xfrm>
-            <a:off x="1214414" y="1857364"/>
+            <a:off x="1220461" y="1612073"/>
             <a:ext cx="571504" cy="357190"/>
           </a:xfrm>
           <a:prstGeom prst="rightArrow">
@@ -6440,8 +6160,8 @@
         </p:blipFill>
         <p:spPr>
           <a:xfrm>
-            <a:off x="2428860" y="2428868"/>
-            <a:ext cx="4838700" cy="6543675"/>
+            <a:off x="2428860" y="2043095"/>
+            <a:ext cx="4838700" cy="4471994"/>
           </a:xfrm>
           <a:prstGeom prst="rect">
             <a:avLst/>
@@ -6481,161 +6201,30 @@
           <a:chExt cx="0" cy="0"/>
         </a:xfrm>
       </p:grpSpPr>
-      <p:sp>
-        <p:nvSpPr>
-          <p:cNvPr id="6" name="Titre 1"/>
-          <p:cNvSpPr txBox="1">
-            <a:spLocks/>
-          </p:cNvSpPr>
-          <p:nvPr/>
-        </p:nvSpPr>
-        <p:spPr>
-          <a:xfrm>
-            <a:off x="2714612" y="285728"/>
-            <a:ext cx="5000660" cy="1143000"/>
-          </a:xfrm>
-          <a:prstGeom prst="rect">
-            <a:avLst/>
-          </a:prstGeom>
-          <a:solidFill>
-            <a:srgbClr val="C65806"/>
-          </a:solidFill>
-        </p:spPr>
-        <p:txBody>
-          <a:bodyPr anchor="ctr">
-            <a:normAutofit/>
-          </a:bodyPr>
-          <a:lstStyle/>
-          <a:p>
-            <a:pPr marL="0" marR="0" lvl="0" indent="0" algn="l" defTabSz="914400" rtl="0" eaLnBrk="1" fontAlgn="auto" latinLnBrk="0" hangingPunct="1">
-              <a:lnSpc>
-                <a:spcPct val="100000"/>
-              </a:lnSpc>
-              <a:spcBef>
-                <a:spcPct val="0"/>
-              </a:spcBef>
-              <a:spcAft>
-                <a:spcPts val="0"/>
-              </a:spcAft>
-              <a:buClrTx/>
-              <a:buSzTx/>
-              <a:buFontTx/>
-              <a:buNone/>
-              <a:tabLst/>
-              <a:defRPr/>
-            </a:pPr>
-            <a:endParaRPr kumimoji="0" lang="fr-FR" sz="4300" b="0" i="0" u="none" strike="noStrike" kern="1200" cap="none" spc="0" normalizeH="0" baseline="0" noProof="0" dirty="0">
-              <a:ln>
-                <a:noFill/>
-              </a:ln>
-              <a:solidFill>
-                <a:schemeClr val="tx2">
-                  <a:satMod val="130000"/>
-                </a:schemeClr>
-              </a:solidFill>
-              <a:effectLst>
-                <a:outerShdw blurRad="50000" dist="30000" dir="5400000" algn="tl" rotWithShape="0">
-                  <a:srgbClr val="000000">
-                    <a:alpha val="30000"/>
-                  </a:srgbClr>
-                </a:outerShdw>
-              </a:effectLst>
-              <a:uLnTx/>
-              <a:uFillTx/>
-              <a:latin typeface="+mj-lt"/>
-              <a:ea typeface="+mj-ea"/>
-              <a:cs typeface="+mj-cs"/>
-            </a:endParaRPr>
-          </a:p>
-        </p:txBody>
-      </p:sp>
-      <p:sp>
-        <p:nvSpPr>
-          <p:cNvPr id="2" name="Titre 1"/>
-          <p:cNvSpPr>
-            <a:spLocks noGrp="1"/>
-          </p:cNvSpPr>
-          <p:nvPr>
-            <p:ph type="title"/>
-          </p:nvPr>
-        </p:nvSpPr>
-        <p:spPr>
-          <a:xfrm>
-            <a:off x="2714612" y="285728"/>
-            <a:ext cx="5000660" cy="1143000"/>
-          </a:xfrm>
-        </p:spPr>
-        <p:txBody>
-          <a:bodyPr>
-            <a:normAutofit fontScale="90000"/>
-          </a:bodyPr>
-          <a:lstStyle/>
-          <a:p>
-            <a:pPr algn="ctr"/>
-            <a:r>
-              <a:rPr lang="fr-FR" dirty="0" smtClean="0"/>
-              <a:t>Conception </a:t>
-            </a:r>
-            <a:r>
-              <a:rPr lang="fr-FR" dirty="0" smtClean="0"/>
-              <a:t>Front-end</a:t>
-            </a:r>
-            <a:endParaRPr lang="fr-FR" dirty="0"/>
-          </a:p>
-        </p:txBody>
-      </p:sp>
-      <p:sp>
-        <p:nvSpPr>
-          <p:cNvPr id="4" name="Espace réservé du pied de page 3"/>
-          <p:cNvSpPr>
-            <a:spLocks noGrp="1"/>
-          </p:cNvSpPr>
-          <p:nvPr>
-            <p:ph type="ftr" sz="quarter" idx="11"/>
-          </p:nvPr>
-        </p:nvSpPr>
-        <p:spPr>
-          <a:xfrm>
-            <a:off x="1928794" y="6305550"/>
-            <a:ext cx="6681806" cy="476250"/>
-          </a:xfrm>
-        </p:spPr>
-        <p:txBody>
-          <a:bodyPr/>
-          <a:lstStyle/>
-          <a:p>
-            <a:r>
-              <a:rPr lang="fr-FR" sz="1400" dirty="0" smtClean="0"/>
-              <a:t>Jacques LEMOINE –</a:t>
-            </a:r>
-            <a:r>
-              <a:rPr lang="fr-FR" sz="1400" dirty="0" err="1" smtClean="0"/>
-              <a:t>Arinfo</a:t>
-            </a:r>
-            <a:r>
-              <a:rPr lang="fr-FR" sz="1400" dirty="0" smtClean="0"/>
-              <a:t> – Promotion Novembre 2021 - Avril 2022</a:t>
-            </a:r>
-            <a:endParaRPr lang="fr-FR" sz="1400" dirty="0"/>
-          </a:p>
-        </p:txBody>
-      </p:sp>
       <p:pic>
         <p:nvPicPr>
-          <p:cNvPr id="5" name="Image 4" descr="logo_PaulGreen_2a.jpeg"/>
-          <p:cNvPicPr/>
+          <p:cNvPr id="3" name="Image 2"/>
+          <p:cNvPicPr>
+            <a:picLocks noChangeAspect="1"/>
+          </p:cNvPicPr>
           <p:nvPr/>
         </p:nvPicPr>
         <p:blipFill>
-          <a:blip r:embed="rId2" cstate="print"/>
+          <a:blip r:embed="rId2">
+            <a:extLst>
+              <a:ext uri="{28A0092B-C50C-407E-A947-70E740481C1C}">
+                <a14:useLocalDpi xmlns:a14="http://schemas.microsoft.com/office/drawing/2010/main" val="0"/>
+              </a:ext>
+            </a:extLst>
+          </a:blip>
           <a:stretch>
             <a:fillRect/>
           </a:stretch>
         </p:blipFill>
         <p:spPr>
           <a:xfrm>
-            <a:off x="1000100" y="0"/>
-            <a:ext cx="1643074" cy="1643074"/>
+            <a:off x="1571776" y="4313183"/>
+            <a:ext cx="1562380" cy="1039693"/>
           </a:xfrm>
           <a:prstGeom prst="rect">
             <a:avLst/>
@@ -6644,7 +6233,7 @@
       </p:pic>
       <p:pic>
         <p:nvPicPr>
-          <p:cNvPr id="7" name="image2.png"/>
+          <p:cNvPr id="19" name="image67.jpg"/>
           <p:cNvPicPr/>
           <p:nvPr/>
         </p:nvPicPr>
@@ -6657,8 +6246,8 @@
         </p:blipFill>
         <p:spPr>
           <a:xfrm>
-            <a:off x="7786710" y="428604"/>
-            <a:ext cx="952500" cy="866775"/>
+            <a:off x="2066464" y="5885339"/>
+            <a:ext cx="834608" cy="400272"/>
           </a:xfrm>
           <a:prstGeom prst="rect">
             <a:avLst/>
@@ -6668,13 +6257,129 @@
       </p:pic>
       <p:sp>
         <p:nvSpPr>
+          <p:cNvPr id="2" name="Titre 1"/>
+          <p:cNvSpPr>
+            <a:spLocks noGrp="1"/>
+          </p:cNvSpPr>
+          <p:nvPr>
+            <p:ph type="title"/>
+          </p:nvPr>
+        </p:nvSpPr>
+        <p:spPr>
+          <a:xfrm>
+            <a:off x="2772000" y="252000"/>
+            <a:ext cx="5040559" cy="720000"/>
+          </a:xfrm>
+          <a:solidFill>
+            <a:srgbClr val="C65806"/>
+          </a:solidFill>
+        </p:spPr>
+        <p:txBody>
+          <a:bodyPr>
+            <a:normAutofit fontScale="90000"/>
+          </a:bodyPr>
+          <a:lstStyle/>
+          <a:p>
+            <a:pPr algn="ctr"/>
+            <a:r>
+              <a:rPr lang="fr-FR" dirty="0" smtClean="0"/>
+              <a:t>Conception Front-end</a:t>
+            </a:r>
+            <a:endParaRPr lang="fr-FR" dirty="0"/>
+          </a:p>
+        </p:txBody>
+      </p:sp>
+      <p:sp>
+        <p:nvSpPr>
+          <p:cNvPr id="4" name="Espace réservé du pied de page 3"/>
+          <p:cNvSpPr>
+            <a:spLocks noGrp="1"/>
+          </p:cNvSpPr>
+          <p:nvPr>
+            <p:ph type="ftr" sz="quarter" idx="11"/>
+          </p:nvPr>
+        </p:nvSpPr>
+        <p:spPr>
+          <a:xfrm>
+            <a:off x="1928794" y="6305550"/>
+            <a:ext cx="6681806" cy="476250"/>
+          </a:xfrm>
+        </p:spPr>
+        <p:txBody>
+          <a:bodyPr/>
+          <a:lstStyle/>
+          <a:p>
+            <a:r>
+              <a:rPr lang="fr-FR" sz="1400" dirty="0" smtClean="0"/>
+              <a:t>Jacques LEMOINE –</a:t>
+            </a:r>
+            <a:r>
+              <a:rPr lang="fr-FR" sz="1400" dirty="0" err="1" smtClean="0"/>
+              <a:t>Arinfo</a:t>
+            </a:r>
+            <a:r>
+              <a:rPr lang="fr-FR" sz="1400" dirty="0" smtClean="0"/>
+              <a:t> – Promotion Novembre 2021 - Avril 2022</a:t>
+            </a:r>
+            <a:endParaRPr lang="fr-FR" sz="1400" dirty="0"/>
+          </a:p>
+        </p:txBody>
+      </p:sp>
+      <p:pic>
+        <p:nvPicPr>
+          <p:cNvPr id="5" name="Image 4" descr="logo_PaulGreen_2a.jpeg"/>
+          <p:cNvPicPr/>
+          <p:nvPr/>
+        </p:nvPicPr>
+        <p:blipFill>
+          <a:blip r:embed="rId4" cstate="print"/>
+          <a:stretch>
+            <a:fillRect/>
+          </a:stretch>
+        </p:blipFill>
+        <p:spPr>
+          <a:xfrm>
+            <a:off x="1000100" y="0"/>
+            <a:ext cx="1643074" cy="1643074"/>
+          </a:xfrm>
+          <a:prstGeom prst="rect">
+            <a:avLst/>
+          </a:prstGeom>
+        </p:spPr>
+      </p:pic>
+      <p:pic>
+        <p:nvPicPr>
+          <p:cNvPr id="7" name="image2.png"/>
+          <p:cNvPicPr/>
+          <p:nvPr/>
+        </p:nvPicPr>
+        <p:blipFill>
+          <a:blip r:embed="rId5"/>
+          <a:srcRect/>
+          <a:stretch>
+            <a:fillRect/>
+          </a:stretch>
+        </p:blipFill>
+        <p:spPr>
+          <a:xfrm>
+            <a:off x="8028384" y="228579"/>
+            <a:ext cx="952500" cy="866775"/>
+          </a:xfrm>
+          <a:prstGeom prst="rect">
+            <a:avLst/>
+          </a:prstGeom>
+          <a:ln/>
+        </p:spPr>
+      </p:pic>
+      <p:sp>
+        <p:nvSpPr>
           <p:cNvPr id="8" name="Flèche droite 7"/>
           <p:cNvSpPr/>
           <p:nvPr/>
         </p:nvSpPr>
         <p:spPr>
           <a:xfrm>
-            <a:off x="1285852" y="1643050"/>
+            <a:off x="1357290" y="1617211"/>
             <a:ext cx="571504" cy="357190"/>
           </a:xfrm>
           <a:prstGeom prst="rightArrow">
@@ -6714,875 +6419,6 @@
           </a:p>
         </p:txBody>
       </p:sp>
-      <p:graphicFrame>
-        <p:nvGraphicFramePr>
-          <p:cNvPr id="10" name="Tableau 9"/>
-          <p:cNvGraphicFramePr>
-            <a:graphicFrameLocks noGrp="1"/>
-          </p:cNvGraphicFramePr>
-          <p:nvPr/>
-        </p:nvGraphicFramePr>
-        <p:xfrm>
-          <a:off x="1928794" y="2000239"/>
-          <a:ext cx="6715172" cy="4474037"/>
-        </p:xfrm>
-        <a:graphic>
-          <a:graphicData uri="http://schemas.openxmlformats.org/drawingml/2006/table">
-            <a:tbl>
-              <a:tblPr/>
-              <a:tblGrid>
-                <a:gridCol w="1312570"/>
-                <a:gridCol w="5402602"/>
-              </a:tblGrid>
-              <a:tr h="1643075">
-                <a:tc>
-                  <a:txBody>
-                    <a:bodyPr/>
-                    <a:lstStyle/>
-                    <a:p>
-                      <a:pPr>
-                        <a:lnSpc>
-                          <a:spcPct val="115000"/>
-                        </a:lnSpc>
-                        <a:spcAft>
-                          <a:spcPts val="0"/>
-                        </a:spcAft>
-                      </a:pPr>
-                      <a:endParaRPr lang="fr-FR" sz="1100" dirty="0">
-                        <a:latin typeface="Calibri"/>
-                        <a:ea typeface="Calibri"/>
-                        <a:cs typeface="Times New Roman"/>
-                      </a:endParaRPr>
-                    </a:p>
-                  </a:txBody>
-                  <a:tcPr marL="48129" marR="48129" marT="48129" marB="48129">
-                    <a:lnL w="12700" cap="flat" cmpd="sng" algn="ctr">
-                      <a:solidFill>
-                        <a:srgbClr val="000000"/>
-                      </a:solidFill>
-                      <a:prstDash val="solid"/>
-                      <a:round/>
-                      <a:headEnd type="none" w="med" len="med"/>
-                      <a:tailEnd type="none" w="med" len="med"/>
-                    </a:lnL>
-                    <a:lnR w="12700" cap="flat" cmpd="sng" algn="ctr">
-                      <a:solidFill>
-                        <a:srgbClr val="000000"/>
-                      </a:solidFill>
-                      <a:prstDash val="solid"/>
-                      <a:round/>
-                      <a:headEnd type="none" w="med" len="med"/>
-                      <a:tailEnd type="none" w="med" len="med"/>
-                    </a:lnR>
-                    <a:lnT w="12700" cap="flat" cmpd="sng" algn="ctr">
-                      <a:solidFill>
-                        <a:srgbClr val="000000"/>
-                      </a:solidFill>
-                      <a:prstDash val="solid"/>
-                      <a:round/>
-                      <a:headEnd type="none" w="med" len="med"/>
-                      <a:tailEnd type="none" w="med" len="med"/>
-                    </a:lnT>
-                    <a:lnB w="12700" cap="flat" cmpd="sng" algn="ctr">
-                      <a:solidFill>
-                        <a:srgbClr val="000000"/>
-                      </a:solidFill>
-                      <a:prstDash val="solid"/>
-                      <a:round/>
-                      <a:headEnd type="none" w="med" len="med"/>
-                      <a:tailEnd type="none" w="med" len="med"/>
-                    </a:lnB>
-                  </a:tcPr>
-                </a:tc>
-                <a:tc>
-                  <a:txBody>
-                    <a:bodyPr/>
-                    <a:lstStyle/>
-                    <a:p>
-                      <a:pPr algn="just">
-                        <a:lnSpc>
-                          <a:spcPct val="150000"/>
-                        </a:lnSpc>
-                        <a:spcAft>
-                          <a:spcPts val="1000"/>
-                        </a:spcAft>
-                      </a:pPr>
-                      <a:r>
-                        <a:rPr lang="fr-FR" sz="1100" dirty="0">
-                          <a:latin typeface="Arial"/>
-                          <a:ea typeface="Arial"/>
-                          <a:cs typeface="Times New Roman"/>
-                        </a:rPr>
-                        <a:t>J’ai utilisé le </a:t>
-                      </a:r>
-                      <a:r>
-                        <a:rPr lang="fr-FR" sz="1100" dirty="0" err="1">
-                          <a:latin typeface="Arial"/>
-                          <a:ea typeface="Arial"/>
-                          <a:cs typeface="Times New Roman"/>
-                        </a:rPr>
-                        <a:t>framework</a:t>
-                      </a:r>
-                      <a:r>
-                        <a:rPr lang="fr-FR" sz="1100" dirty="0">
-                          <a:latin typeface="Arial"/>
-                          <a:ea typeface="Arial"/>
-                          <a:cs typeface="Times New Roman"/>
-                        </a:rPr>
-                        <a:t> HTML </a:t>
-                      </a:r>
-                      <a:r>
-                        <a:rPr lang="fr-FR" sz="1100" b="1" dirty="0" err="1">
-                          <a:latin typeface="Arial"/>
-                          <a:ea typeface="Arial"/>
-                          <a:cs typeface="Times New Roman"/>
-                        </a:rPr>
-                        <a:t>Bootstrap</a:t>
-                      </a:r>
-                      <a:r>
-                        <a:rPr lang="fr-FR" sz="1100" dirty="0">
-                          <a:latin typeface="Arial"/>
-                          <a:ea typeface="Arial"/>
-                          <a:cs typeface="Times New Roman"/>
-                        </a:rPr>
-                        <a:t> lors de la conception de la maquette du site en </a:t>
-                      </a:r>
-                      <a:r>
-                        <a:rPr lang="fr-FR" sz="1100" dirty="0" smtClean="0">
-                          <a:latin typeface="Arial"/>
-                          <a:ea typeface="Arial"/>
-                          <a:cs typeface="Times New Roman"/>
-                        </a:rPr>
-                        <a:t>HTML/</a:t>
-                      </a:r>
-                      <a:r>
-                        <a:rPr lang="fr-FR" sz="1100" dirty="0" err="1" smtClean="0">
-                          <a:latin typeface="Arial"/>
-                          <a:ea typeface="Arial"/>
-                          <a:cs typeface="Times New Roman"/>
-                        </a:rPr>
-                        <a:t>CSS.Bootstrap</a:t>
-                      </a:r>
-                      <a:r>
-                        <a:rPr lang="fr-FR" sz="1100" dirty="0" smtClean="0">
-                          <a:latin typeface="Arial"/>
-                          <a:ea typeface="Arial"/>
-                          <a:cs typeface="Times New Roman"/>
-                        </a:rPr>
-                        <a:t> </a:t>
-                      </a:r>
-                      <a:r>
-                        <a:rPr lang="fr-FR" sz="1100" dirty="0">
-                          <a:latin typeface="Arial"/>
-                          <a:ea typeface="Arial"/>
-                          <a:cs typeface="Times New Roman"/>
-                        </a:rPr>
-                        <a:t>est une collection d’outils utiles à la création du design de sites et d’applications web. C’est un ensemble qui contient des codes HTML et CSS, des </a:t>
-                      </a:r>
-                      <a:r>
-                        <a:rPr lang="fr-FR" sz="1100" b="1" dirty="0">
-                          <a:latin typeface="Arial"/>
-                          <a:ea typeface="Arial"/>
-                          <a:cs typeface="Times New Roman"/>
-                        </a:rPr>
-                        <a:t>formulaires, boutons, outils de navigation et autres éléments interactifs et également </a:t>
-                      </a:r>
-                      <a:r>
-                        <a:rPr lang="fr-FR" sz="1100" dirty="0">
-                          <a:latin typeface="Arial"/>
-                          <a:ea typeface="Arial"/>
-                          <a:cs typeface="Times New Roman"/>
-                        </a:rPr>
-                        <a:t>une bibliothèque d’icône, ainsi que des extensions JavaScript en option. Son système de </a:t>
-                      </a:r>
-                      <a:r>
-                        <a:rPr lang="fr-FR" sz="1100" dirty="0" err="1">
-                          <a:latin typeface="Arial"/>
-                          <a:ea typeface="Arial"/>
-                          <a:cs typeface="Times New Roman"/>
-                        </a:rPr>
-                        <a:t>Grid</a:t>
-                      </a:r>
-                      <a:r>
-                        <a:rPr lang="fr-FR" sz="1100" dirty="0">
-                          <a:latin typeface="Arial"/>
-                          <a:ea typeface="Arial"/>
-                          <a:cs typeface="Times New Roman"/>
-                        </a:rPr>
-                        <a:t> est particulièrement efficace.</a:t>
-                      </a:r>
-                      <a:endParaRPr lang="fr-FR" sz="1100" dirty="0">
-                        <a:latin typeface="Calibri"/>
-                        <a:ea typeface="Calibri"/>
-                        <a:cs typeface="Times New Roman"/>
-                      </a:endParaRPr>
-                    </a:p>
-                  </a:txBody>
-                  <a:tcPr marL="48129" marR="48129" marT="48129" marB="48129">
-                    <a:lnL w="12700" cap="flat" cmpd="sng" algn="ctr">
-                      <a:solidFill>
-                        <a:srgbClr val="000000"/>
-                      </a:solidFill>
-                      <a:prstDash val="solid"/>
-                      <a:round/>
-                      <a:headEnd type="none" w="med" len="med"/>
-                      <a:tailEnd type="none" w="med" len="med"/>
-                    </a:lnL>
-                    <a:lnR w="12700" cap="flat" cmpd="sng" algn="ctr">
-                      <a:solidFill>
-                        <a:srgbClr val="000000"/>
-                      </a:solidFill>
-                      <a:prstDash val="solid"/>
-                      <a:round/>
-                      <a:headEnd type="none" w="med" len="med"/>
-                      <a:tailEnd type="none" w="med" len="med"/>
-                    </a:lnR>
-                    <a:lnT w="12700" cap="flat" cmpd="sng" algn="ctr">
-                      <a:solidFill>
-                        <a:srgbClr val="000000"/>
-                      </a:solidFill>
-                      <a:prstDash val="solid"/>
-                      <a:round/>
-                      <a:headEnd type="none" w="med" len="med"/>
-                      <a:tailEnd type="none" w="med" len="med"/>
-                    </a:lnT>
-                    <a:lnB w="12700" cap="flat" cmpd="sng" algn="ctr">
-                      <a:solidFill>
-                        <a:srgbClr val="000000"/>
-                      </a:solidFill>
-                      <a:prstDash val="solid"/>
-                      <a:round/>
-                      <a:headEnd type="none" w="med" len="med"/>
-                      <a:tailEnd type="none" w="med" len="med"/>
-                    </a:lnB>
-                  </a:tcPr>
-                </a:tc>
-              </a:tr>
-              <a:tr h="732569">
-                <a:tc>
-                  <a:txBody>
-                    <a:bodyPr/>
-                    <a:lstStyle/>
-                    <a:p>
-                      <a:pPr>
-                        <a:lnSpc>
-                          <a:spcPct val="115000"/>
-                        </a:lnSpc>
-                        <a:spcAft>
-                          <a:spcPts val="0"/>
-                        </a:spcAft>
-                      </a:pPr>
-                      <a:endParaRPr lang="fr-FR" sz="1100" dirty="0">
-                        <a:latin typeface="Calibri"/>
-                        <a:ea typeface="Calibri"/>
-                        <a:cs typeface="Times New Roman"/>
-                      </a:endParaRPr>
-                    </a:p>
-                  </a:txBody>
-                  <a:tcPr marL="48129" marR="48129" marT="48129" marB="48129">
-                    <a:lnL w="12700" cap="flat" cmpd="sng" algn="ctr">
-                      <a:solidFill>
-                        <a:srgbClr val="000000"/>
-                      </a:solidFill>
-                      <a:prstDash val="solid"/>
-                      <a:round/>
-                      <a:headEnd type="none" w="med" len="med"/>
-                      <a:tailEnd type="none" w="med" len="med"/>
-                    </a:lnL>
-                    <a:lnR w="12700" cap="flat" cmpd="sng" algn="ctr">
-                      <a:solidFill>
-                        <a:srgbClr val="000000"/>
-                      </a:solidFill>
-                      <a:prstDash val="solid"/>
-                      <a:round/>
-                      <a:headEnd type="none" w="med" len="med"/>
-                      <a:tailEnd type="none" w="med" len="med"/>
-                    </a:lnR>
-                    <a:lnT w="12700" cap="flat" cmpd="sng" algn="ctr">
-                      <a:solidFill>
-                        <a:srgbClr val="000000"/>
-                      </a:solidFill>
-                      <a:prstDash val="solid"/>
-                      <a:round/>
-                      <a:headEnd type="none" w="med" len="med"/>
-                      <a:tailEnd type="none" w="med" len="med"/>
-                    </a:lnT>
-                    <a:lnB w="12700" cap="flat" cmpd="sng" algn="ctr">
-                      <a:solidFill>
-                        <a:srgbClr val="000000"/>
-                      </a:solidFill>
-                      <a:prstDash val="solid"/>
-                      <a:round/>
-                      <a:headEnd type="none" w="med" len="med"/>
-                      <a:tailEnd type="none" w="med" len="med"/>
-                    </a:lnB>
-                  </a:tcPr>
-                </a:tc>
-                <a:tc>
-                  <a:txBody>
-                    <a:bodyPr/>
-                    <a:lstStyle/>
-                    <a:p>
-                      <a:pPr algn="just">
-                        <a:lnSpc>
-                          <a:spcPct val="150000"/>
-                        </a:lnSpc>
-                        <a:spcAft>
-                          <a:spcPts val="0"/>
-                        </a:spcAft>
-                      </a:pPr>
-                      <a:r>
-                        <a:rPr lang="fr-FR" sz="1100" dirty="0">
-                          <a:latin typeface="Arial"/>
-                          <a:ea typeface="Arial"/>
-                          <a:cs typeface="Times New Roman"/>
-                        </a:rPr>
-                        <a:t>Le préprocesseur CSS (</a:t>
-                      </a:r>
-                      <a:r>
-                        <a:rPr lang="fr-FR" sz="1100" dirty="0" err="1">
-                          <a:latin typeface="Arial"/>
-                          <a:ea typeface="Arial"/>
-                          <a:cs typeface="Times New Roman"/>
-                        </a:rPr>
-                        <a:t>Cascading</a:t>
-                      </a:r>
-                      <a:r>
-                        <a:rPr lang="fr-FR" sz="1100" dirty="0">
-                          <a:latin typeface="Arial"/>
-                          <a:ea typeface="Arial"/>
-                          <a:cs typeface="Times New Roman"/>
-                        </a:rPr>
-                        <a:t> Style </a:t>
-                      </a:r>
-                      <a:r>
-                        <a:rPr lang="fr-FR" sz="1100" dirty="0" err="1">
-                          <a:latin typeface="Arial"/>
-                          <a:ea typeface="Arial"/>
-                          <a:cs typeface="Times New Roman"/>
-                        </a:rPr>
-                        <a:t>Sheet</a:t>
-                      </a:r>
-                      <a:r>
-                        <a:rPr lang="fr-FR" sz="1100" dirty="0">
-                          <a:latin typeface="Arial"/>
-                          <a:ea typeface="Arial"/>
-                          <a:cs typeface="Times New Roman"/>
-                        </a:rPr>
-                        <a:t>)</a:t>
-                      </a:r>
-                      <a:r>
-                        <a:rPr lang="fr-FR" sz="1100" dirty="0">
-                          <a:solidFill>
-                            <a:srgbClr val="673B13"/>
-                          </a:solidFill>
-                          <a:latin typeface="Arial"/>
-                          <a:ea typeface="Arial"/>
-                          <a:cs typeface="Times New Roman"/>
-                        </a:rPr>
-                        <a:t> </a:t>
-                      </a:r>
-                      <a:r>
-                        <a:rPr lang="fr-FR" sz="1100" b="1" dirty="0" err="1">
-                          <a:latin typeface="Arial"/>
-                          <a:ea typeface="Arial"/>
-                          <a:cs typeface="Times New Roman"/>
-                        </a:rPr>
-                        <a:t>Sass</a:t>
-                      </a:r>
-                      <a:r>
-                        <a:rPr lang="fr-FR" sz="1100" dirty="0">
-                          <a:latin typeface="Arial"/>
-                          <a:ea typeface="Arial"/>
-                          <a:cs typeface="Times New Roman"/>
-                        </a:rPr>
-                        <a:t>, m’a permis d’organiser et de construire mon CSS plus aisément, de faciliter les mises à jour en cas de modification du code</a:t>
-                      </a:r>
-                      <a:endParaRPr lang="fr-FR" sz="1100" dirty="0">
-                        <a:latin typeface="Calibri"/>
-                        <a:ea typeface="Calibri"/>
-                        <a:cs typeface="Times New Roman"/>
-                      </a:endParaRPr>
-                    </a:p>
-                  </a:txBody>
-                  <a:tcPr marL="48129" marR="48129" marT="48129" marB="48129">
-                    <a:lnL w="12700" cap="flat" cmpd="sng" algn="ctr">
-                      <a:solidFill>
-                        <a:srgbClr val="000000"/>
-                      </a:solidFill>
-                      <a:prstDash val="solid"/>
-                      <a:round/>
-                      <a:headEnd type="none" w="med" len="med"/>
-                      <a:tailEnd type="none" w="med" len="med"/>
-                    </a:lnL>
-                    <a:lnR w="12700" cap="flat" cmpd="sng" algn="ctr">
-                      <a:solidFill>
-                        <a:srgbClr val="000000"/>
-                      </a:solidFill>
-                      <a:prstDash val="solid"/>
-                      <a:round/>
-                      <a:headEnd type="none" w="med" len="med"/>
-                      <a:tailEnd type="none" w="med" len="med"/>
-                    </a:lnR>
-                    <a:lnT w="12700" cap="flat" cmpd="sng" algn="ctr">
-                      <a:solidFill>
-                        <a:srgbClr val="000000"/>
-                      </a:solidFill>
-                      <a:prstDash val="solid"/>
-                      <a:round/>
-                      <a:headEnd type="none" w="med" len="med"/>
-                      <a:tailEnd type="none" w="med" len="med"/>
-                    </a:lnT>
-                    <a:lnB w="12700" cap="flat" cmpd="sng" algn="ctr">
-                      <a:solidFill>
-                        <a:srgbClr val="000000"/>
-                      </a:solidFill>
-                      <a:prstDash val="solid"/>
-                      <a:round/>
-                      <a:headEnd type="none" w="med" len="med"/>
-                      <a:tailEnd type="none" w="med" len="med"/>
-                    </a:lnB>
-                  </a:tcPr>
-                </a:tc>
-              </a:tr>
-              <a:tr h="521025">
-                <a:tc>
-                  <a:txBody>
-                    <a:bodyPr/>
-                    <a:lstStyle/>
-                    <a:p>
-                      <a:pPr>
-                        <a:lnSpc>
-                          <a:spcPct val="115000"/>
-                        </a:lnSpc>
-                        <a:spcAft>
-                          <a:spcPts val="0"/>
-                        </a:spcAft>
-                      </a:pPr>
-                      <a:endParaRPr lang="fr-FR" sz="1100" dirty="0">
-                        <a:latin typeface="Calibri"/>
-                        <a:ea typeface="Calibri"/>
-                        <a:cs typeface="Times New Roman"/>
-                      </a:endParaRPr>
-                    </a:p>
-                  </a:txBody>
-                  <a:tcPr marL="48129" marR="48129" marT="48129" marB="48129">
-                    <a:lnL w="12700" cap="flat" cmpd="sng" algn="ctr">
-                      <a:solidFill>
-                        <a:srgbClr val="000000"/>
-                      </a:solidFill>
-                      <a:prstDash val="solid"/>
-                      <a:round/>
-                      <a:headEnd type="none" w="med" len="med"/>
-                      <a:tailEnd type="none" w="med" len="med"/>
-                    </a:lnL>
-                    <a:lnR w="12700" cap="flat" cmpd="sng" algn="ctr">
-                      <a:solidFill>
-                        <a:srgbClr val="000000"/>
-                      </a:solidFill>
-                      <a:prstDash val="solid"/>
-                      <a:round/>
-                      <a:headEnd type="none" w="med" len="med"/>
-                      <a:tailEnd type="none" w="med" len="med"/>
-                    </a:lnR>
-                    <a:lnT w="12700" cap="flat" cmpd="sng" algn="ctr">
-                      <a:solidFill>
-                        <a:srgbClr val="000000"/>
-                      </a:solidFill>
-                      <a:prstDash val="solid"/>
-                      <a:round/>
-                      <a:headEnd type="none" w="med" len="med"/>
-                      <a:tailEnd type="none" w="med" len="med"/>
-                    </a:lnT>
-                    <a:lnB w="12700" cap="flat" cmpd="sng" algn="ctr">
-                      <a:solidFill>
-                        <a:srgbClr val="000000"/>
-                      </a:solidFill>
-                      <a:prstDash val="solid"/>
-                      <a:round/>
-                      <a:headEnd type="none" w="med" len="med"/>
-                      <a:tailEnd type="none" w="med" len="med"/>
-                    </a:lnB>
-                  </a:tcPr>
-                </a:tc>
-                <a:tc>
-                  <a:txBody>
-                    <a:bodyPr/>
-                    <a:lstStyle/>
-                    <a:p>
-                      <a:pPr algn="just">
-                        <a:lnSpc>
-                          <a:spcPct val="150000"/>
-                        </a:lnSpc>
-                        <a:spcAft>
-                          <a:spcPts val="0"/>
-                        </a:spcAft>
-                      </a:pPr>
-                      <a:r>
-                        <a:rPr lang="fr-FR" sz="1100" dirty="0">
-                          <a:latin typeface="Arial"/>
-                          <a:ea typeface="Arial"/>
-                          <a:cs typeface="Times New Roman"/>
-                        </a:rPr>
-                        <a:t>Pour les effets dynamiques du site j’ai utilisé le langage JavaScript et sa bibliothèque « </a:t>
-                      </a:r>
-                      <a:r>
-                        <a:rPr lang="fr-FR" sz="1100" dirty="0" err="1">
-                          <a:latin typeface="Arial"/>
-                          <a:ea typeface="Arial"/>
-                          <a:cs typeface="Times New Roman"/>
-                        </a:rPr>
-                        <a:t>jQuery</a:t>
-                      </a:r>
-                      <a:r>
-                        <a:rPr lang="fr-FR" sz="1100" dirty="0">
-                          <a:latin typeface="Arial"/>
-                          <a:ea typeface="Arial"/>
-                          <a:cs typeface="Times New Roman"/>
-                        </a:rPr>
-                        <a:t> </a:t>
-                      </a:r>
-                      <a:r>
-                        <a:rPr lang="fr-FR" sz="1100" dirty="0" smtClean="0">
-                          <a:latin typeface="Arial"/>
-                          <a:ea typeface="Arial"/>
-                          <a:cs typeface="Times New Roman"/>
-                        </a:rPr>
-                        <a:t>».</a:t>
-                      </a:r>
-                    </a:p>
-                    <a:p>
-                      <a:pPr algn="just">
-                        <a:lnSpc>
-                          <a:spcPct val="150000"/>
-                        </a:lnSpc>
-                        <a:spcAft>
-                          <a:spcPts val="0"/>
-                        </a:spcAft>
-                      </a:pPr>
-                      <a:endParaRPr lang="fr-FR" sz="1100" dirty="0">
-                        <a:latin typeface="Calibri"/>
-                        <a:ea typeface="Calibri"/>
-                        <a:cs typeface="Times New Roman"/>
-                      </a:endParaRPr>
-                    </a:p>
-                  </a:txBody>
-                  <a:tcPr marL="48129" marR="48129" marT="48129" marB="48129">
-                    <a:lnL w="12700" cap="flat" cmpd="sng" algn="ctr">
-                      <a:solidFill>
-                        <a:srgbClr val="000000"/>
-                      </a:solidFill>
-                      <a:prstDash val="solid"/>
-                      <a:round/>
-                      <a:headEnd type="none" w="med" len="med"/>
-                      <a:tailEnd type="none" w="med" len="med"/>
-                    </a:lnL>
-                    <a:lnR w="12700" cap="flat" cmpd="sng" algn="ctr">
-                      <a:solidFill>
-                        <a:srgbClr val="000000"/>
-                      </a:solidFill>
-                      <a:prstDash val="solid"/>
-                      <a:round/>
-                      <a:headEnd type="none" w="med" len="med"/>
-                      <a:tailEnd type="none" w="med" len="med"/>
-                    </a:lnR>
-                    <a:lnT w="12700" cap="flat" cmpd="sng" algn="ctr">
-                      <a:solidFill>
-                        <a:srgbClr val="000000"/>
-                      </a:solidFill>
-                      <a:prstDash val="solid"/>
-                      <a:round/>
-                      <a:headEnd type="none" w="med" len="med"/>
-                      <a:tailEnd type="none" w="med" len="med"/>
-                    </a:lnT>
-                    <a:lnB w="12700" cap="flat" cmpd="sng" algn="ctr">
-                      <a:solidFill>
-                        <a:srgbClr val="000000"/>
-                      </a:solidFill>
-                      <a:prstDash val="solid"/>
-                      <a:round/>
-                      <a:headEnd type="none" w="med" len="med"/>
-                      <a:tailEnd type="none" w="med" len="med"/>
-                    </a:lnB>
-                  </a:tcPr>
-                </a:tc>
-              </a:tr>
-              <a:tr h="1155657">
-                <a:tc>
-                  <a:txBody>
-                    <a:bodyPr/>
-                    <a:lstStyle/>
-                    <a:p>
-                      <a:pPr>
-                        <a:lnSpc>
-                          <a:spcPct val="115000"/>
-                        </a:lnSpc>
-                        <a:spcAft>
-                          <a:spcPts val="0"/>
-                        </a:spcAft>
-                      </a:pPr>
-                      <a:endParaRPr lang="fr-FR" sz="1100" dirty="0">
-                        <a:latin typeface="Calibri"/>
-                        <a:ea typeface="Calibri"/>
-                        <a:cs typeface="Times New Roman"/>
-                      </a:endParaRPr>
-                    </a:p>
-                  </a:txBody>
-                  <a:tcPr marL="48129" marR="48129" marT="48129" marB="48129">
-                    <a:lnL w="12700" cap="flat" cmpd="sng" algn="ctr">
-                      <a:solidFill>
-                        <a:srgbClr val="000000"/>
-                      </a:solidFill>
-                      <a:prstDash val="solid"/>
-                      <a:round/>
-                      <a:headEnd type="none" w="med" len="med"/>
-                      <a:tailEnd type="none" w="med" len="med"/>
-                    </a:lnL>
-                    <a:lnR w="12700" cap="flat" cmpd="sng" algn="ctr">
-                      <a:solidFill>
-                        <a:srgbClr val="000000"/>
-                      </a:solidFill>
-                      <a:prstDash val="solid"/>
-                      <a:round/>
-                      <a:headEnd type="none" w="med" len="med"/>
-                      <a:tailEnd type="none" w="med" len="med"/>
-                    </a:lnR>
-                    <a:lnT w="12700" cap="flat" cmpd="sng" algn="ctr">
-                      <a:solidFill>
-                        <a:srgbClr val="000000"/>
-                      </a:solidFill>
-                      <a:prstDash val="solid"/>
-                      <a:round/>
-                      <a:headEnd type="none" w="med" len="med"/>
-                      <a:tailEnd type="none" w="med" len="med"/>
-                    </a:lnT>
-                    <a:lnB w="12700" cap="flat" cmpd="sng" algn="ctr">
-                      <a:solidFill>
-                        <a:srgbClr val="000000"/>
-                      </a:solidFill>
-                      <a:prstDash val="solid"/>
-                      <a:round/>
-                      <a:headEnd type="none" w="med" len="med"/>
-                      <a:tailEnd type="none" w="med" len="med"/>
-                    </a:lnB>
-                  </a:tcPr>
-                </a:tc>
-                <a:tc>
-                  <a:txBody>
-                    <a:bodyPr/>
-                    <a:lstStyle/>
-                    <a:p>
-                      <a:pPr algn="just">
-                        <a:lnSpc>
-                          <a:spcPct val="150000"/>
-                        </a:lnSpc>
-                        <a:spcAft>
-                          <a:spcPts val="0"/>
-                        </a:spcAft>
-                      </a:pPr>
-                      <a:r>
-                        <a:rPr lang="fr-FR" sz="1100" b="1" dirty="0">
-                          <a:latin typeface="Arial"/>
-                          <a:ea typeface="Arial"/>
-                          <a:cs typeface="Times New Roman"/>
-                        </a:rPr>
-                        <a:t>Ajax</a:t>
-                      </a:r>
-                      <a:r>
-                        <a:rPr lang="fr-FR" sz="1100" dirty="0">
-                          <a:latin typeface="Arial"/>
-                          <a:ea typeface="Arial"/>
-                          <a:cs typeface="Times New Roman"/>
-                        </a:rPr>
-                        <a:t> pour </a:t>
-                      </a:r>
-                      <a:r>
-                        <a:rPr lang="fr-FR" sz="1100" dirty="0" err="1">
-                          <a:latin typeface="Arial"/>
-                          <a:ea typeface="Arial"/>
-                          <a:cs typeface="Times New Roman"/>
-                        </a:rPr>
-                        <a:t>Asynchronous</a:t>
-                      </a:r>
-                      <a:r>
-                        <a:rPr lang="fr-FR" sz="1100" dirty="0">
-                          <a:latin typeface="Arial"/>
-                          <a:ea typeface="Arial"/>
-                          <a:cs typeface="Times New Roman"/>
-                        </a:rPr>
-                        <a:t> JavaScript and XML, correspond à un groupe de méthodes et de moyens visant à permettre d'établir une communication asynchrone entre le navigateur et le serveur. </a:t>
-                      </a:r>
-                      <a:r>
-                        <a:rPr lang="fr-FR" sz="1100" b="1" dirty="0">
-                          <a:latin typeface="Arial"/>
-                          <a:ea typeface="Arial"/>
-                          <a:cs typeface="Times New Roman"/>
-                        </a:rPr>
-                        <a:t>Ajax</a:t>
-                      </a:r>
-                      <a:r>
-                        <a:rPr lang="fr-FR" sz="1100" dirty="0">
-                          <a:latin typeface="Arial"/>
-                          <a:ea typeface="Arial"/>
-                          <a:cs typeface="Times New Roman"/>
-                        </a:rPr>
-                        <a:t> permet d'effectuer des modifications parcellaires sur une page web, sans recharger l'ensemble de la page internet.</a:t>
-                      </a:r>
-                      <a:endParaRPr lang="fr-FR" sz="1100" dirty="0">
-                        <a:latin typeface="Calibri"/>
-                        <a:ea typeface="Calibri"/>
-                        <a:cs typeface="Times New Roman"/>
-                      </a:endParaRPr>
-                    </a:p>
-                  </a:txBody>
-                  <a:tcPr marL="48129" marR="48129" marT="48129" marB="48129">
-                    <a:lnL w="12700" cap="flat" cmpd="sng" algn="ctr">
-                      <a:solidFill>
-                        <a:srgbClr val="000000"/>
-                      </a:solidFill>
-                      <a:prstDash val="solid"/>
-                      <a:round/>
-                      <a:headEnd type="none" w="med" len="med"/>
-                      <a:tailEnd type="none" w="med" len="med"/>
-                    </a:lnL>
-                    <a:lnR w="12700" cap="flat" cmpd="sng" algn="ctr">
-                      <a:solidFill>
-                        <a:srgbClr val="000000"/>
-                      </a:solidFill>
-                      <a:prstDash val="solid"/>
-                      <a:round/>
-                      <a:headEnd type="none" w="med" len="med"/>
-                      <a:tailEnd type="none" w="med" len="med"/>
-                    </a:lnR>
-                    <a:lnT w="12700" cap="flat" cmpd="sng" algn="ctr">
-                      <a:solidFill>
-                        <a:srgbClr val="000000"/>
-                      </a:solidFill>
-                      <a:prstDash val="solid"/>
-                      <a:round/>
-                      <a:headEnd type="none" w="med" len="med"/>
-                      <a:tailEnd type="none" w="med" len="med"/>
-                    </a:lnT>
-                    <a:lnB w="12700" cap="flat" cmpd="sng" algn="ctr">
-                      <a:solidFill>
-                        <a:srgbClr val="000000"/>
-                      </a:solidFill>
-                      <a:prstDash val="solid"/>
-                      <a:round/>
-                      <a:headEnd type="none" w="med" len="med"/>
-                      <a:tailEnd type="none" w="med" len="med"/>
-                    </a:lnB>
-                  </a:tcPr>
-                </a:tc>
-              </a:tr>
-            </a:tbl>
-          </a:graphicData>
-        </a:graphic>
-      </p:graphicFrame>
-      <p:pic>
-        <p:nvPicPr>
-          <p:cNvPr id="3076" name="image20.png" descr="twbs/bootstrap-icons - Packagist"/>
-          <p:cNvPicPr>
-            <a:picLocks noChangeAspect="1" noChangeArrowheads="1"/>
-          </p:cNvPicPr>
-          <p:nvPr/>
-        </p:nvPicPr>
-        <p:blipFill>
-          <a:blip r:embed="rId4"/>
-          <a:srcRect/>
-          <a:stretch>
-            <a:fillRect/>
-          </a:stretch>
-        </p:blipFill>
-        <p:spPr bwMode="auto">
-          <a:xfrm>
-            <a:off x="109538" y="600075"/>
-            <a:ext cx="971550" cy="806450"/>
-          </a:xfrm>
-          <a:prstGeom prst="rect">
-            <a:avLst/>
-          </a:prstGeom>
-          <a:noFill/>
-        </p:spPr>
-      </p:pic>
-      <p:pic>
-        <p:nvPicPr>
-          <p:cNvPr id="3075" name="image82.jpg"/>
-          <p:cNvPicPr>
-            <a:picLocks noChangeAspect="1" noChangeArrowheads="1"/>
-          </p:cNvPicPr>
-          <p:nvPr/>
-        </p:nvPicPr>
-        <p:blipFill>
-          <a:blip r:embed="rId5"/>
-          <a:srcRect/>
-          <a:stretch>
-            <a:fillRect/>
-          </a:stretch>
-        </p:blipFill>
-        <p:spPr bwMode="auto">
-          <a:xfrm>
-            <a:off x="47625" y="85725"/>
-            <a:ext cx="1038225" cy="582613"/>
-          </a:xfrm>
-          <a:prstGeom prst="rect">
-            <a:avLst/>
-          </a:prstGeom>
-          <a:noFill/>
-        </p:spPr>
-      </p:pic>
-      <p:pic>
-        <p:nvPicPr>
-          <p:cNvPr id="3074" name="image43.png"/>
-          <p:cNvPicPr>
-            <a:picLocks noChangeAspect="1" noChangeArrowheads="1"/>
-          </p:cNvPicPr>
-          <p:nvPr/>
-        </p:nvPicPr>
-        <p:blipFill>
-          <a:blip r:embed="rId6"/>
-          <a:srcRect/>
-          <a:stretch>
-            <a:fillRect/>
-          </a:stretch>
-        </p:blipFill>
-        <p:spPr bwMode="auto">
-          <a:xfrm>
-            <a:off x="47625" y="47625"/>
-            <a:ext cx="971550" cy="838200"/>
-          </a:xfrm>
-          <a:prstGeom prst="rect">
-            <a:avLst/>
-          </a:prstGeom>
-          <a:noFill/>
-        </p:spPr>
-      </p:pic>
-      <p:pic>
-        <p:nvPicPr>
-          <p:cNvPr id="3073" name="image67.jpg"/>
-          <p:cNvPicPr>
-            <a:picLocks noChangeAspect="1" noChangeArrowheads="1"/>
-          </p:cNvPicPr>
-          <p:nvPr/>
-        </p:nvPicPr>
-        <p:blipFill>
-          <a:blip r:embed="rId7"/>
-          <a:srcRect/>
-          <a:stretch>
-            <a:fillRect/>
-          </a:stretch>
-        </p:blipFill>
-        <p:spPr bwMode="auto">
-          <a:xfrm>
-            <a:off x="47625" y="304800"/>
-            <a:ext cx="1190625" cy="596900"/>
-          </a:xfrm>
-          <a:prstGeom prst="rect">
-            <a:avLst/>
-          </a:prstGeom>
-          <a:noFill/>
-        </p:spPr>
-      </p:pic>
       <p:sp>
         <p:nvSpPr>
           <p:cNvPr id="15" name="Rectangle 14"/>
@@ -7621,54 +6457,6 @@
       <p:pic>
         <p:nvPicPr>
           <p:cNvPr id="16" name="image20.png" descr="twbs/bootstrap-icons - Packagist"/>
-          <p:cNvPicPr/>
-          <p:nvPr/>
-        </p:nvPicPr>
-        <p:blipFill>
-          <a:blip r:embed="rId4"/>
-          <a:srcRect/>
-          <a:stretch>
-            <a:fillRect/>
-          </a:stretch>
-        </p:blipFill>
-        <p:spPr>
-          <a:xfrm>
-            <a:off x="2143108" y="2500306"/>
-            <a:ext cx="971550" cy="809625"/>
-          </a:xfrm>
-          <a:prstGeom prst="rect">
-            <a:avLst/>
-          </a:prstGeom>
-          <a:ln/>
-        </p:spPr>
-      </p:pic>
-      <p:pic>
-        <p:nvPicPr>
-          <p:cNvPr id="17" name="image82.jpg"/>
-          <p:cNvPicPr/>
-          <p:nvPr/>
-        </p:nvPicPr>
-        <p:blipFill>
-          <a:blip r:embed="rId5"/>
-          <a:srcRect/>
-          <a:stretch>
-            <a:fillRect/>
-          </a:stretch>
-        </p:blipFill>
-        <p:spPr>
-          <a:xfrm>
-            <a:off x="2143108" y="3786190"/>
-            <a:ext cx="1038225" cy="581025"/>
-          </a:xfrm>
-          <a:prstGeom prst="rect">
-            <a:avLst/>
-          </a:prstGeom>
-          <a:ln/>
-        </p:spPr>
-      </p:pic>
-      <p:pic>
-        <p:nvPicPr>
-          <p:cNvPr id="18" name="image43.png"/>
           <p:cNvPicPr/>
           <p:nvPr/>
         </p:nvPicPr>
@@ -7681,8 +6469,8 @@
         </p:blipFill>
         <p:spPr>
           <a:xfrm>
-            <a:off x="2214546" y="4572008"/>
-            <a:ext cx="828674" cy="714380"/>
+            <a:off x="1413326" y="2109714"/>
+            <a:ext cx="971550" cy="809625"/>
           </a:xfrm>
           <a:prstGeom prst="rect">
             <a:avLst/>
@@ -7692,7 +6480,7 @@
       </p:pic>
       <p:pic>
         <p:nvPicPr>
-          <p:cNvPr id="19" name="image67.jpg"/>
+          <p:cNvPr id="17" name="image82.jpg"/>
           <p:cNvPicPr/>
           <p:nvPr/>
         </p:nvPicPr>
@@ -7705,13 +6493,460 @@
         </p:blipFill>
         <p:spPr>
           <a:xfrm>
-            <a:off x="1928794" y="5715016"/>
-            <a:ext cx="1190625" cy="600075"/>
+            <a:off x="1287033" y="3179874"/>
+            <a:ext cx="1224136" cy="741455"/>
           </a:xfrm>
           <a:prstGeom prst="rect">
             <a:avLst/>
           </a:prstGeom>
           <a:ln/>
+        </p:spPr>
+      </p:pic>
+      <p:pic>
+        <p:nvPicPr>
+          <p:cNvPr id="18" name="image43.png"/>
+          <p:cNvPicPr/>
+          <p:nvPr/>
+        </p:nvPicPr>
+        <p:blipFill>
+          <a:blip r:embed="rId8"/>
+          <a:srcRect/>
+          <a:stretch>
+            <a:fillRect/>
+          </a:stretch>
+        </p:blipFill>
+        <p:spPr>
+          <a:xfrm>
+            <a:off x="1217762" y="5058718"/>
+            <a:ext cx="1089650" cy="930404"/>
+          </a:xfrm>
+          <a:prstGeom prst="rect">
+            <a:avLst/>
+          </a:prstGeom>
+          <a:ln/>
+        </p:spPr>
+      </p:pic>
+      <p:sp>
+        <p:nvSpPr>
+          <p:cNvPr id="20" name="Google Shape;299;p17"/>
+          <p:cNvSpPr txBox="1"/>
+          <p:nvPr/>
+        </p:nvSpPr>
+        <p:spPr>
+          <a:xfrm>
+            <a:off x="2840958" y="1974401"/>
+            <a:ext cx="6051522" cy="4505912"/>
+          </a:xfrm>
+          <a:prstGeom prst="rect">
+            <a:avLst/>
+          </a:prstGeom>
+          <a:noFill/>
+          <a:ln>
+            <a:noFill/>
+          </a:ln>
+        </p:spPr>
+        <p:txBody>
+          <a:bodyPr spcFirstLastPara="1" wrap="square" lIns="91425" tIns="45700" rIns="91425" bIns="45700" anchor="t" anchorCtr="0">
+            <a:normAutofit/>
+          </a:bodyPr>
+          <a:lstStyle/>
+          <a:p>
+            <a:pPr marR="0" lvl="0" algn="l" rtl="0">
+              <a:spcBef>
+                <a:spcPts val="1000"/>
+              </a:spcBef>
+              <a:spcAft>
+                <a:spcPts val="0"/>
+              </a:spcAft>
+              <a:buClr>
+                <a:schemeClr val="accent1"/>
+              </a:buClr>
+              <a:buSzPts val="1800"/>
+            </a:pPr>
+            <a:r>
+              <a:rPr lang="fr-FR" sz="1800" dirty="0" smtClean="0">
+                <a:latin typeface="+mj-lt"/>
+                <a:ea typeface="Spartan"/>
+                <a:cs typeface="Spartan"/>
+                <a:sym typeface="Spartan"/>
+              </a:rPr>
+              <a:t>Le framework </a:t>
+            </a:r>
+            <a:r>
+              <a:rPr lang="fr-FR" sz="1800" dirty="0">
+                <a:latin typeface="+mj-lt"/>
+                <a:ea typeface="Spartan"/>
+                <a:cs typeface="Spartan"/>
+                <a:sym typeface="Spartan"/>
+              </a:rPr>
+              <a:t>Bootstrap 5 </a:t>
+            </a:r>
+            <a:r>
+              <a:rPr lang="fr-FR" sz="1800" dirty="0" smtClean="0">
+                <a:latin typeface="+mj-lt"/>
+                <a:ea typeface="Spartan"/>
+                <a:cs typeface="Spartan"/>
+                <a:sym typeface="Spartan"/>
+              </a:rPr>
+              <a:t>pour ses </a:t>
+            </a:r>
+            <a:r>
+              <a:rPr lang="fr-FR" sz="1800" dirty="0">
+                <a:latin typeface="+mj-lt"/>
+                <a:ea typeface="Spartan"/>
+                <a:cs typeface="Spartan"/>
+                <a:sym typeface="Spartan"/>
+              </a:rPr>
+              <a:t>menus Burger et son côté </a:t>
+            </a:r>
+            <a:r>
+              <a:rPr lang="fr-FR" sz="1800" dirty="0" smtClean="0">
+                <a:latin typeface="+mj-lt"/>
+                <a:ea typeface="Spartan"/>
+                <a:cs typeface="Spartan"/>
+                <a:sym typeface="Spartan"/>
+              </a:rPr>
+              <a:t>responsive, </a:t>
+            </a:r>
+            <a:endParaRPr dirty="0">
+              <a:latin typeface="+mj-lt"/>
+            </a:endParaRPr>
+          </a:p>
+          <a:p>
+            <a:pPr marL="342900" marR="0" lvl="0" indent="-228600" algn="l" rtl="0">
+              <a:spcBef>
+                <a:spcPts val="1000"/>
+              </a:spcBef>
+              <a:spcAft>
+                <a:spcPts val="0"/>
+              </a:spcAft>
+              <a:buClr>
+                <a:schemeClr val="accent1"/>
+              </a:buClr>
+              <a:buSzPts val="1800"/>
+              <a:buFont typeface="Noto Sans Symbols"/>
+              <a:buNone/>
+            </a:pPr>
+            <a:endParaRPr sz="1800" dirty="0">
+              <a:latin typeface="+mj-lt"/>
+              <a:ea typeface="Spartan"/>
+              <a:cs typeface="Spartan"/>
+              <a:sym typeface="Spartan"/>
+            </a:endParaRPr>
+          </a:p>
+          <a:p>
+            <a:pPr marR="0" lvl="0" algn="l" rtl="0">
+              <a:spcBef>
+                <a:spcPts val="1000"/>
+              </a:spcBef>
+              <a:spcAft>
+                <a:spcPts val="0"/>
+              </a:spcAft>
+              <a:buClr>
+                <a:schemeClr val="accent1"/>
+              </a:buClr>
+              <a:buSzPts val="1800"/>
+            </a:pPr>
+            <a:r>
+              <a:rPr lang="fr-FR" sz="1800" dirty="0">
+                <a:latin typeface="+mj-lt"/>
+                <a:ea typeface="Spartan"/>
+                <a:cs typeface="Spartan"/>
+                <a:sym typeface="Spartan"/>
+              </a:rPr>
+              <a:t>Utilisation du  SAAS pour compiler mes CSS</a:t>
+            </a:r>
+            <a:endParaRPr dirty="0">
+              <a:latin typeface="+mj-lt"/>
+            </a:endParaRPr>
+          </a:p>
+          <a:p>
+            <a:pPr marL="342900" marR="0" lvl="0" indent="-228600" algn="l" rtl="0">
+              <a:spcBef>
+                <a:spcPts val="1000"/>
+              </a:spcBef>
+              <a:spcAft>
+                <a:spcPts val="0"/>
+              </a:spcAft>
+              <a:buClr>
+                <a:schemeClr val="accent1"/>
+              </a:buClr>
+              <a:buSzPts val="1800"/>
+              <a:buFont typeface="Noto Sans Symbols"/>
+              <a:buNone/>
+            </a:pPr>
+            <a:endParaRPr sz="1800" dirty="0">
+              <a:latin typeface="+mj-lt"/>
+              <a:ea typeface="Spartan"/>
+              <a:cs typeface="Spartan"/>
+              <a:sym typeface="Spartan"/>
+            </a:endParaRPr>
+          </a:p>
+          <a:p>
+            <a:pPr marR="0" lvl="0" algn="l" rtl="0">
+              <a:spcBef>
+                <a:spcPts val="1000"/>
+              </a:spcBef>
+              <a:spcAft>
+                <a:spcPts val="0"/>
+              </a:spcAft>
+              <a:buClr>
+                <a:schemeClr val="accent1"/>
+              </a:buClr>
+              <a:buSzPts val="1800"/>
+            </a:pPr>
+            <a:r>
+              <a:rPr lang="fr-FR" sz="1800" dirty="0">
+                <a:latin typeface="+mj-lt"/>
+                <a:ea typeface="Spartan"/>
+                <a:cs typeface="Spartan"/>
+                <a:sym typeface="Spartan"/>
+              </a:rPr>
+              <a:t>Utilisation de Google Fonts pour les </a:t>
+            </a:r>
+            <a:r>
+              <a:rPr lang="fr-FR" sz="1800" dirty="0" smtClean="0">
+                <a:latin typeface="+mj-lt"/>
+                <a:ea typeface="Spartan"/>
+                <a:cs typeface="Spartan"/>
+                <a:sym typeface="Spartan"/>
+              </a:rPr>
+              <a:t>p</a:t>
+            </a:r>
+            <a:r>
+              <a:rPr lang="fr-FR" dirty="0" smtClean="0">
+                <a:latin typeface="+mj-lt"/>
+                <a:ea typeface="Spartan"/>
+                <a:cs typeface="Spartan"/>
+                <a:sym typeface="Spartan"/>
+              </a:rPr>
+              <a:t>olices</a:t>
+            </a:r>
+          </a:p>
+          <a:p>
+            <a:pPr marR="0" lvl="0" algn="l" rtl="0">
+              <a:spcBef>
+                <a:spcPts val="1000"/>
+              </a:spcBef>
+              <a:spcAft>
+                <a:spcPts val="0"/>
+              </a:spcAft>
+              <a:buClr>
+                <a:schemeClr val="accent1"/>
+              </a:buClr>
+              <a:buSzPts val="1800"/>
+            </a:pPr>
+            <a:r>
+              <a:rPr lang="fr-FR" dirty="0" smtClean="0">
+                <a:latin typeface="+mj-lt"/>
+                <a:sym typeface="Spartan"/>
+              </a:rPr>
+              <a:t>Et de Font </a:t>
+            </a:r>
+            <a:r>
+              <a:rPr lang="fr-FR" dirty="0" err="1" smtClean="0">
+                <a:latin typeface="+mj-lt"/>
+                <a:sym typeface="Spartan"/>
+              </a:rPr>
+              <a:t>Awesome</a:t>
+            </a:r>
+            <a:r>
+              <a:rPr lang="fr-FR" dirty="0" smtClean="0">
+                <a:latin typeface="+mj-lt"/>
+                <a:sym typeface="Spartan"/>
+              </a:rPr>
+              <a:t> pour les icones</a:t>
+            </a:r>
+            <a:endParaRPr dirty="0">
+              <a:latin typeface="+mj-lt"/>
+            </a:endParaRPr>
+          </a:p>
+          <a:p>
+            <a:pPr marL="342900" marR="0" lvl="0" indent="-228600" algn="l" rtl="0">
+              <a:spcBef>
+                <a:spcPts val="1000"/>
+              </a:spcBef>
+              <a:spcAft>
+                <a:spcPts val="0"/>
+              </a:spcAft>
+              <a:buClr>
+                <a:schemeClr val="accent1"/>
+              </a:buClr>
+              <a:buSzPts val="1800"/>
+              <a:buFont typeface="Noto Sans Symbols"/>
+              <a:buNone/>
+            </a:pPr>
+            <a:endParaRPr sz="1800" dirty="0">
+              <a:latin typeface="+mj-lt"/>
+              <a:ea typeface="Spartan"/>
+              <a:cs typeface="Spartan"/>
+              <a:sym typeface="Spartan"/>
+            </a:endParaRPr>
+          </a:p>
+          <a:p>
+            <a:pPr marL="0" marR="0" lvl="0" indent="0" algn="l" rtl="0">
+              <a:spcBef>
+                <a:spcPts val="1000"/>
+              </a:spcBef>
+              <a:spcAft>
+                <a:spcPts val="0"/>
+              </a:spcAft>
+              <a:buClr>
+                <a:schemeClr val="accent1"/>
+              </a:buClr>
+              <a:buSzPts val="1800"/>
+              <a:buFont typeface="Noto Sans Symbols"/>
+              <a:buNone/>
+            </a:pPr>
+            <a:r>
+              <a:rPr lang="fr-FR" sz="1800" dirty="0" smtClean="0">
+                <a:latin typeface="+mj-lt"/>
+                <a:ea typeface="Spartan"/>
+                <a:cs typeface="Spartan"/>
+                <a:sym typeface="Spartan"/>
+              </a:rPr>
+              <a:t>Utilisation </a:t>
+            </a:r>
+            <a:r>
+              <a:rPr lang="fr-FR" sz="1800" dirty="0">
+                <a:latin typeface="+mj-lt"/>
+                <a:ea typeface="Spartan"/>
+                <a:cs typeface="Spartan"/>
+                <a:sym typeface="Spartan"/>
+              </a:rPr>
+              <a:t>du </a:t>
+            </a:r>
+            <a:r>
+              <a:rPr lang="fr-FR" dirty="0" smtClean="0">
+                <a:latin typeface="+mj-lt"/>
+                <a:ea typeface="Spartan"/>
+                <a:cs typeface="Spartan"/>
+                <a:sym typeface="Spartan"/>
+              </a:rPr>
+              <a:t>J</a:t>
+            </a:r>
+            <a:r>
+              <a:rPr lang="fr-FR" sz="1800" dirty="0" smtClean="0">
+                <a:latin typeface="+mj-lt"/>
+                <a:ea typeface="Spartan"/>
+                <a:cs typeface="Spartan"/>
+                <a:sym typeface="Spartan"/>
+              </a:rPr>
+              <a:t>avaScript </a:t>
+            </a:r>
+            <a:r>
+              <a:rPr lang="fr-FR" sz="1800" dirty="0">
+                <a:latin typeface="+mj-lt"/>
+                <a:ea typeface="Spartan"/>
+                <a:cs typeface="Spartan"/>
+                <a:sym typeface="Spartan"/>
+              </a:rPr>
+              <a:t>et sa bibliothèque </a:t>
+            </a:r>
+            <a:r>
+              <a:rPr lang="fr-FR" sz="1800" dirty="0" smtClean="0">
+                <a:latin typeface="+mj-lt"/>
+                <a:ea typeface="Spartan"/>
+                <a:cs typeface="Spartan"/>
+                <a:sym typeface="Spartan"/>
+              </a:rPr>
+              <a:t>jQuery, associé à du Ajax </a:t>
+            </a:r>
+            <a:r>
+              <a:rPr lang="fr-FR" sz="1800" dirty="0">
+                <a:latin typeface="+mj-lt"/>
+                <a:ea typeface="Spartan"/>
+                <a:cs typeface="Spartan"/>
+                <a:sym typeface="Spartan"/>
+              </a:rPr>
+              <a:t>pour </a:t>
+            </a:r>
+            <a:r>
+              <a:rPr lang="fr-FR" dirty="0" smtClean="0">
+                <a:latin typeface="+mj-lt"/>
+                <a:ea typeface="Spartan"/>
+                <a:cs typeface="Spartan"/>
+                <a:sym typeface="Spartan"/>
+              </a:rPr>
+              <a:t>quelques effets, dans </a:t>
+            </a:r>
+            <a:r>
+              <a:rPr lang="fr-FR" dirty="0" err="1" smtClean="0">
+                <a:latin typeface="+mj-lt"/>
+                <a:ea typeface="Spartan"/>
+                <a:cs typeface="Spartan"/>
+                <a:sym typeface="Spartan"/>
+              </a:rPr>
+              <a:t>upload</a:t>
+            </a:r>
+            <a:r>
+              <a:rPr lang="fr-FR" dirty="0" smtClean="0">
+                <a:latin typeface="+mj-lt"/>
+                <a:ea typeface="Spartan"/>
+                <a:cs typeface="Spartan"/>
+                <a:sym typeface="Spartan"/>
+              </a:rPr>
+              <a:t> d’images multiples,…</a:t>
+            </a:r>
+            <a:endParaRPr dirty="0">
+              <a:latin typeface="+mj-lt"/>
+            </a:endParaRPr>
+          </a:p>
+          <a:p>
+            <a:pPr marL="0" marR="0" lvl="0" indent="0" algn="l" rtl="0">
+              <a:spcBef>
+                <a:spcPts val="1000"/>
+              </a:spcBef>
+              <a:spcAft>
+                <a:spcPts val="0"/>
+              </a:spcAft>
+              <a:buClr>
+                <a:schemeClr val="accent1"/>
+              </a:buClr>
+              <a:buSzPts val="1800"/>
+              <a:buFont typeface="Noto Sans Symbols"/>
+              <a:buNone/>
+            </a:pPr>
+            <a:endParaRPr sz="1800" dirty="0">
+              <a:solidFill>
+                <a:srgbClr val="3F3F3F"/>
+              </a:solidFill>
+              <a:latin typeface="Spartan"/>
+              <a:ea typeface="Spartan"/>
+              <a:cs typeface="Spartan"/>
+              <a:sym typeface="Spartan"/>
+            </a:endParaRPr>
+          </a:p>
+        </p:txBody>
+      </p:sp>
+      <p:pic>
+        <p:nvPicPr>
+          <p:cNvPr id="9" name="Image 8"/>
+          <p:cNvPicPr>
+            <a:picLocks noChangeAspect="1"/>
+          </p:cNvPicPr>
+          <p:nvPr/>
+        </p:nvPicPr>
+        <p:blipFill>
+          <a:blip r:embed="rId9" cstate="print">
+            <a:extLst>
+              <a:ext uri="{28A0092B-C50C-407E-A947-70E740481C1C}">
+                <a14:useLocalDpi xmlns:a14="http://schemas.microsoft.com/office/drawing/2010/main" val="0"/>
+              </a:ext>
+            </a:extLst>
+          </a:blip>
+          <a:stretch>
+            <a:fillRect/>
+          </a:stretch>
+        </p:blipFill>
+        <p:spPr>
+          <a:xfrm>
+            <a:off x="1259632" y="4252656"/>
+            <a:ext cx="778614" cy="778614"/>
+          </a:xfrm>
+          <a:prstGeom prst="rect">
+            <a:avLst/>
+          </a:prstGeom>
         </p:spPr>
       </p:pic>
     </p:spTree>
@@ -7746,184 +6981,6 @@
           <a:chExt cx="0" cy="0"/>
         </a:xfrm>
       </p:grpSpPr>
-      <p:sp>
-        <p:nvSpPr>
-          <p:cNvPr id="6" name="Titre 1"/>
-          <p:cNvSpPr txBox="1">
-            <a:spLocks/>
-          </p:cNvSpPr>
-          <p:nvPr/>
-        </p:nvSpPr>
-        <p:spPr>
-          <a:xfrm>
-            <a:off x="2857488" y="285728"/>
-            <a:ext cx="4857784" cy="1143000"/>
-          </a:xfrm>
-          <a:prstGeom prst="rect">
-            <a:avLst/>
-          </a:prstGeom>
-          <a:solidFill>
-            <a:srgbClr val="C65806"/>
-          </a:solidFill>
-        </p:spPr>
-        <p:txBody>
-          <a:bodyPr anchor="ctr">
-            <a:normAutofit/>
-          </a:bodyPr>
-          <a:lstStyle/>
-          <a:p>
-            <a:pPr marL="0" marR="0" lvl="0" indent="0" algn="l" defTabSz="914400" rtl="0" eaLnBrk="1" fontAlgn="auto" latinLnBrk="0" hangingPunct="1">
-              <a:lnSpc>
-                <a:spcPct val="100000"/>
-              </a:lnSpc>
-              <a:spcBef>
-                <a:spcPct val="0"/>
-              </a:spcBef>
-              <a:spcAft>
-                <a:spcPts val="0"/>
-              </a:spcAft>
-              <a:buClrTx/>
-              <a:buSzTx/>
-              <a:buFontTx/>
-              <a:buNone/>
-              <a:tabLst/>
-              <a:defRPr/>
-            </a:pPr>
-            <a:endParaRPr kumimoji="0" lang="fr-FR" sz="4300" b="0" i="0" u="none" strike="noStrike" kern="1200" cap="none" spc="0" normalizeH="0" baseline="0" noProof="0" dirty="0">
-              <a:ln>
-                <a:noFill/>
-              </a:ln>
-              <a:solidFill>
-                <a:schemeClr val="tx2">
-                  <a:satMod val="130000"/>
-                </a:schemeClr>
-              </a:solidFill>
-              <a:effectLst>
-                <a:outerShdw blurRad="50000" dist="30000" dir="5400000" algn="tl" rotWithShape="0">
-                  <a:srgbClr val="000000">
-                    <a:alpha val="30000"/>
-                  </a:srgbClr>
-                </a:outerShdw>
-              </a:effectLst>
-              <a:uLnTx/>
-              <a:uFillTx/>
-              <a:latin typeface="+mj-lt"/>
-              <a:ea typeface="+mj-ea"/>
-              <a:cs typeface="+mj-cs"/>
-            </a:endParaRPr>
-          </a:p>
-        </p:txBody>
-      </p:sp>
-      <p:sp>
-        <p:nvSpPr>
-          <p:cNvPr id="2" name="Titre 1"/>
-          <p:cNvSpPr>
-            <a:spLocks noGrp="1"/>
-          </p:cNvSpPr>
-          <p:nvPr>
-            <p:ph type="title"/>
-          </p:nvPr>
-        </p:nvSpPr>
-        <p:spPr>
-          <a:xfrm>
-            <a:off x="2857488" y="285728"/>
-            <a:ext cx="4500594" cy="1143000"/>
-          </a:xfrm>
-        </p:spPr>
-        <p:txBody>
-          <a:bodyPr>
-            <a:normAutofit/>
-          </a:bodyPr>
-          <a:lstStyle/>
-          <a:p>
-            <a:pPr algn="ctr"/>
-            <a:r>
-              <a:rPr lang="fr-FR" dirty="0" smtClean="0"/>
-              <a:t>Gestion de projet</a:t>
-            </a:r>
-            <a:endParaRPr lang="fr-FR" dirty="0"/>
-          </a:p>
-        </p:txBody>
-      </p:sp>
-      <p:sp>
-        <p:nvSpPr>
-          <p:cNvPr id="3" name="Espace réservé du contenu 2"/>
-          <p:cNvSpPr>
-            <a:spLocks noGrp="1"/>
-          </p:cNvSpPr>
-          <p:nvPr>
-            <p:ph idx="1"/>
-          </p:nvPr>
-        </p:nvSpPr>
-        <p:spPr>
-          <a:xfrm>
-            <a:off x="1500166" y="1714488"/>
-            <a:ext cx="7498080" cy="4800600"/>
-          </a:xfrm>
-        </p:spPr>
-        <p:txBody>
-          <a:bodyPr>
-            <a:normAutofit/>
-          </a:bodyPr>
-          <a:lstStyle/>
-          <a:p>
-            <a:pPr>
-              <a:buNone/>
-            </a:pPr>
-            <a:r>
-              <a:rPr lang="fr-FR" b="1" dirty="0" smtClean="0"/>
-              <a:t>	</a:t>
-            </a:r>
-            <a:r>
-              <a:rPr lang="fr-FR" sz="2800" b="1" dirty="0" smtClean="0"/>
-              <a:t>Arborescence du site</a:t>
-            </a:r>
-            <a:endParaRPr lang="fr-FR" dirty="0" smtClean="0"/>
-          </a:p>
-          <a:p>
-            <a:pPr>
-              <a:buNone/>
-            </a:pPr>
-            <a:endParaRPr lang="fr-FR" sz="2200" dirty="0"/>
-          </a:p>
-        </p:txBody>
-      </p:sp>
-      <p:sp>
-        <p:nvSpPr>
-          <p:cNvPr id="4" name="Espace réservé du pied de page 3"/>
-          <p:cNvSpPr>
-            <a:spLocks noGrp="1"/>
-          </p:cNvSpPr>
-          <p:nvPr>
-            <p:ph type="ftr" sz="quarter" idx="11"/>
-          </p:nvPr>
-        </p:nvSpPr>
-        <p:spPr>
-          <a:xfrm>
-            <a:off x="1928794" y="6305550"/>
-            <a:ext cx="6681806" cy="476250"/>
-          </a:xfrm>
-        </p:spPr>
-        <p:txBody>
-          <a:bodyPr/>
-          <a:lstStyle/>
-          <a:p>
-            <a:r>
-              <a:rPr lang="fr-FR" sz="1400" dirty="0" smtClean="0"/>
-              <a:t>Jacques LEMOINE –</a:t>
-            </a:r>
-            <a:r>
-              <a:rPr lang="fr-FR" sz="1400" dirty="0" err="1" smtClean="0"/>
-              <a:t>Arinfo</a:t>
-            </a:r>
-            <a:r>
-              <a:rPr lang="fr-FR" sz="1400" dirty="0" smtClean="0"/>
-              <a:t> – Promotion Novembre 2021 - Avril 2022</a:t>
-            </a:r>
-            <a:endParaRPr lang="fr-FR" sz="1400" dirty="0"/>
-          </a:p>
-        </p:txBody>
-      </p:sp>
       <p:pic>
         <p:nvPicPr>
           <p:cNvPr id="5" name="Image 4" descr="logo_PaulGreen_2a.jpeg"/>
@@ -7931,7 +6988,7 @@
           <p:nvPr/>
         </p:nvPicPr>
         <p:blipFill>
-          <a:blip r:embed="rId2" cstate="print"/>
+          <a:blip r:embed="rId3" cstate="print"/>
           <a:stretch>
             <a:fillRect/>
           </a:stretch>
@@ -7946,6 +7003,119 @@
           </a:prstGeom>
         </p:spPr>
       </p:pic>
+      <p:sp>
+        <p:nvSpPr>
+          <p:cNvPr id="2" name="Titre 1"/>
+          <p:cNvSpPr>
+            <a:spLocks noGrp="1"/>
+          </p:cNvSpPr>
+          <p:nvPr>
+            <p:ph type="title"/>
+          </p:nvPr>
+        </p:nvSpPr>
+        <p:spPr>
+          <a:xfrm>
+            <a:off x="2772000" y="252000"/>
+            <a:ext cx="5040000" cy="720000"/>
+          </a:xfrm>
+          <a:solidFill>
+            <a:srgbClr val="C65806"/>
+          </a:solidFill>
+        </p:spPr>
+        <p:txBody>
+          <a:bodyPr>
+            <a:normAutofit fontScale="90000"/>
+          </a:bodyPr>
+          <a:lstStyle/>
+          <a:p>
+            <a:pPr algn="ctr"/>
+            <a:r>
+              <a:rPr lang="fr-FR" dirty="0" smtClean="0"/>
+              <a:t>Gestion de projet</a:t>
+            </a:r>
+            <a:endParaRPr lang="fr-FR" dirty="0"/>
+          </a:p>
+        </p:txBody>
+      </p:sp>
+      <p:sp>
+        <p:nvSpPr>
+          <p:cNvPr id="3" name="Espace réservé du contenu 2"/>
+          <p:cNvSpPr>
+            <a:spLocks noGrp="1"/>
+          </p:cNvSpPr>
+          <p:nvPr>
+            <p:ph idx="1"/>
+          </p:nvPr>
+        </p:nvSpPr>
+        <p:spPr>
+          <a:xfrm>
+            <a:off x="1500166" y="1504640"/>
+            <a:ext cx="7498080" cy="549612"/>
+          </a:xfrm>
+        </p:spPr>
+        <p:txBody>
+          <a:bodyPr>
+            <a:normAutofit lnSpcReduction="10000"/>
+          </a:bodyPr>
+          <a:lstStyle/>
+          <a:p>
+            <a:pPr>
+              <a:buNone/>
+            </a:pPr>
+            <a:r>
+              <a:rPr lang="fr-FR" b="1" dirty="0" smtClean="0"/>
+              <a:t>	</a:t>
+            </a:r>
+            <a:r>
+              <a:rPr lang="fr-FR" sz="2800" b="1" dirty="0" smtClean="0"/>
+              <a:t>Back End</a:t>
+            </a:r>
+            <a:endParaRPr lang="fr-FR" dirty="0" smtClean="0"/>
+          </a:p>
+          <a:p>
+            <a:pPr>
+              <a:buNone/>
+            </a:pPr>
+            <a:endParaRPr lang="fr-FR" sz="2200" dirty="0"/>
+          </a:p>
+        </p:txBody>
+      </p:sp>
+      <p:sp>
+        <p:nvSpPr>
+          <p:cNvPr id="4" name="Espace réservé du pied de page 3"/>
+          <p:cNvSpPr>
+            <a:spLocks noGrp="1"/>
+          </p:cNvSpPr>
+          <p:nvPr>
+            <p:ph type="ftr" sz="quarter" idx="11"/>
+          </p:nvPr>
+        </p:nvSpPr>
+        <p:spPr>
+          <a:xfrm>
+            <a:off x="1928794" y="6305550"/>
+            <a:ext cx="6681806" cy="476250"/>
+          </a:xfrm>
+        </p:spPr>
+        <p:txBody>
+          <a:bodyPr/>
+          <a:lstStyle/>
+          <a:p>
+            <a:r>
+              <a:rPr lang="fr-FR" sz="1400" dirty="0" smtClean="0"/>
+              <a:t>Jacques LEMOINE –</a:t>
+            </a:r>
+            <a:r>
+              <a:rPr lang="fr-FR" sz="1400" dirty="0" err="1" smtClean="0"/>
+              <a:t>Arinfo</a:t>
+            </a:r>
+            <a:r>
+              <a:rPr lang="fr-FR" sz="1400" dirty="0" smtClean="0"/>
+              <a:t> – Promotion Novembre 2021 - Avril 2022</a:t>
+            </a:r>
+            <a:endParaRPr lang="fr-FR" sz="1400" dirty="0"/>
+          </a:p>
+        </p:txBody>
+      </p:sp>
       <p:pic>
         <p:nvPicPr>
           <p:cNvPr id="7" name="image2.png"/>
@@ -7953,7 +7123,7 @@
           <p:nvPr/>
         </p:nvPicPr>
         <p:blipFill>
-          <a:blip r:embed="rId3"/>
+          <a:blip r:embed="rId4"/>
           <a:srcRect/>
           <a:stretch>
             <a:fillRect/>
@@ -7961,7 +7131,7 @@
         </p:blipFill>
         <p:spPr>
           <a:xfrm>
-            <a:off x="7786710" y="428604"/>
+            <a:off x="8045746" y="171953"/>
             <a:ext cx="952500" cy="866775"/>
           </a:xfrm>
           <a:prstGeom prst="rect">
@@ -7978,7 +7148,7 @@
         </p:nvSpPr>
         <p:spPr>
           <a:xfrm>
-            <a:off x="1214414" y="1857364"/>
+            <a:off x="1256707" y="1615778"/>
             <a:ext cx="571504" cy="357190"/>
           </a:xfrm>
           <a:prstGeom prst="rightArrow">
@@ -8018,6 +7188,599 @@
           </a:p>
         </p:txBody>
       </p:sp>
+      <p:pic>
+        <p:nvPicPr>
+          <p:cNvPr id="28" name="Google Shape;328;p20"/>
+          <p:cNvPicPr preferRelativeResize="0"/>
+          <p:nvPr/>
+        </p:nvPicPr>
+        <p:blipFill rotWithShape="1">
+          <a:blip r:embed="rId5">
+            <a:alphaModFix/>
+          </a:blip>
+          <a:srcRect/>
+          <a:stretch/>
+        </p:blipFill>
+        <p:spPr>
+          <a:xfrm>
+            <a:off x="1910558" y="5429230"/>
+            <a:ext cx="1206733" cy="712100"/>
+          </a:xfrm>
+          <a:prstGeom prst="rect">
+            <a:avLst/>
+          </a:prstGeom>
+          <a:noFill/>
+          <a:ln>
+            <a:noFill/>
+          </a:ln>
+        </p:spPr>
+      </p:pic>
+      <p:pic>
+        <p:nvPicPr>
+          <p:cNvPr id="2067" name="image55.jpg"/>
+          <p:cNvPicPr>
+            <a:picLocks noChangeAspect="1" noChangeArrowheads="1"/>
+          </p:cNvPicPr>
+          <p:nvPr/>
+        </p:nvPicPr>
+        <p:blipFill>
+          <a:blip r:embed="rId6">
+            <a:extLst>
+              <a:ext uri="{28A0092B-C50C-407E-A947-70E740481C1C}">
+                <a14:useLocalDpi xmlns:a14="http://schemas.microsoft.com/office/drawing/2010/main" val="0"/>
+              </a:ext>
+            </a:extLst>
+          </a:blip>
+          <a:srcRect/>
+          <a:stretch>
+            <a:fillRect/>
+          </a:stretch>
+        </p:blipFill>
+        <p:spPr bwMode="auto">
+          <a:xfrm>
+            <a:off x="1212010" y="2227465"/>
+            <a:ext cx="619125" cy="752475"/>
+          </a:xfrm>
+          <a:prstGeom prst="rect">
+            <a:avLst/>
+          </a:prstGeom>
+          <a:noFill/>
+          <a:extLst>
+            <a:ext uri="{909E8E84-426E-40DD-AFC4-6F175D3DCCD1}">
+              <a14:hiddenFill xmlns:a14="http://schemas.microsoft.com/office/drawing/2010/main">
+                <a:solidFill>
+                  <a:srgbClr val="FFFFFF"/>
+                </a:solidFill>
+              </a14:hiddenFill>
+            </a:ext>
+          </a:extLst>
+        </p:spPr>
+      </p:pic>
+      <p:pic>
+        <p:nvPicPr>
+          <p:cNvPr id="2066" name="image39.png" descr="logo-twig.png"/>
+          <p:cNvPicPr>
+            <a:picLocks noChangeAspect="1" noChangeArrowheads="1"/>
+          </p:cNvPicPr>
+          <p:nvPr/>
+        </p:nvPicPr>
+        <p:blipFill>
+          <a:blip r:embed="rId7">
+            <a:extLst>
+              <a:ext uri="{28A0092B-C50C-407E-A947-70E740481C1C}">
+                <a14:useLocalDpi xmlns:a14="http://schemas.microsoft.com/office/drawing/2010/main" val="0"/>
+              </a:ext>
+            </a:extLst>
+          </a:blip>
+          <a:srcRect/>
+          <a:stretch>
+            <a:fillRect/>
+          </a:stretch>
+        </p:blipFill>
+        <p:spPr bwMode="auto">
+          <a:xfrm>
+            <a:off x="1881066" y="2362827"/>
+            <a:ext cx="1114425" cy="1114425"/>
+          </a:xfrm>
+          <a:prstGeom prst="rect">
+            <a:avLst/>
+          </a:prstGeom>
+          <a:noFill/>
+          <a:extLst>
+            <a:ext uri="{909E8E84-426E-40DD-AFC4-6F175D3DCCD1}">
+              <a14:hiddenFill xmlns:a14="http://schemas.microsoft.com/office/drawing/2010/main">
+                <a:solidFill>
+                  <a:srgbClr val="FFFFFF"/>
+                </a:solidFill>
+              </a14:hiddenFill>
+            </a:ext>
+          </a:extLst>
+        </p:spPr>
+      </p:pic>
+      <p:pic>
+        <p:nvPicPr>
+          <p:cNvPr id="2065" name="image57.png"/>
+          <p:cNvPicPr>
+            <a:picLocks noChangeAspect="1" noChangeArrowheads="1"/>
+          </p:cNvPicPr>
+          <p:nvPr/>
+        </p:nvPicPr>
+        <p:blipFill>
+          <a:blip r:embed="rId8">
+            <a:extLst>
+              <a:ext uri="{28A0092B-C50C-407E-A947-70E740481C1C}">
+                <a14:useLocalDpi xmlns:a14="http://schemas.microsoft.com/office/drawing/2010/main" val="0"/>
+              </a:ext>
+            </a:extLst>
+          </a:blip>
+          <a:srcRect/>
+          <a:stretch>
+            <a:fillRect/>
+          </a:stretch>
+        </p:blipFill>
+        <p:spPr bwMode="auto">
+          <a:xfrm>
+            <a:off x="1218696" y="3266409"/>
+            <a:ext cx="973137" cy="533400"/>
+          </a:xfrm>
+          <a:prstGeom prst="rect">
+            <a:avLst/>
+          </a:prstGeom>
+          <a:noFill/>
+          <a:extLst>
+            <a:ext uri="{909E8E84-426E-40DD-AFC4-6F175D3DCCD1}">
+              <a14:hiddenFill xmlns:a14="http://schemas.microsoft.com/office/drawing/2010/main">
+                <a:solidFill>
+                  <a:srgbClr val="FFFFFF"/>
+                </a:solidFill>
+              </a14:hiddenFill>
+            </a:ext>
+          </a:extLst>
+        </p:spPr>
+      </p:pic>
+      <p:pic>
+        <p:nvPicPr>
+          <p:cNvPr id="33" name="image10.png"/>
+          <p:cNvPicPr/>
+          <p:nvPr/>
+        </p:nvPicPr>
+        <p:blipFill>
+          <a:blip r:embed="rId9" cstate="print"/>
+          <a:srcRect/>
+          <a:stretch>
+            <a:fillRect/>
+          </a:stretch>
+        </p:blipFill>
+        <p:spPr>
+          <a:xfrm>
+            <a:off x="1240153" y="5055675"/>
+            <a:ext cx="1038225" cy="778510"/>
+          </a:xfrm>
+          <a:prstGeom prst="rect">
+            <a:avLst/>
+          </a:prstGeom>
+          <a:ln/>
+        </p:spPr>
+      </p:pic>
+      <p:sp>
+        <p:nvSpPr>
+          <p:cNvPr id="35" name="Google Shape;323;p20"/>
+          <p:cNvSpPr txBox="1"/>
+          <p:nvPr/>
+        </p:nvSpPr>
+        <p:spPr>
+          <a:xfrm>
+            <a:off x="3333248" y="2126186"/>
+            <a:ext cx="5563104" cy="4354127"/>
+          </a:xfrm>
+          <a:prstGeom prst="rect">
+            <a:avLst/>
+          </a:prstGeom>
+          <a:noFill/>
+          <a:ln>
+            <a:noFill/>
+          </a:ln>
+        </p:spPr>
+        <p:txBody>
+          <a:bodyPr spcFirstLastPara="1" wrap="square" lIns="91425" tIns="45700" rIns="91425" bIns="45700" anchor="t" anchorCtr="0">
+            <a:normAutofit/>
+          </a:bodyPr>
+          <a:lstStyle/>
+          <a:p>
+            <a:pPr lvl="0">
+              <a:spcBef>
+                <a:spcPts val="1000"/>
+              </a:spcBef>
+              <a:buClr>
+                <a:schemeClr val="accent1"/>
+              </a:buClr>
+              <a:buSzPts val="1800"/>
+            </a:pPr>
+            <a:r>
+              <a:rPr lang="fr-FR" sz="1800" dirty="0" smtClean="0">
+                <a:latin typeface="Gill Sans MT (Corps)"/>
+                <a:ea typeface="Spartan"/>
+                <a:cs typeface="Spartan"/>
+                <a:sym typeface="Spartan"/>
+              </a:rPr>
+              <a:t>Le </a:t>
+            </a:r>
+            <a:r>
+              <a:rPr lang="fr-FR" sz="1800" dirty="0" err="1">
+                <a:latin typeface="Gill Sans MT (Corps)"/>
+                <a:ea typeface="Spartan"/>
+                <a:cs typeface="Spartan"/>
+                <a:sym typeface="Spartan"/>
+              </a:rPr>
+              <a:t>frameworks</a:t>
+            </a:r>
+            <a:r>
+              <a:rPr lang="fr-FR" sz="1800" dirty="0">
+                <a:latin typeface="Gill Sans MT (Corps)"/>
+                <a:ea typeface="Spartan"/>
+                <a:cs typeface="Spartan"/>
+                <a:sym typeface="Spartan"/>
+              </a:rPr>
+              <a:t> Symfony 5.4 , un MVC </a:t>
+            </a:r>
+            <a:r>
+              <a:rPr lang="fr-FR" dirty="0">
+                <a:latin typeface="Gill Sans MT (Corps)"/>
+              </a:rPr>
+              <a:t>(</a:t>
+            </a:r>
+            <a:r>
+              <a:rPr lang="fr-FR" dirty="0" smtClean="0">
+                <a:latin typeface="Gill Sans MT (Corps)"/>
+              </a:rPr>
+              <a:t>Model-</a:t>
+            </a:r>
+            <a:r>
+              <a:rPr lang="fr-FR" dirty="0" err="1" smtClean="0">
+                <a:latin typeface="Gill Sans MT (Corps)"/>
+              </a:rPr>
+              <a:t>View</a:t>
+            </a:r>
+            <a:r>
+              <a:rPr lang="fr-FR" dirty="0" smtClean="0">
+                <a:latin typeface="Gill Sans MT (Corps)"/>
+              </a:rPr>
+              <a:t>-Controller) </a:t>
+            </a:r>
+            <a:r>
+              <a:rPr lang="fr-FR" sz="1800" dirty="0" smtClean="0">
+                <a:latin typeface="Gill Sans MT (Corps)"/>
+                <a:ea typeface="Spartan"/>
+                <a:cs typeface="Spartan"/>
+                <a:sym typeface="Spartan"/>
+              </a:rPr>
+              <a:t>open-source </a:t>
+            </a:r>
+            <a:r>
+              <a:rPr lang="fr-FR" sz="1800" dirty="0">
+                <a:latin typeface="Gill Sans MT (Corps)"/>
+                <a:ea typeface="Spartan"/>
+                <a:cs typeface="Spartan"/>
+                <a:sym typeface="Spartan"/>
+              </a:rPr>
+              <a:t>basé sur le langage </a:t>
+            </a:r>
+            <a:r>
+              <a:rPr lang="fr-FR" sz="1800" dirty="0" smtClean="0">
+                <a:latin typeface="Gill Sans MT (Corps)"/>
+                <a:ea typeface="Spartan"/>
+                <a:cs typeface="Spartan"/>
+                <a:sym typeface="Spartan"/>
+              </a:rPr>
+              <a:t>PHP, et utilisant du TWIG (moteur de </a:t>
+            </a:r>
+            <a:r>
+              <a:rPr lang="fr-FR" sz="1800" dirty="0" err="1" smtClean="0">
+                <a:latin typeface="Gill Sans MT (Corps)"/>
+                <a:ea typeface="Spartan"/>
+                <a:cs typeface="Spartan"/>
+                <a:sym typeface="Spartan"/>
+              </a:rPr>
+              <a:t>Templating</a:t>
+            </a:r>
+            <a:r>
+              <a:rPr lang="fr-FR" sz="1800" dirty="0" smtClean="0">
+                <a:latin typeface="Gill Sans MT (Corps)"/>
+                <a:ea typeface="Spartan"/>
+                <a:cs typeface="Spartan"/>
+                <a:sym typeface="Spartan"/>
+              </a:rPr>
+              <a:t>),</a:t>
+            </a:r>
+            <a:endParaRPr dirty="0">
+              <a:latin typeface="Gill Sans MT (Corps)"/>
+            </a:endParaRPr>
+          </a:p>
+          <a:p>
+            <a:pPr marL="342900" marR="0" lvl="0" indent="-228600" algn="l" rtl="0">
+              <a:spcBef>
+                <a:spcPts val="1000"/>
+              </a:spcBef>
+              <a:spcAft>
+                <a:spcPts val="0"/>
+              </a:spcAft>
+              <a:buClr>
+                <a:schemeClr val="accent1"/>
+              </a:buClr>
+              <a:buSzPts val="1800"/>
+              <a:buFont typeface="Noto Sans Symbols"/>
+              <a:buNone/>
+            </a:pPr>
+            <a:endParaRPr lang="fr-FR" sz="1800" dirty="0" smtClean="0">
+              <a:latin typeface="Gill Sans MT (Corps)"/>
+              <a:ea typeface="Spartan"/>
+              <a:cs typeface="Spartan"/>
+              <a:sym typeface="Spartan"/>
+            </a:endParaRPr>
+          </a:p>
+          <a:p>
+            <a:pPr marL="342900" marR="0" lvl="0" indent="-228600" algn="l" rtl="0">
+              <a:spcBef>
+                <a:spcPts val="1000"/>
+              </a:spcBef>
+              <a:spcAft>
+                <a:spcPts val="0"/>
+              </a:spcAft>
+              <a:buClr>
+                <a:schemeClr val="accent1"/>
+              </a:buClr>
+              <a:buSzPts val="1800"/>
+              <a:buFont typeface="Noto Sans Symbols"/>
+              <a:buNone/>
+            </a:pPr>
+            <a:endParaRPr lang="fr-FR" sz="1800" dirty="0" smtClean="0">
+              <a:latin typeface="Gill Sans MT (Corps)"/>
+              <a:ea typeface="Spartan"/>
+              <a:cs typeface="Spartan"/>
+              <a:sym typeface="Spartan"/>
+            </a:endParaRPr>
+          </a:p>
+          <a:p>
+            <a:pPr marL="342900" marR="0" lvl="0" indent="-228600" algn="l" rtl="0">
+              <a:spcBef>
+                <a:spcPts val="1000"/>
+              </a:spcBef>
+              <a:spcAft>
+                <a:spcPts val="0"/>
+              </a:spcAft>
+              <a:buClr>
+                <a:schemeClr val="accent1"/>
+              </a:buClr>
+              <a:buSzPts val="1800"/>
+              <a:buFont typeface="Noto Sans Symbols"/>
+              <a:buNone/>
+            </a:pPr>
+            <a:endParaRPr sz="1800" dirty="0">
+              <a:latin typeface="Gill Sans MT (Corps)"/>
+              <a:ea typeface="Spartan"/>
+              <a:cs typeface="Spartan"/>
+              <a:sym typeface="Spartan"/>
+            </a:endParaRPr>
+          </a:p>
+          <a:p>
+            <a:pPr marR="0" lvl="0" algn="l" rtl="0">
+              <a:spcBef>
+                <a:spcPts val="1000"/>
+              </a:spcBef>
+              <a:spcAft>
+                <a:spcPts val="0"/>
+              </a:spcAft>
+              <a:buClr>
+                <a:schemeClr val="accent1"/>
+              </a:buClr>
+              <a:buSzPts val="1800"/>
+            </a:pPr>
+            <a:r>
+              <a:rPr lang="fr-FR" sz="1800" dirty="0">
+                <a:latin typeface="Gill Sans MT (Corps)"/>
+                <a:ea typeface="Spartan"/>
+                <a:cs typeface="Spartan"/>
+                <a:sym typeface="Spartan"/>
+              </a:rPr>
+              <a:t>Un serveur local </a:t>
+            </a:r>
+            <a:r>
+              <a:rPr lang="fr-FR" sz="1800" dirty="0" err="1">
+                <a:latin typeface="Gill Sans MT (Corps)"/>
+                <a:ea typeface="Spartan"/>
+                <a:cs typeface="Spartan"/>
+                <a:sym typeface="Spartan"/>
+              </a:rPr>
+              <a:t>Wamp</a:t>
+            </a:r>
+            <a:r>
+              <a:rPr lang="fr-FR" sz="1800" dirty="0">
+                <a:latin typeface="Gill Sans MT (Corps)"/>
+                <a:ea typeface="Spartan"/>
+                <a:cs typeface="Spartan"/>
+                <a:sym typeface="Spartan"/>
+              </a:rPr>
+              <a:t>, </a:t>
+            </a:r>
+            <a:endParaRPr dirty="0">
+              <a:latin typeface="Gill Sans MT (Corps)"/>
+            </a:endParaRPr>
+          </a:p>
+          <a:p>
+            <a:pPr marL="342900" marR="0" lvl="0" indent="-228600" algn="l" rtl="0">
+              <a:spcBef>
+                <a:spcPts val="1000"/>
+              </a:spcBef>
+              <a:spcAft>
+                <a:spcPts val="0"/>
+              </a:spcAft>
+              <a:buClr>
+                <a:schemeClr val="accent1"/>
+              </a:buClr>
+              <a:buSzPts val="1800"/>
+              <a:buFont typeface="Noto Sans Symbols"/>
+              <a:buNone/>
+            </a:pPr>
+            <a:endParaRPr lang="fr-FR" sz="1800" dirty="0" smtClean="0">
+              <a:latin typeface="Gill Sans MT (Corps)"/>
+              <a:ea typeface="Spartan"/>
+              <a:cs typeface="Spartan"/>
+              <a:sym typeface="Spartan"/>
+            </a:endParaRPr>
+          </a:p>
+          <a:p>
+            <a:pPr marL="342900" marR="0" lvl="0" indent="-228600" algn="l" rtl="0">
+              <a:spcBef>
+                <a:spcPts val="1000"/>
+              </a:spcBef>
+              <a:spcAft>
+                <a:spcPts val="0"/>
+              </a:spcAft>
+              <a:buClr>
+                <a:schemeClr val="accent1"/>
+              </a:buClr>
+              <a:buSzPts val="1800"/>
+              <a:buFont typeface="Noto Sans Symbols"/>
+              <a:buNone/>
+            </a:pPr>
+            <a:endParaRPr sz="1800" dirty="0">
+              <a:latin typeface="Gill Sans MT (Corps)"/>
+              <a:ea typeface="Spartan"/>
+              <a:cs typeface="Spartan"/>
+              <a:sym typeface="Spartan"/>
+            </a:endParaRPr>
+          </a:p>
+          <a:p>
+            <a:pPr marR="0" lvl="0" algn="l" rtl="0">
+              <a:spcBef>
+                <a:spcPts val="1000"/>
+              </a:spcBef>
+              <a:spcAft>
+                <a:spcPts val="0"/>
+              </a:spcAft>
+              <a:buClr>
+                <a:schemeClr val="accent1"/>
+              </a:buClr>
+              <a:buSzPts val="1800"/>
+            </a:pPr>
+            <a:r>
+              <a:rPr lang="fr-FR" sz="1800" dirty="0">
+                <a:latin typeface="Gill Sans MT (Corps)"/>
+                <a:ea typeface="Spartan"/>
+                <a:cs typeface="Spartan"/>
+                <a:sym typeface="Spartan"/>
+              </a:rPr>
+              <a:t>Base de donnée avec </a:t>
+            </a:r>
+            <a:r>
+              <a:rPr lang="fr-FR" sz="1800" dirty="0" smtClean="0">
+                <a:latin typeface="Gill Sans MT (Corps)"/>
+                <a:ea typeface="Spartan"/>
+                <a:cs typeface="Spartan"/>
+                <a:sym typeface="Spartan"/>
+              </a:rPr>
+              <a:t>MySQL </a:t>
+            </a:r>
+            <a:r>
+              <a:rPr lang="fr-FR" sz="1800" dirty="0">
+                <a:latin typeface="Gill Sans MT (Corps)"/>
+                <a:ea typeface="Spartan"/>
+                <a:cs typeface="Spartan"/>
+                <a:sym typeface="Spartan"/>
+              </a:rPr>
+              <a:t>couplé à </a:t>
+            </a:r>
+            <a:r>
+              <a:rPr lang="fr-FR" dirty="0" err="1" smtClean="0">
+                <a:latin typeface="Gill Sans MT (Corps)"/>
+                <a:ea typeface="Spartan"/>
+                <a:cs typeface="Spartan"/>
+                <a:sym typeface="Spartan"/>
+              </a:rPr>
+              <a:t>p</a:t>
+            </a:r>
+            <a:r>
+              <a:rPr lang="fr-FR" sz="1800" dirty="0" err="1" smtClean="0">
+                <a:latin typeface="Gill Sans MT (Corps)"/>
+                <a:ea typeface="Spartan"/>
+                <a:cs typeface="Spartan"/>
+                <a:sym typeface="Spartan"/>
+              </a:rPr>
+              <a:t>hpMy</a:t>
+            </a:r>
+            <a:r>
+              <a:rPr lang="fr-FR" sz="1800" dirty="0" smtClean="0">
+                <a:latin typeface="Gill Sans MT (Corps)"/>
+                <a:ea typeface="Spartan"/>
+                <a:cs typeface="Spartan"/>
+                <a:sym typeface="Spartan"/>
+              </a:rPr>
+              <a:t> </a:t>
+            </a:r>
+            <a:r>
+              <a:rPr lang="fr-FR" sz="1800" dirty="0">
+                <a:latin typeface="Gill Sans MT (Corps)"/>
+                <a:ea typeface="Spartan"/>
+                <a:cs typeface="Spartan"/>
+                <a:sym typeface="Spartan"/>
+              </a:rPr>
+              <a:t>Admin</a:t>
+            </a:r>
+            <a:endParaRPr dirty="0">
+              <a:latin typeface="Gill Sans MT (Corps)"/>
+            </a:endParaRPr>
+          </a:p>
+          <a:p>
+            <a:pPr marL="0" marR="0" lvl="0" indent="0" algn="l" rtl="0">
+              <a:spcBef>
+                <a:spcPts val="1000"/>
+              </a:spcBef>
+              <a:spcAft>
+                <a:spcPts val="0"/>
+              </a:spcAft>
+              <a:buClr>
+                <a:schemeClr val="accent1"/>
+              </a:buClr>
+              <a:buSzPts val="1800"/>
+              <a:buFont typeface="Noto Sans Symbols"/>
+              <a:buNone/>
+            </a:pPr>
+            <a:endParaRPr sz="1800" dirty="0">
+              <a:solidFill>
+                <a:srgbClr val="3F3F3F"/>
+              </a:solidFill>
+              <a:latin typeface="Spartan"/>
+              <a:ea typeface="Spartan"/>
+              <a:cs typeface="Spartan"/>
+              <a:sym typeface="Spartan"/>
+            </a:endParaRPr>
+          </a:p>
+        </p:txBody>
+      </p:sp>
+      <p:pic>
+        <p:nvPicPr>
+          <p:cNvPr id="36" name="image71.png"/>
+          <p:cNvPicPr/>
+          <p:nvPr/>
+        </p:nvPicPr>
+        <p:blipFill>
+          <a:blip r:embed="rId10" cstate="print"/>
+          <a:srcRect/>
+          <a:stretch>
+            <a:fillRect/>
+          </a:stretch>
+        </p:blipFill>
+        <p:spPr>
+          <a:xfrm>
+            <a:off x="1679235" y="4176358"/>
+            <a:ext cx="685800" cy="685800"/>
+          </a:xfrm>
+          <a:prstGeom prst="rect">
+            <a:avLst/>
+          </a:prstGeom>
+          <a:ln/>
+        </p:spPr>
+      </p:pic>
     </p:spTree>
   </p:cSld>
   <p:clrMapOvr>
@@ -8062,15 +7825,17 @@
         </p:nvSpPr>
         <p:spPr>
           <a:xfrm>
-            <a:off x="3214678" y="285728"/>
-            <a:ext cx="3786214" cy="1143000"/>
+            <a:off x="2772000" y="252000"/>
+            <a:ext cx="5040000" cy="720000"/>
           </a:xfrm>
           <a:solidFill>
             <a:srgbClr val="C65806"/>
           </a:solidFill>
         </p:spPr>
         <p:txBody>
-          <a:bodyPr/>
+          <a:bodyPr>
+            <a:normAutofit fontScale="90000"/>
+          </a:bodyPr>
           <a:lstStyle/>
           <a:p>
             <a:pPr algn="ctr"/>
@@ -8115,7 +7880,6 @@
               <a:rPr lang="fr-FR" dirty="0" smtClean="0"/>
               <a:t>    Jacques Lemoine 57 ans</a:t>
             </a:r>
-            <a:endParaRPr lang="fr-FR" dirty="0" smtClean="0"/>
           </a:p>
           <a:p>
             <a:pPr fontAlgn="base">
@@ -8145,19 +7909,28 @@
             </a:br>
             <a:r>
               <a:rPr lang="fr-FR" dirty="0" smtClean="0"/>
-              <a:t>DUT GE II Nantes </a:t>
+              <a:t>DUT </a:t>
             </a:r>
             <a:r>
               <a:rPr lang="fr-FR" dirty="0" smtClean="0"/>
-              <a:t/>
+              <a:t>Génie Electrique &amp; Informatique Industrielle à </a:t>
+            </a:r>
+            <a:r>
+              <a:rPr lang="fr-FR" dirty="0" smtClean="0"/>
+              <a:t>Nantes </a:t>
             </a:r>
             <a:br>
               <a:rPr lang="fr-FR" dirty="0" smtClean="0"/>
             </a:br>
             <a:r>
               <a:rPr lang="fr-FR" dirty="0" smtClean="0"/>
-              <a:t>Développeur informatique 20 ans sur site </a:t>
-            </a:r>
+              <a:t>Développeur informatique 20 ans sur </a:t>
+            </a:r>
+            <a:r>
+              <a:rPr lang="fr-FR" dirty="0" smtClean="0"/>
+              <a:t>site</a:t>
+            </a:r>
+            <a:endParaRPr lang="fr-FR" dirty="0" smtClean="0"/>
           </a:p>
           <a:p>
             <a:pPr fontAlgn="base">
@@ -8167,7 +7940,6 @@
               <a:rPr lang="fr-FR" dirty="0" smtClean="0"/>
               <a:t>	Technicien de maintenance informatique itinérant 9  ans</a:t>
             </a:r>
-            <a:endParaRPr lang="fr-FR" dirty="0" smtClean="0"/>
           </a:p>
           <a:p>
             <a:pPr fontAlgn="base">
@@ -8188,15 +7960,7 @@
             </a:br>
             <a:r>
               <a:rPr lang="fr-FR" dirty="0" smtClean="0"/>
-              <a:t>Un projet de </a:t>
-            </a:r>
-            <a:r>
-              <a:rPr lang="fr-FR" dirty="0" smtClean="0"/>
-              <a:t>remise à niveau professionnelle suite à un licenciement économique</a:t>
-            </a:r>
-            <a:r>
-              <a:rPr lang="fr-FR" dirty="0" smtClean="0"/>
-              <a:t/>
+              <a:t>Un projet de remise à niveau professionnelle suite à un licenciement économique</a:t>
             </a:r>
             <a:br>
               <a:rPr lang="fr-FR" dirty="0" smtClean="0"/>
@@ -8205,7 +7969,6 @@
               <a:rPr lang="fr-FR" dirty="0" smtClean="0"/>
               <a:t> </a:t>
             </a:r>
-            <a:endParaRPr lang="fr-FR" dirty="0" smtClean="0"/>
           </a:p>
           <a:p>
             <a:pPr fontAlgn="base">
@@ -8213,35 +7976,7 @@
             </a:pPr>
             <a:r>
               <a:rPr lang="fr-FR" dirty="0" smtClean="0"/>
-              <a:t>	Afin </a:t>
-            </a:r>
-            <a:r>
-              <a:rPr lang="fr-FR" dirty="0" smtClean="0"/>
-              <a:t>de pouvoir </a:t>
-            </a:r>
-            <a:r>
-              <a:rPr lang="fr-FR" dirty="0" smtClean="0"/>
-              <a:t>revenir à mon métier de base en élargissant mes compétences au web et m’ouvrir </a:t>
-            </a:r>
-            <a:r>
-              <a:rPr lang="fr-FR" dirty="0" smtClean="0"/>
-              <a:t>de </a:t>
-            </a:r>
-            <a:r>
-              <a:rPr lang="fr-FR" dirty="0" smtClean="0"/>
-              <a:t>nouvelles possibilités d’embauche, vers un secteur porteur tout </a:t>
-            </a:r>
-            <a:r>
-              <a:rPr lang="fr-FR" dirty="0" smtClean="0"/>
-              <a:t>en pouvant utiliser mon </a:t>
-            </a:r>
-            <a:r>
-              <a:rPr lang="fr-FR" dirty="0" smtClean="0"/>
-              <a:t>savoir-faire </a:t>
-            </a:r>
-            <a:r>
-              <a:rPr lang="fr-FR" dirty="0" smtClean="0"/>
-              <a:t>acquis</a:t>
+              <a:t>	Afin de pouvoir revenir à mon métier de base en élargissant mes compétences au web et m’ouvrir de nouvelles possibilités d’embauche, vers un secteur porteur tout en pouvant utiliser mon savoir-faire acquis</a:t>
             </a:r>
           </a:p>
           <a:p>
@@ -8325,7 +8060,7 @@
         </p:blipFill>
         <p:spPr>
           <a:xfrm>
-            <a:off x="7000892" y="428604"/>
+            <a:off x="7974308" y="260648"/>
             <a:ext cx="952500" cy="866775"/>
           </a:xfrm>
           <a:prstGeom prst="rect">
@@ -8498,7 +8233,7 @@
         </p:blipFill>
         <p:spPr>
           <a:xfrm>
-            <a:off x="1214414" y="0"/>
+            <a:off x="1124474" y="0"/>
             <a:ext cx="1643074" cy="1643074"/>
           </a:xfrm>
           <a:prstGeom prst="rect">
@@ -8518,8 +8253,8 @@
         </p:nvSpPr>
         <p:spPr>
           <a:xfrm>
-            <a:off x="3214678" y="285728"/>
-            <a:ext cx="3786214" cy="1143000"/>
+            <a:off x="2772000" y="252000"/>
+            <a:ext cx="5040000" cy="720000"/>
           </a:xfrm>
           <a:solidFill>
             <a:srgbClr val="C65806"/>
@@ -8531,6 +8266,7 @@
           </a:bodyPr>
           <a:lstStyle/>
           <a:p>
+            <a:pPr algn="ctr"/>
             <a:r>
               <a:rPr lang="fr-FR" sz="4000" dirty="0" smtClean="0"/>
               <a:t>Sommaire</a:t>
@@ -8554,7 +8290,7 @@
         </p:blipFill>
         <p:spPr>
           <a:xfrm>
-            <a:off x="7000892" y="428604"/>
+            <a:off x="8006260" y="203270"/>
             <a:ext cx="952500" cy="866775"/>
           </a:xfrm>
           <a:prstGeom prst="rect">
@@ -8597,89 +8333,24 @@
       </p:grpSpPr>
       <p:sp>
         <p:nvSpPr>
-          <p:cNvPr id="6" name="Titre 1"/>
-          <p:cNvSpPr txBox="1">
-            <a:spLocks/>
-          </p:cNvSpPr>
-          <p:nvPr/>
-        </p:nvSpPr>
-        <p:spPr>
-          <a:xfrm>
-            <a:off x="2857488" y="285728"/>
-            <a:ext cx="4857784" cy="1143000"/>
-          </a:xfrm>
-          <a:prstGeom prst="rect">
-            <a:avLst/>
-          </a:prstGeom>
+          <p:cNvPr id="2" name="Titre 1"/>
+          <p:cNvSpPr>
+            <a:spLocks noGrp="1"/>
+          </p:cNvSpPr>
+          <p:nvPr>
+            <p:ph type="title"/>
+          </p:nvPr>
+        </p:nvSpPr>
+        <p:spPr>
+          <a:xfrm>
+            <a:off x="2772000" y="252000"/>
+            <a:ext cx="5040000" cy="1143000"/>
+          </a:xfrm>
           <a:solidFill>
             <a:srgbClr val="C65806"/>
           </a:solidFill>
         </p:spPr>
         <p:txBody>
-          <a:bodyPr anchor="ctr">
-            <a:normAutofit/>
-          </a:bodyPr>
-          <a:lstStyle/>
-          <a:p>
-            <a:pPr marL="0" marR="0" lvl="0" indent="0" algn="l" defTabSz="914400" rtl="0" eaLnBrk="1" fontAlgn="auto" latinLnBrk="0" hangingPunct="1">
-              <a:lnSpc>
-                <a:spcPct val="100000"/>
-              </a:lnSpc>
-              <a:spcBef>
-                <a:spcPct val="0"/>
-              </a:spcBef>
-              <a:spcAft>
-                <a:spcPts val="0"/>
-              </a:spcAft>
-              <a:buClrTx/>
-              <a:buSzTx/>
-              <a:buFontTx/>
-              <a:buNone/>
-              <a:tabLst/>
-              <a:defRPr/>
-            </a:pPr>
-            <a:endParaRPr kumimoji="0" lang="fr-FR" sz="4300" b="0" i="0" u="none" strike="noStrike" kern="1200" cap="none" spc="0" normalizeH="0" baseline="0" noProof="0" dirty="0">
-              <a:ln>
-                <a:noFill/>
-              </a:ln>
-              <a:solidFill>
-                <a:schemeClr val="tx2">
-                  <a:satMod val="130000"/>
-                </a:schemeClr>
-              </a:solidFill>
-              <a:effectLst>
-                <a:outerShdw blurRad="50000" dist="30000" dir="5400000" algn="tl" rotWithShape="0">
-                  <a:srgbClr val="000000">
-                    <a:alpha val="30000"/>
-                  </a:srgbClr>
-                </a:outerShdw>
-              </a:effectLst>
-              <a:uLnTx/>
-              <a:uFillTx/>
-              <a:latin typeface="+mj-lt"/>
-              <a:ea typeface="+mj-ea"/>
-              <a:cs typeface="+mj-cs"/>
-            </a:endParaRPr>
-          </a:p>
-        </p:txBody>
-      </p:sp>
-      <p:sp>
-        <p:nvSpPr>
-          <p:cNvPr id="2" name="Titre 1"/>
-          <p:cNvSpPr>
-            <a:spLocks noGrp="1"/>
-          </p:cNvSpPr>
-          <p:nvPr>
-            <p:ph type="title"/>
-          </p:nvPr>
-        </p:nvSpPr>
-        <p:spPr>
-          <a:xfrm>
-            <a:off x="2857488" y="285728"/>
-            <a:ext cx="4500594" cy="1143000"/>
-          </a:xfrm>
-        </p:spPr>
-        <p:txBody>
           <a:bodyPr>
             <a:normAutofit fontScale="90000"/>
           </a:bodyPr>
@@ -8750,53 +8421,21 @@
           <a:p>
             <a:r>
               <a:rPr lang="fr-FR" sz="2200" dirty="0" smtClean="0"/>
-              <a:t>L’idée </a:t>
-            </a:r>
-            <a:r>
-              <a:rPr lang="fr-FR" sz="2200" dirty="0" smtClean="0"/>
-              <a:t>de ce projet est née après une discussion avec ma fille étudiante en </a:t>
-            </a:r>
-            <a:r>
-              <a:rPr lang="fr-FR" sz="2200" dirty="0" smtClean="0"/>
-              <a:t>master GE à </a:t>
-            </a:r>
-            <a:r>
-              <a:rPr lang="fr-FR" sz="2200" dirty="0" smtClean="0"/>
-              <a:t>l’université Paul Valéry de Montpellier 3 qui </a:t>
-            </a:r>
-            <a:r>
-              <a:rPr lang="fr-FR" sz="2200" dirty="0" smtClean="0"/>
-              <a:t>évoque le problème d’une association  </a:t>
-            </a:r>
-            <a:r>
-              <a:rPr lang="fr-FR" sz="2200" dirty="0" smtClean="0"/>
-              <a:t>d’étudiants </a:t>
-            </a:r>
-            <a:r>
-              <a:rPr lang="fr-FR" sz="2200" dirty="0" smtClean="0"/>
-              <a:t>qui mène des projets environnementaux et qui renseigne sur le MASTER GE qui manque de visibilité et de notoriété auprès </a:t>
-            </a:r>
-            <a:r>
-              <a:rPr lang="fr-FR" sz="2200" dirty="0" smtClean="0"/>
-              <a:t>de la </a:t>
-            </a:r>
-            <a:r>
-              <a:rPr lang="fr-FR" sz="2200" dirty="0" smtClean="0"/>
-              <a:t>communauté universitaire.</a:t>
+              <a:t>L’idée de ce projet est née après une discussion avec ma fille étudiante en master GE à l’université Paul Valéry de Montpellier 3 qui évoque le problème d’une association  d’étudiants qui mène des projets environnementaux et qui renseigne sur le MASTER GE qui manque de visibilité et de notoriété auprès de la communauté universitaire.</a:t>
             </a:r>
           </a:p>
           <a:p>
             <a:r>
               <a:rPr lang="fr-FR" sz="2400" dirty="0" smtClean="0"/>
-              <a:t>Cette démarche s’inscrit </a:t>
+              <a:t>Cette démarche s’inscrit dans l’idée de moderniser l’image de l’association , d’attirer de nouveaux adhérents, d’augmenter la visibilité du </a:t>
             </a:r>
             <a:r>
               <a:rPr lang="fr-FR" sz="2400" dirty="0" smtClean="0"/>
-              <a:t>dans </a:t>
+              <a:t>Master, de l’association </a:t>
             </a:r>
             <a:r>
               <a:rPr lang="fr-FR" sz="2400" dirty="0" smtClean="0"/>
-              <a:t>l’idée de moderniser l’image de l’association , d’attirer de nouveaux adhérents, d’augmenter la visibilité du Master et de pérenniser les supports dans le temps.</a:t>
+              <a:t>et de pérenniser les supports dans le temps.</a:t>
             </a:r>
           </a:p>
           <a:p>
@@ -8864,7 +8503,7 @@
         </p:blipFill>
         <p:spPr>
           <a:xfrm>
-            <a:off x="7786710" y="428604"/>
+            <a:off x="8045746" y="280012"/>
             <a:ext cx="952500" cy="866775"/>
           </a:xfrm>
           <a:prstGeom prst="rect">
@@ -8955,89 +8594,24 @@
       </p:grpSpPr>
       <p:sp>
         <p:nvSpPr>
-          <p:cNvPr id="6" name="Titre 1"/>
-          <p:cNvSpPr txBox="1">
-            <a:spLocks/>
-          </p:cNvSpPr>
-          <p:nvPr/>
-        </p:nvSpPr>
-        <p:spPr>
-          <a:xfrm>
-            <a:off x="2857488" y="285728"/>
-            <a:ext cx="4857784" cy="1143000"/>
-          </a:xfrm>
-          <a:prstGeom prst="rect">
-            <a:avLst/>
-          </a:prstGeom>
+          <p:cNvPr id="2" name="Titre 1"/>
+          <p:cNvSpPr>
+            <a:spLocks noGrp="1"/>
+          </p:cNvSpPr>
+          <p:nvPr>
+            <p:ph type="title"/>
+          </p:nvPr>
+        </p:nvSpPr>
+        <p:spPr>
+          <a:xfrm>
+            <a:off x="2772000" y="252000"/>
+            <a:ext cx="5040000" cy="1143000"/>
+          </a:xfrm>
           <a:solidFill>
             <a:srgbClr val="C65806"/>
           </a:solidFill>
         </p:spPr>
         <p:txBody>
-          <a:bodyPr anchor="ctr">
-            <a:normAutofit/>
-          </a:bodyPr>
-          <a:lstStyle/>
-          <a:p>
-            <a:pPr marL="0" marR="0" lvl="0" indent="0" algn="l" defTabSz="914400" rtl="0" eaLnBrk="1" fontAlgn="auto" latinLnBrk="0" hangingPunct="1">
-              <a:lnSpc>
-                <a:spcPct val="100000"/>
-              </a:lnSpc>
-              <a:spcBef>
-                <a:spcPct val="0"/>
-              </a:spcBef>
-              <a:spcAft>
-                <a:spcPts val="0"/>
-              </a:spcAft>
-              <a:buClrTx/>
-              <a:buSzTx/>
-              <a:buFontTx/>
-              <a:buNone/>
-              <a:tabLst/>
-              <a:defRPr/>
-            </a:pPr>
-            <a:endParaRPr kumimoji="0" lang="fr-FR" sz="4300" b="0" i="0" u="none" strike="noStrike" kern="1200" cap="none" spc="0" normalizeH="0" baseline="0" noProof="0" dirty="0">
-              <a:ln>
-                <a:noFill/>
-              </a:ln>
-              <a:solidFill>
-                <a:schemeClr val="tx2">
-                  <a:satMod val="130000"/>
-                </a:schemeClr>
-              </a:solidFill>
-              <a:effectLst>
-                <a:outerShdw blurRad="50000" dist="30000" dir="5400000" algn="tl" rotWithShape="0">
-                  <a:srgbClr val="000000">
-                    <a:alpha val="30000"/>
-                  </a:srgbClr>
-                </a:outerShdw>
-              </a:effectLst>
-              <a:uLnTx/>
-              <a:uFillTx/>
-              <a:latin typeface="+mj-lt"/>
-              <a:ea typeface="+mj-ea"/>
-              <a:cs typeface="+mj-cs"/>
-            </a:endParaRPr>
-          </a:p>
-        </p:txBody>
-      </p:sp>
-      <p:sp>
-        <p:nvSpPr>
-          <p:cNvPr id="2" name="Titre 1"/>
-          <p:cNvSpPr>
-            <a:spLocks noGrp="1"/>
-          </p:cNvSpPr>
-          <p:nvPr>
-            <p:ph type="title"/>
-          </p:nvPr>
-        </p:nvSpPr>
-        <p:spPr>
-          <a:xfrm>
-            <a:off x="2857488" y="285728"/>
-            <a:ext cx="4500594" cy="1143000"/>
-          </a:xfrm>
-        </p:spPr>
-        <p:txBody>
           <a:bodyPr>
             <a:normAutofit fontScale="90000"/>
           </a:bodyPr>
@@ -9096,7 +8670,6 @@
               <a:rPr lang="fr-FR" b="1" dirty="0" smtClean="0"/>
               <a:t>	Cahier des charges </a:t>
             </a:r>
-            <a:endParaRPr lang="fr-FR" b="1" dirty="0" smtClean="0"/>
           </a:p>
           <a:p>
             <a:endParaRPr lang="fr-FR" sz="2400" dirty="0" smtClean="0"/>
@@ -9104,26 +8677,14 @@
           <a:p>
             <a:r>
               <a:rPr lang="fr-FR" sz="2400" dirty="0" smtClean="0"/>
-              <a:t>Deux principales </a:t>
-            </a:r>
-            <a:r>
-              <a:rPr lang="fr-FR" sz="2400" dirty="0" smtClean="0"/>
-              <a:t>rubriques </a:t>
-            </a:r>
-            <a:r>
-              <a:rPr lang="fr-FR" sz="2400" dirty="0" smtClean="0"/>
-              <a:t>:</a:t>
+              <a:t>Deux principales rubriques :</a:t>
             </a:r>
             <a:br>
               <a:rPr lang="fr-FR" sz="2400" dirty="0" smtClean="0"/>
             </a:br>
             <a:r>
               <a:rPr lang="fr-FR" sz="2400" dirty="0" smtClean="0"/>
-              <a:t>- Présentation de </a:t>
-            </a:r>
-            <a:r>
-              <a:rPr lang="fr-FR" sz="2400" dirty="0" smtClean="0"/>
-              <a:t>l’association</a:t>
+              <a:t>- Présentation de l’association</a:t>
             </a:r>
           </a:p>
           <a:p>
@@ -9134,7 +8695,6 @@
               <a:rPr lang="fr-FR" sz="2400" dirty="0" smtClean="0"/>
               <a:t>	- Présentation du Master</a:t>
             </a:r>
-            <a:endParaRPr lang="fr-FR" sz="2400" dirty="0" smtClean="0"/>
           </a:p>
           <a:p>
             <a:r>
@@ -9146,10 +8706,6 @@
             <a:r>
               <a:rPr lang="fr-FR" sz="2400" dirty="0" smtClean="0"/>
               <a:t>Une rubrique actualité</a:t>
-            </a:r>
-            <a:r>
-              <a:rPr lang="fr-FR" sz="2400" dirty="0" smtClean="0"/>
-              <a:t/>
             </a:r>
             <a:br>
               <a:rPr lang="fr-FR" sz="2400" dirty="0" smtClean="0"/>
@@ -9218,7 +8774,7 @@
         </p:blipFill>
         <p:spPr>
           <a:xfrm>
-            <a:off x="7786710" y="428604"/>
+            <a:off x="7956376" y="304954"/>
             <a:ext cx="952500" cy="866775"/>
           </a:xfrm>
           <a:prstGeom prst="rect">
@@ -9309,86 +8865,52 @@
       </p:grpSpPr>
       <p:sp>
         <p:nvSpPr>
-          <p:cNvPr id="6" name="Titre 1"/>
-          <p:cNvSpPr txBox="1">
-            <a:spLocks/>
-          </p:cNvSpPr>
-          <p:nvPr/>
-        </p:nvSpPr>
-        <p:spPr>
-          <a:xfrm>
-            <a:off x="2857488" y="285728"/>
-            <a:ext cx="4857784" cy="1143000"/>
-          </a:xfrm>
-          <a:prstGeom prst="rect">
-            <a:avLst/>
-          </a:prstGeom>
+          <p:cNvPr id="2" name="Titre 1"/>
+          <p:cNvSpPr>
+            <a:spLocks noGrp="1"/>
+          </p:cNvSpPr>
+          <p:nvPr>
+            <p:ph type="title"/>
+          </p:nvPr>
+        </p:nvSpPr>
+        <p:spPr>
+          <a:xfrm>
+            <a:off x="2772000" y="252000"/>
+            <a:ext cx="5040000" cy="720000"/>
+          </a:xfrm>
           <a:solidFill>
             <a:srgbClr val="C65806"/>
           </a:solidFill>
         </p:spPr>
         <p:txBody>
-          <a:bodyPr anchor="ctr">
-            <a:normAutofit/>
+          <a:bodyPr>
+            <a:normAutofit fontScale="90000"/>
           </a:bodyPr>
           <a:lstStyle/>
           <a:p>
-            <a:pPr marL="0" marR="0" lvl="0" indent="0" algn="l" defTabSz="914400" rtl="0" eaLnBrk="1" fontAlgn="auto" latinLnBrk="0" hangingPunct="1">
-              <a:lnSpc>
-                <a:spcPct val="100000"/>
-              </a:lnSpc>
-              <a:spcBef>
-                <a:spcPct val="0"/>
-              </a:spcBef>
-              <a:spcAft>
-                <a:spcPts val="0"/>
-              </a:spcAft>
-              <a:buClrTx/>
-              <a:buSzTx/>
-              <a:buFontTx/>
-              <a:buNone/>
-              <a:tabLst/>
-              <a:defRPr/>
-            </a:pPr>
-            <a:endParaRPr kumimoji="0" lang="fr-FR" sz="4300" b="0" i="0" u="none" strike="noStrike" kern="1200" cap="none" spc="0" normalizeH="0" baseline="0" noProof="0" dirty="0">
-              <a:ln>
-                <a:noFill/>
-              </a:ln>
-              <a:solidFill>
-                <a:schemeClr val="tx2">
-                  <a:satMod val="130000"/>
-                </a:schemeClr>
-              </a:solidFill>
-              <a:effectLst>
-                <a:outerShdw blurRad="50000" dist="30000" dir="5400000" algn="tl" rotWithShape="0">
-                  <a:srgbClr val="000000">
-                    <a:alpha val="30000"/>
-                  </a:srgbClr>
-                </a:outerShdw>
-              </a:effectLst>
-              <a:uLnTx/>
-              <a:uFillTx/>
-              <a:latin typeface="+mj-lt"/>
-              <a:ea typeface="+mj-ea"/>
-              <a:cs typeface="+mj-cs"/>
-            </a:endParaRPr>
-          </a:p>
-        </p:txBody>
-      </p:sp>
-      <p:sp>
-        <p:nvSpPr>
-          <p:cNvPr id="2" name="Titre 1"/>
-          <p:cNvSpPr>
-            <a:spLocks noGrp="1"/>
-          </p:cNvSpPr>
-          <p:nvPr>
-            <p:ph type="title"/>
-          </p:nvPr>
-        </p:nvSpPr>
-        <p:spPr>
-          <a:xfrm>
-            <a:off x="2857488" y="285728"/>
-            <a:ext cx="4500594" cy="1143000"/>
+            <a:pPr algn="ctr"/>
+            <a:r>
+              <a:rPr lang="fr-FR" dirty="0" smtClean="0"/>
+              <a:t>Gestion de projet</a:t>
+            </a:r>
+            <a:endParaRPr lang="fr-FR" dirty="0"/>
+          </a:p>
+        </p:txBody>
+      </p:sp>
+      <p:sp>
+        <p:nvSpPr>
+          <p:cNvPr id="3" name="Espace réservé du contenu 2"/>
+          <p:cNvSpPr>
+            <a:spLocks noGrp="1"/>
+          </p:cNvSpPr>
+          <p:nvPr>
+            <p:ph idx="1"/>
+          </p:nvPr>
+        </p:nvSpPr>
+        <p:spPr>
+          <a:xfrm>
+            <a:off x="1500166" y="1714488"/>
+            <a:ext cx="7498080" cy="4800600"/>
           </a:xfrm>
         </p:spPr>
         <p:txBody>
@@ -9397,37 +8919,6 @@
           </a:bodyPr>
           <a:lstStyle/>
           <a:p>
-            <a:pPr algn="ctr"/>
-            <a:r>
-              <a:rPr lang="fr-FR" dirty="0" smtClean="0"/>
-              <a:t>Gestion de projet</a:t>
-            </a:r>
-            <a:endParaRPr lang="fr-FR" dirty="0"/>
-          </a:p>
-        </p:txBody>
-      </p:sp>
-      <p:sp>
-        <p:nvSpPr>
-          <p:cNvPr id="3" name="Espace réservé du contenu 2"/>
-          <p:cNvSpPr>
-            <a:spLocks noGrp="1"/>
-          </p:cNvSpPr>
-          <p:nvPr>
-            <p:ph idx="1"/>
-          </p:nvPr>
-        </p:nvSpPr>
-        <p:spPr>
-          <a:xfrm>
-            <a:off x="1500166" y="1714488"/>
-            <a:ext cx="7498080" cy="4800600"/>
-          </a:xfrm>
-        </p:spPr>
-        <p:txBody>
-          <a:bodyPr>
-            <a:normAutofit/>
-          </a:bodyPr>
-          <a:lstStyle/>
-          <a:p>
             <a:pPr>
               <a:buNone/>
             </a:pPr>
@@ -9448,13 +8939,16 @@
           <a:p>
             <a:r>
               <a:rPr lang="fr-FR" sz="2200" dirty="0" smtClean="0"/>
-              <a:t>L’étude du logotype m’a servi de référence pour choisir la typographie du site pour le texte et pour les titres en me rapprochant des polices utilisées par les étudiants à l’origine de la refonte du logo</a:t>
+              <a:t>L’étude du </a:t>
             </a:r>
             <a:r>
               <a:rPr lang="fr-FR" sz="2200" dirty="0" smtClean="0"/>
-              <a:t>.</a:t>
-            </a:r>
-            <a:endParaRPr lang="fr-FR" sz="2200" dirty="0" smtClean="0"/>
+              <a:t>logo </a:t>
+            </a:r>
+            <a:r>
+              <a:rPr lang="fr-FR" sz="2200" dirty="0" smtClean="0"/>
+              <a:t>m’a servi de référence pour choisir la typographie du site pour le texte et pour les titres en me rapprochant des polices utilisées par les étudiants à l’origine de la refonte du logo.</a:t>
+            </a:r>
           </a:p>
           <a:p>
             <a:pPr fontAlgn="base">
@@ -9462,11 +8956,7 @@
             </a:pPr>
             <a:r>
               <a:rPr lang="fr-FR" sz="2000" b="1" u="sng" dirty="0" smtClean="0"/>
-              <a:t>Pour le </a:t>
-            </a:r>
-            <a:r>
-              <a:rPr lang="fr-FR" sz="2000" b="1" u="sng" dirty="0" smtClean="0"/>
-              <a:t>texte</a:t>
+              <a:t>Pour le texte</a:t>
             </a:r>
             <a:r>
               <a:rPr lang="fr-FR" sz="2000" b="1" dirty="0" smtClean="0"/>
@@ -9474,11 +8964,7 @@
             </a:r>
             <a:r>
               <a:rPr lang="fr-FR" sz="2000" b="1" u="sng" dirty="0" smtClean="0"/>
-              <a:t>Pour </a:t>
-            </a:r>
-            <a:r>
-              <a:rPr lang="fr-FR" sz="2000" b="1" u="sng" dirty="0" smtClean="0"/>
-              <a:t>les titres</a:t>
+              <a:t>Pour les titres</a:t>
             </a:r>
             <a:endParaRPr lang="fr-FR" sz="2000" b="1" dirty="0" smtClean="0"/>
           </a:p>
@@ -9550,7 +9036,7 @@
         </p:blipFill>
         <p:spPr>
           <a:xfrm>
-            <a:off x="7786710" y="428604"/>
+            <a:off x="7928370" y="180708"/>
             <a:ext cx="952500" cy="866775"/>
           </a:xfrm>
           <a:prstGeom prst="rect">
@@ -9713,86 +9199,52 @@
       </p:grpSpPr>
       <p:sp>
         <p:nvSpPr>
-          <p:cNvPr id="6" name="Titre 1"/>
-          <p:cNvSpPr txBox="1">
-            <a:spLocks/>
-          </p:cNvSpPr>
-          <p:nvPr/>
-        </p:nvSpPr>
-        <p:spPr>
-          <a:xfrm>
-            <a:off x="2857488" y="285728"/>
-            <a:ext cx="4857784" cy="1143000"/>
-          </a:xfrm>
-          <a:prstGeom prst="rect">
-            <a:avLst/>
-          </a:prstGeom>
+          <p:cNvPr id="2" name="Titre 1"/>
+          <p:cNvSpPr>
+            <a:spLocks noGrp="1"/>
+          </p:cNvSpPr>
+          <p:nvPr>
+            <p:ph type="title"/>
+          </p:nvPr>
+        </p:nvSpPr>
+        <p:spPr>
+          <a:xfrm>
+            <a:off x="2772000" y="252000"/>
+            <a:ext cx="5040560" cy="720000"/>
+          </a:xfrm>
           <a:solidFill>
             <a:srgbClr val="C65806"/>
           </a:solidFill>
         </p:spPr>
         <p:txBody>
-          <a:bodyPr anchor="ctr">
-            <a:normAutofit/>
+          <a:bodyPr>
+            <a:normAutofit fontScale="90000"/>
           </a:bodyPr>
           <a:lstStyle/>
           <a:p>
-            <a:pPr marL="0" marR="0" lvl="0" indent="0" algn="l" defTabSz="914400" rtl="0" eaLnBrk="1" fontAlgn="auto" latinLnBrk="0" hangingPunct="1">
-              <a:lnSpc>
-                <a:spcPct val="100000"/>
-              </a:lnSpc>
-              <a:spcBef>
-                <a:spcPct val="0"/>
-              </a:spcBef>
-              <a:spcAft>
-                <a:spcPts val="0"/>
-              </a:spcAft>
-              <a:buClrTx/>
-              <a:buSzTx/>
-              <a:buFontTx/>
-              <a:buNone/>
-              <a:tabLst/>
-              <a:defRPr/>
-            </a:pPr>
-            <a:endParaRPr kumimoji="0" lang="fr-FR" sz="4300" b="0" i="0" u="none" strike="noStrike" kern="1200" cap="none" spc="0" normalizeH="0" baseline="0" noProof="0" dirty="0">
-              <a:ln>
-                <a:noFill/>
-              </a:ln>
-              <a:solidFill>
-                <a:schemeClr val="tx2">
-                  <a:satMod val="130000"/>
-                </a:schemeClr>
-              </a:solidFill>
-              <a:effectLst>
-                <a:outerShdw blurRad="50000" dist="30000" dir="5400000" algn="tl" rotWithShape="0">
-                  <a:srgbClr val="000000">
-                    <a:alpha val="30000"/>
-                  </a:srgbClr>
-                </a:outerShdw>
-              </a:effectLst>
-              <a:uLnTx/>
-              <a:uFillTx/>
-              <a:latin typeface="+mj-lt"/>
-              <a:ea typeface="+mj-ea"/>
-              <a:cs typeface="+mj-cs"/>
-            </a:endParaRPr>
-          </a:p>
-        </p:txBody>
-      </p:sp>
-      <p:sp>
-        <p:nvSpPr>
-          <p:cNvPr id="2" name="Titre 1"/>
-          <p:cNvSpPr>
-            <a:spLocks noGrp="1"/>
-          </p:cNvSpPr>
-          <p:nvPr>
-            <p:ph type="title"/>
-          </p:nvPr>
-        </p:nvSpPr>
-        <p:spPr>
-          <a:xfrm>
-            <a:off x="2857488" y="285728"/>
-            <a:ext cx="4500594" cy="1143000"/>
+            <a:pPr algn="ctr"/>
+            <a:r>
+              <a:rPr lang="fr-FR" dirty="0" smtClean="0"/>
+              <a:t>Gestion de projet</a:t>
+            </a:r>
+            <a:endParaRPr lang="fr-FR" dirty="0"/>
+          </a:p>
+        </p:txBody>
+      </p:sp>
+      <p:sp>
+        <p:nvSpPr>
+          <p:cNvPr id="3" name="Espace réservé du contenu 2"/>
+          <p:cNvSpPr>
+            <a:spLocks noGrp="1"/>
+          </p:cNvSpPr>
+          <p:nvPr>
+            <p:ph idx="1"/>
+          </p:nvPr>
+        </p:nvSpPr>
+        <p:spPr>
+          <a:xfrm>
+            <a:off x="1619098" y="1484784"/>
+            <a:ext cx="7498080" cy="4885068"/>
           </a:xfrm>
         </p:spPr>
         <p:txBody>
@@ -9801,37 +9253,6 @@
           </a:bodyPr>
           <a:lstStyle/>
           <a:p>
-            <a:pPr algn="ctr"/>
-            <a:r>
-              <a:rPr lang="fr-FR" dirty="0" smtClean="0"/>
-              <a:t>Gestion de projet</a:t>
-            </a:r>
-            <a:endParaRPr lang="fr-FR" dirty="0"/>
-          </a:p>
-        </p:txBody>
-      </p:sp>
-      <p:sp>
-        <p:nvSpPr>
-          <p:cNvPr id="3" name="Espace réservé du contenu 2"/>
-          <p:cNvSpPr>
-            <a:spLocks noGrp="1"/>
-          </p:cNvSpPr>
-          <p:nvPr>
-            <p:ph idx="1"/>
-          </p:nvPr>
-        </p:nvSpPr>
-        <p:spPr>
-          <a:xfrm>
-            <a:off x="1500166" y="1714488"/>
-            <a:ext cx="7498080" cy="4800600"/>
-          </a:xfrm>
-        </p:spPr>
-        <p:txBody>
-          <a:bodyPr>
-            <a:normAutofit/>
-          </a:bodyPr>
-          <a:lstStyle/>
-          <a:p>
             <a:pPr>
               <a:buNone/>
             </a:pPr>
@@ -9841,11 +9262,7 @@
             </a:r>
             <a:r>
               <a:rPr lang="fr-FR" sz="2800" b="1" dirty="0" smtClean="0"/>
-              <a:t>Pour le choix </a:t>
-            </a:r>
-            <a:r>
-              <a:rPr lang="fr-FR" sz="2800" b="1" dirty="0" smtClean="0"/>
-              <a:t>des couleurs </a:t>
+              <a:t>Pour le choix des couleurs </a:t>
             </a:r>
             <a:r>
               <a:rPr lang="fr-FR" b="1" dirty="0" smtClean="0"/>
@@ -9859,8 +9276,13 @@
             </a:pPr>
             <a:r>
               <a:rPr lang="fr-FR" sz="2200" dirty="0" smtClean="0"/>
-              <a:t>Un dégradé de couleur peut être effectué en partant de ces couleurs principales rappelant les thématiques de l’environnement (nature, eau)</a:t>
-            </a:r>
+              <a:t>Un dégradé de couleur peut être effectué en partant de ces couleurs principales rappelant les thématiques de l’environnement (nature, eau</a:t>
+            </a:r>
+            <a:r>
+              <a:rPr lang="fr-FR" sz="2200" dirty="0" smtClean="0"/>
+              <a:t>) et du logo.</a:t>
+            </a:r>
+            <a:endParaRPr lang="fr-FR" sz="2200" dirty="0" smtClean="0"/>
           </a:p>
           <a:p>
             <a:pPr>
@@ -9930,7 +9352,7 @@
         </p:blipFill>
         <p:spPr>
           <a:xfrm>
-            <a:off x="7786710" y="428604"/>
+            <a:off x="7884368" y="259558"/>
             <a:ext cx="952500" cy="866775"/>
           </a:xfrm>
           <a:prstGeom prst="rect">
@@ -9947,7 +9369,7 @@
         </p:nvSpPr>
         <p:spPr>
           <a:xfrm>
-            <a:off x="1214414" y="1857364"/>
+            <a:off x="1333346" y="1685333"/>
             <a:ext cx="571504" cy="357190"/>
           </a:xfrm>
           <a:prstGeom prst="rightArrow">
@@ -10117,86 +9539,52 @@
       </p:grpSpPr>
       <p:sp>
         <p:nvSpPr>
-          <p:cNvPr id="6" name="Titre 1"/>
-          <p:cNvSpPr txBox="1">
-            <a:spLocks/>
-          </p:cNvSpPr>
-          <p:nvPr/>
-        </p:nvSpPr>
-        <p:spPr>
-          <a:xfrm>
-            <a:off x="2857488" y="285728"/>
-            <a:ext cx="4857784" cy="1143000"/>
-          </a:xfrm>
-          <a:prstGeom prst="rect">
-            <a:avLst/>
-          </a:prstGeom>
+          <p:cNvPr id="2" name="Titre 1"/>
+          <p:cNvSpPr>
+            <a:spLocks noGrp="1"/>
+          </p:cNvSpPr>
+          <p:nvPr>
+            <p:ph type="title"/>
+          </p:nvPr>
+        </p:nvSpPr>
+        <p:spPr>
+          <a:xfrm>
+            <a:off x="2772000" y="252000"/>
+            <a:ext cx="5040000" cy="720000"/>
+          </a:xfrm>
           <a:solidFill>
             <a:srgbClr val="C65806"/>
           </a:solidFill>
         </p:spPr>
         <p:txBody>
-          <a:bodyPr anchor="ctr">
-            <a:normAutofit/>
+          <a:bodyPr>
+            <a:normAutofit fontScale="90000"/>
           </a:bodyPr>
           <a:lstStyle/>
           <a:p>
-            <a:pPr marL="0" marR="0" lvl="0" indent="0" algn="l" defTabSz="914400" rtl="0" eaLnBrk="1" fontAlgn="auto" latinLnBrk="0" hangingPunct="1">
-              <a:lnSpc>
-                <a:spcPct val="100000"/>
-              </a:lnSpc>
-              <a:spcBef>
-                <a:spcPct val="0"/>
-              </a:spcBef>
-              <a:spcAft>
-                <a:spcPts val="0"/>
-              </a:spcAft>
-              <a:buClrTx/>
-              <a:buSzTx/>
-              <a:buFontTx/>
-              <a:buNone/>
-              <a:tabLst/>
-              <a:defRPr/>
-            </a:pPr>
-            <a:endParaRPr kumimoji="0" lang="fr-FR" sz="4300" b="0" i="0" u="none" strike="noStrike" kern="1200" cap="none" spc="0" normalizeH="0" baseline="0" noProof="0" dirty="0">
-              <a:ln>
-                <a:noFill/>
-              </a:ln>
-              <a:solidFill>
-                <a:schemeClr val="tx2">
-                  <a:satMod val="130000"/>
-                </a:schemeClr>
-              </a:solidFill>
-              <a:effectLst>
-                <a:outerShdw blurRad="50000" dist="30000" dir="5400000" algn="tl" rotWithShape="0">
-                  <a:srgbClr val="000000">
-                    <a:alpha val="30000"/>
-                  </a:srgbClr>
-                </a:outerShdw>
-              </a:effectLst>
-              <a:uLnTx/>
-              <a:uFillTx/>
-              <a:latin typeface="+mj-lt"/>
-              <a:ea typeface="+mj-ea"/>
-              <a:cs typeface="+mj-cs"/>
-            </a:endParaRPr>
-          </a:p>
-        </p:txBody>
-      </p:sp>
-      <p:sp>
-        <p:nvSpPr>
-          <p:cNvPr id="2" name="Titre 1"/>
-          <p:cNvSpPr>
-            <a:spLocks noGrp="1"/>
-          </p:cNvSpPr>
-          <p:nvPr>
-            <p:ph type="title"/>
-          </p:nvPr>
-        </p:nvSpPr>
-        <p:spPr>
-          <a:xfrm>
-            <a:off x="2857488" y="285728"/>
-            <a:ext cx="4500594" cy="1143000"/>
+            <a:pPr algn="ctr"/>
+            <a:r>
+              <a:rPr lang="fr-FR" dirty="0" smtClean="0"/>
+              <a:t>Gestion de projet</a:t>
+            </a:r>
+            <a:endParaRPr lang="fr-FR" dirty="0"/>
+          </a:p>
+        </p:txBody>
+      </p:sp>
+      <p:sp>
+        <p:nvSpPr>
+          <p:cNvPr id="3" name="Espace réservé du contenu 2"/>
+          <p:cNvSpPr>
+            <a:spLocks noGrp="1"/>
+          </p:cNvSpPr>
+          <p:nvPr>
+            <p:ph idx="1"/>
+          </p:nvPr>
+        </p:nvSpPr>
+        <p:spPr>
+          <a:xfrm>
+            <a:off x="3995936" y="1479347"/>
+            <a:ext cx="3155911" cy="4800600"/>
           </a:xfrm>
         </p:spPr>
         <p:txBody>
@@ -10205,37 +9593,6 @@
           </a:bodyPr>
           <a:lstStyle/>
           <a:p>
-            <a:pPr algn="ctr"/>
-            <a:r>
-              <a:rPr lang="fr-FR" dirty="0" smtClean="0"/>
-              <a:t>Gestion de projet</a:t>
-            </a:r>
-            <a:endParaRPr lang="fr-FR" dirty="0"/>
-          </a:p>
-        </p:txBody>
-      </p:sp>
-      <p:sp>
-        <p:nvSpPr>
-          <p:cNvPr id="3" name="Espace réservé du contenu 2"/>
-          <p:cNvSpPr>
-            <a:spLocks noGrp="1"/>
-          </p:cNvSpPr>
-          <p:nvPr>
-            <p:ph idx="1"/>
-          </p:nvPr>
-        </p:nvSpPr>
-        <p:spPr>
-          <a:xfrm>
-            <a:off x="1500166" y="1714488"/>
-            <a:ext cx="7498080" cy="4800600"/>
-          </a:xfrm>
-        </p:spPr>
-        <p:txBody>
-          <a:bodyPr>
-            <a:normAutofit/>
-          </a:bodyPr>
-          <a:lstStyle/>
-          <a:p>
             <a:pPr fontAlgn="base">
               <a:buNone/>
             </a:pPr>
@@ -10252,12 +9609,13 @@
           <a:p>
             <a:r>
               <a:rPr lang="fr-FR" dirty="0" smtClean="0"/>
-              <a:t>Réalisation d’une maquette avec Adobe </a:t>
+              <a:t>Réalisation d’une maquette avec </a:t>
             </a:r>
             <a:r>
               <a:rPr lang="fr-FR" dirty="0" smtClean="0"/>
-              <a:t>XD</a:t>
-            </a:r>
+              <a:t>draw.io</a:t>
+            </a:r>
+            <a:endParaRPr lang="fr-FR" dirty="0" smtClean="0"/>
           </a:p>
           <a:p>
             <a:pPr>
@@ -10352,7 +9710,7 @@
         </p:blipFill>
         <p:spPr>
           <a:xfrm>
-            <a:off x="7786710" y="428604"/>
+            <a:off x="8059415" y="176627"/>
             <a:ext cx="952500" cy="866775"/>
           </a:xfrm>
           <a:prstGeom prst="rect">
@@ -10369,7 +9727,7 @@
         </p:nvSpPr>
         <p:spPr>
           <a:xfrm>
-            <a:off x="1214414" y="1857364"/>
+            <a:off x="3797506" y="1629382"/>
             <a:ext cx="571504" cy="357190"/>
           </a:xfrm>
           <a:prstGeom prst="rightArrow">
@@ -10424,8 +9782,8 @@
         </p:blipFill>
         <p:spPr>
           <a:xfrm>
-            <a:off x="1214414" y="428604"/>
-            <a:ext cx="1771650" cy="7210425"/>
+            <a:off x="1140020" y="1486134"/>
+            <a:ext cx="2999932" cy="7210425"/>
           </a:xfrm>
           <a:prstGeom prst="rect">
             <a:avLst/>
@@ -10448,7 +9806,7 @@
         </p:blipFill>
         <p:spPr>
           <a:xfrm>
-            <a:off x="6143636" y="-1000156"/>
+            <a:off x="7262033" y="1109827"/>
             <a:ext cx="1638300" cy="8734425"/>
           </a:xfrm>
           <a:prstGeom prst="rect">
@@ -10491,91 +9849,26 @@
       </p:grpSpPr>
       <p:sp>
         <p:nvSpPr>
-          <p:cNvPr id="6" name="Titre 1"/>
-          <p:cNvSpPr txBox="1">
-            <a:spLocks/>
-          </p:cNvSpPr>
-          <p:nvPr/>
-        </p:nvSpPr>
-        <p:spPr>
-          <a:xfrm>
-            <a:off x="2857488" y="285728"/>
-            <a:ext cx="4857784" cy="1143000"/>
-          </a:xfrm>
-          <a:prstGeom prst="rect">
-            <a:avLst/>
-          </a:prstGeom>
+          <p:cNvPr id="2" name="Titre 1"/>
+          <p:cNvSpPr>
+            <a:spLocks noGrp="1"/>
+          </p:cNvSpPr>
+          <p:nvPr>
+            <p:ph type="title"/>
+          </p:nvPr>
+        </p:nvSpPr>
+        <p:spPr>
+          <a:xfrm>
+            <a:off x="2772000" y="252000"/>
+            <a:ext cx="5040000" cy="720000"/>
+          </a:xfrm>
           <a:solidFill>
             <a:srgbClr val="C65806"/>
           </a:solidFill>
         </p:spPr>
         <p:txBody>
-          <a:bodyPr anchor="ctr">
-            <a:normAutofit/>
-          </a:bodyPr>
-          <a:lstStyle/>
-          <a:p>
-            <a:pPr marL="0" marR="0" lvl="0" indent="0" algn="l" defTabSz="914400" rtl="0" eaLnBrk="1" fontAlgn="auto" latinLnBrk="0" hangingPunct="1">
-              <a:lnSpc>
-                <a:spcPct val="100000"/>
-              </a:lnSpc>
-              <a:spcBef>
-                <a:spcPct val="0"/>
-              </a:spcBef>
-              <a:spcAft>
-                <a:spcPts val="0"/>
-              </a:spcAft>
-              <a:buClrTx/>
-              <a:buSzTx/>
-              <a:buFontTx/>
-              <a:buNone/>
-              <a:tabLst/>
-              <a:defRPr/>
-            </a:pPr>
-            <a:endParaRPr kumimoji="0" lang="fr-FR" sz="4300" b="0" i="0" u="none" strike="noStrike" kern="1200" cap="none" spc="0" normalizeH="0" baseline="0" noProof="0" dirty="0">
-              <a:ln>
-                <a:noFill/>
-              </a:ln>
-              <a:solidFill>
-                <a:schemeClr val="tx2">
-                  <a:satMod val="130000"/>
-                </a:schemeClr>
-              </a:solidFill>
-              <a:effectLst>
-                <a:outerShdw blurRad="50000" dist="30000" dir="5400000" algn="tl" rotWithShape="0">
-                  <a:srgbClr val="000000">
-                    <a:alpha val="30000"/>
-                  </a:srgbClr>
-                </a:outerShdw>
-              </a:effectLst>
-              <a:uLnTx/>
-              <a:uFillTx/>
-              <a:latin typeface="+mj-lt"/>
-              <a:ea typeface="+mj-ea"/>
-              <a:cs typeface="+mj-cs"/>
-            </a:endParaRPr>
-          </a:p>
-        </p:txBody>
-      </p:sp>
-      <p:sp>
-        <p:nvSpPr>
-          <p:cNvPr id="2" name="Titre 1"/>
-          <p:cNvSpPr>
-            <a:spLocks noGrp="1"/>
-          </p:cNvSpPr>
-          <p:nvPr>
-            <p:ph type="title"/>
-          </p:nvPr>
-        </p:nvSpPr>
-        <p:spPr>
-          <a:xfrm>
-            <a:off x="2857488" y="285728"/>
-            <a:ext cx="4500594" cy="1143000"/>
-          </a:xfrm>
-        </p:spPr>
-        <p:txBody>
           <a:bodyPr>
-            <a:normAutofit/>
+            <a:normAutofit fontScale="90000"/>
           </a:bodyPr>
           <a:lstStyle/>
           <a:p>
@@ -10600,8 +9893,8 @@
         </p:nvSpPr>
         <p:spPr>
           <a:xfrm>
-            <a:off x="1500166" y="1714488"/>
-            <a:ext cx="7498080" cy="4800600"/>
+            <a:off x="1500166" y="1484784"/>
+            <a:ext cx="7498080" cy="5030304"/>
           </a:xfrm>
         </p:spPr>
         <p:txBody>
@@ -10704,7 +9997,7 @@
         </p:blipFill>
         <p:spPr>
           <a:xfrm>
-            <a:off x="7786710" y="428604"/>
+            <a:off x="8045746" y="237433"/>
             <a:ext cx="952500" cy="866775"/>
           </a:xfrm>
           <a:prstGeom prst="rect">
@@ -10721,7 +10014,7 @@
         </p:nvSpPr>
         <p:spPr>
           <a:xfrm>
-            <a:off x="1214414" y="1857364"/>
+            <a:off x="1214414" y="1643074"/>
             <a:ext cx="571504" cy="357190"/>
           </a:xfrm>
           <a:prstGeom prst="rightArrow">
@@ -10761,6 +10054,36 @@
           </a:p>
         </p:txBody>
       </p:sp>
+      <p:pic>
+        <p:nvPicPr>
+          <p:cNvPr id="9" name="Image 8"/>
+          <p:cNvPicPr>
+            <a:picLocks noChangeAspect="1"/>
+          </p:cNvPicPr>
+          <p:nvPr/>
+        </p:nvPicPr>
+        <p:blipFill>
+          <a:blip r:embed="rId4">
+            <a:extLst>
+              <a:ext uri="{28A0092B-C50C-407E-A947-70E740481C1C}">
+                <a14:useLocalDpi xmlns:a14="http://schemas.microsoft.com/office/drawing/2010/main" val="0"/>
+              </a:ext>
+            </a:extLst>
+          </a:blip>
+          <a:stretch>
+            <a:fillRect/>
+          </a:stretch>
+        </p:blipFill>
+        <p:spPr>
+          <a:xfrm>
+            <a:off x="1566393" y="2324100"/>
+            <a:ext cx="6686550" cy="4533900"/>
+          </a:xfrm>
+          <a:prstGeom prst="rect">
+            <a:avLst/>
+          </a:prstGeom>
+        </p:spPr>
+      </p:pic>
     </p:spTree>
   </p:cSld>
   <p:clrMapOvr>
